--- a/map_reduce.pptx
+++ b/map_reduce.pptx
@@ -8,7 +8,7 @@
     <p:notesMasterId r:id="rId4"/>
   </p:notesMasterIdLst>
   <p:handoutMasterIdLst>
-    <p:handoutMasterId r:id="rId13"/>
+    <p:handoutMasterId r:id="rId14"/>
   </p:handoutMasterIdLst>
   <p:sldIdLst>
     <p:sldId id="256" r:id="rId3"/>
@@ -20,6 +20,7 @@
     <p:sldId id="263" r:id="rId10"/>
     <p:sldId id="264" r:id="rId11"/>
     <p:sldId id="271" r:id="rId12"/>
+    <p:sldId id="273" r:id="rId13"/>
   </p:sldIdLst>
   <p:sldSz cx="12192000" cy="6858000"/>
   <p:notesSz cx="7103745" cy="10234295"/>
@@ -3675,6 +3676,302 @@
 </p:sld>
 </file>
 
+<file path=ppt/slides/slide10.xml><?xml version="1.0" encoding="utf-8"?>
+<p:sld xmlns:a="http://schemas.openxmlformats.org/drawingml/2006/main" xmlns:r="http://schemas.openxmlformats.org/officeDocument/2006/relationships" xmlns:p="http://schemas.openxmlformats.org/presentationml/2006/main">
+  <p:cSld>
+    <p:spTree>
+      <p:nvGrpSpPr>
+        <p:cNvPr id="1" name=""/>
+        <p:cNvGrpSpPr/>
+        <p:nvPr/>
+      </p:nvGrpSpPr>
+      <p:grpSpPr/>
+      <p:sp>
+        <p:nvSpPr>
+          <p:cNvPr id="4" name="Text Box 3"/>
+          <p:cNvSpPr txBox="1"/>
+          <p:nvPr/>
+        </p:nvSpPr>
+        <p:spPr>
+          <a:xfrm>
+            <a:off x="1821180" y="913130"/>
+            <a:ext cx="7772400" cy="2676525"/>
+          </a:xfrm>
+          <a:prstGeom prst="rect">
+            <a:avLst/>
+          </a:prstGeom>
+          <a:noFill/>
+        </p:spPr>
+        <p:txBody>
+          <a:bodyPr wrap="square" rtlCol="0">
+            <a:spAutoFit/>
+          </a:bodyPr>
+          <a:p>
+            <a:r>
+              <a:rPr lang="en-US" sz="2400" b="1">
+                <a:solidFill>
+                  <a:schemeClr val="bg1"/>
+                </a:solidFill>
+                <a:latin typeface="Bitstream Vera Sans Mono" panose="020B0609030804020204" charset="0"/>
+                <a:cs typeface="Bitstream Vera Sans Mono" panose="020B0609030804020204" charset="0"/>
+              </a:rPr>
+              <a:t>map(String key, String value)</a:t>
+            </a:r>
+            <a:endParaRPr lang="en-US" sz="2400" b="1">
+              <a:solidFill>
+                <a:schemeClr val="bg1"/>
+              </a:solidFill>
+              <a:latin typeface="Bitstream Vera Sans Mono" panose="020B0609030804020204" charset="0"/>
+              <a:cs typeface="Bitstream Vera Sans Mono" panose="020B0609030804020204" charset="0"/>
+            </a:endParaRPr>
+          </a:p>
+          <a:p>
+            <a:r>
+              <a:rPr lang="en-US" sz="2400" b="1">
+                <a:solidFill>
+                  <a:schemeClr val="bg1"/>
+                </a:solidFill>
+                <a:latin typeface="Bitstream Vera Sans Mono" panose="020B0609030804020204" charset="0"/>
+                <a:cs typeface="Bitstream Vera Sans Mono" panose="020B0609030804020204" charset="0"/>
+              </a:rPr>
+              <a:t>// key: document name</a:t>
+            </a:r>
+            <a:endParaRPr lang="en-US" sz="2400" b="1">
+              <a:solidFill>
+                <a:schemeClr val="bg1"/>
+              </a:solidFill>
+              <a:latin typeface="Bitstream Vera Sans Mono" panose="020B0609030804020204" charset="0"/>
+              <a:cs typeface="Bitstream Vera Sans Mono" panose="020B0609030804020204" charset="0"/>
+            </a:endParaRPr>
+          </a:p>
+          <a:p>
+            <a:r>
+              <a:rPr lang="en-US" sz="2400" b="1">
+                <a:solidFill>
+                  <a:schemeClr val="bg1"/>
+                </a:solidFill>
+                <a:latin typeface="Bitstream Vera Sans Mono" panose="020B0609030804020204" charset="0"/>
+                <a:cs typeface="Bitstream Vera Sans Mono" panose="020B0609030804020204" charset="0"/>
+              </a:rPr>
+              <a:t>// value: document contents</a:t>
+            </a:r>
+            <a:endParaRPr lang="en-US" sz="2400" b="1">
+              <a:solidFill>
+                <a:schemeClr val="bg1"/>
+              </a:solidFill>
+              <a:latin typeface="Bitstream Vera Sans Mono" panose="020B0609030804020204" charset="0"/>
+              <a:cs typeface="Bitstream Vera Sans Mono" panose="020B0609030804020204" charset="0"/>
+            </a:endParaRPr>
+          </a:p>
+          <a:p>
+            <a:r>
+              <a:rPr lang="en-US" sz="2400" b="1">
+                <a:solidFill>
+                  <a:schemeClr val="bg1"/>
+                </a:solidFill>
+                <a:latin typeface="Bitstream Vera Sans Mono" panose="020B0609030804020204" charset="0"/>
+                <a:cs typeface="Bitstream Vera Sans Mono" panose="020B0609030804020204" charset="0"/>
+              </a:rPr>
+              <a:t> for each word w in value</a:t>
+            </a:r>
+            <a:endParaRPr lang="en-US" sz="2400" b="1">
+              <a:solidFill>
+                <a:schemeClr val="bg1"/>
+              </a:solidFill>
+              <a:latin typeface="Bitstream Vera Sans Mono" panose="020B0609030804020204" charset="0"/>
+              <a:cs typeface="Bitstream Vera Sans Mono" panose="020B0609030804020204" charset="0"/>
+            </a:endParaRPr>
+          </a:p>
+          <a:p>
+            <a:r>
+              <a:rPr lang="en-US" sz="2400" b="1">
+                <a:solidFill>
+                  <a:schemeClr val="bg1"/>
+                </a:solidFill>
+                <a:latin typeface="Bitstream Vera Sans Mono" panose="020B0609030804020204" charset="0"/>
+                <a:cs typeface="Bitstream Vera Sans Mono" panose="020B0609030804020204" charset="0"/>
+              </a:rPr>
+              <a:t>   EmitIntermediate(w, "1")</a:t>
+            </a:r>
+            <a:endParaRPr lang="en-US" sz="2400" b="1">
+              <a:solidFill>
+                <a:schemeClr val="bg1"/>
+              </a:solidFill>
+              <a:latin typeface="Bitstream Vera Sans Mono" panose="020B0609030804020204" charset="0"/>
+              <a:cs typeface="Bitstream Vera Sans Mono" panose="020B0609030804020204" charset="0"/>
+            </a:endParaRPr>
+          </a:p>
+          <a:p>
+            <a:endParaRPr lang="en-US" sz="2400" b="1">
+              <a:solidFill>
+                <a:schemeClr val="bg1"/>
+              </a:solidFill>
+              <a:latin typeface="Bitstream Vera Sans Mono" panose="020B0609030804020204" charset="0"/>
+              <a:cs typeface="Bitstream Vera Sans Mono" panose="020B0609030804020204" charset="0"/>
+            </a:endParaRPr>
+          </a:p>
+          <a:p>
+            <a:endParaRPr lang="en-US" sz="2400" b="1">
+              <a:solidFill>
+                <a:schemeClr val="bg1"/>
+              </a:solidFill>
+              <a:latin typeface="Bitstream Vera Sans Mono" panose="020B0609030804020204" charset="0"/>
+              <a:cs typeface="Bitstream Vera Sans Mono" panose="020B0609030804020204" charset="0"/>
+            </a:endParaRPr>
+          </a:p>
+        </p:txBody>
+      </p:sp>
+      <p:sp>
+        <p:nvSpPr>
+          <p:cNvPr id="5" name="Text Box 4"/>
+          <p:cNvSpPr txBox="1"/>
+          <p:nvPr/>
+        </p:nvSpPr>
+        <p:spPr>
+          <a:xfrm>
+            <a:off x="1821180" y="3162300"/>
+            <a:ext cx="8373110" cy="2306955"/>
+          </a:xfrm>
+          <a:prstGeom prst="rect">
+            <a:avLst/>
+          </a:prstGeom>
+          <a:noFill/>
+        </p:spPr>
+        <p:txBody>
+          <a:bodyPr wrap="square" rtlCol="0" anchor="t">
+            <a:spAutoFit/>
+          </a:bodyPr>
+          <a:p>
+            <a:r>
+              <a:rPr lang="en-US" sz="2400" b="1">
+                <a:solidFill>
+                  <a:schemeClr val="bg1"/>
+                </a:solidFill>
+                <a:latin typeface="Bitstream Vera Sans Mono" panose="020B0609030804020204" charset="0"/>
+                <a:cs typeface="Bitstream Vera Sans Mono" panose="020B0609030804020204" charset="0"/>
+                <a:sym typeface="+mn-ea"/>
+              </a:rPr>
+              <a:t>reduce(String key, Iterator values):</a:t>
+            </a:r>
+            <a:endParaRPr lang="en-US" sz="2400" b="1">
+              <a:solidFill>
+                <a:schemeClr val="bg1"/>
+              </a:solidFill>
+              <a:latin typeface="Bitstream Vera Sans Mono" panose="020B0609030804020204" charset="0"/>
+              <a:cs typeface="Bitstream Vera Sans Mono" panose="020B0609030804020204" charset="0"/>
+            </a:endParaRPr>
+          </a:p>
+          <a:p>
+            <a:r>
+              <a:rPr lang="en-US" sz="2400" b="1">
+                <a:solidFill>
+                  <a:schemeClr val="bg1"/>
+                </a:solidFill>
+                <a:latin typeface="Bitstream Vera Sans Mono" panose="020B0609030804020204" charset="0"/>
+                <a:cs typeface="Bitstream Vera Sans Mono" panose="020B0609030804020204" charset="0"/>
+                <a:sym typeface="+mn-ea"/>
+              </a:rPr>
+              <a:t>// key: word</a:t>
+            </a:r>
+            <a:endParaRPr lang="en-US" sz="2400" b="1">
+              <a:solidFill>
+                <a:schemeClr val="bg1"/>
+              </a:solidFill>
+              <a:latin typeface="Bitstream Vera Sans Mono" panose="020B0609030804020204" charset="0"/>
+              <a:cs typeface="Bitstream Vera Sans Mono" panose="020B0609030804020204" charset="0"/>
+            </a:endParaRPr>
+          </a:p>
+          <a:p>
+            <a:r>
+              <a:rPr lang="en-US" sz="2400" b="1">
+                <a:solidFill>
+                  <a:schemeClr val="bg1"/>
+                </a:solidFill>
+                <a:latin typeface="Bitstream Vera Sans Mono" panose="020B0609030804020204" charset="0"/>
+                <a:cs typeface="Bitstream Vera Sans Mono" panose="020B0609030804020204" charset="0"/>
+                <a:sym typeface="+mn-ea"/>
+              </a:rPr>
+              <a:t>// values: a list of counts</a:t>
+            </a:r>
+            <a:endParaRPr lang="en-US" sz="2400" b="1">
+              <a:solidFill>
+                <a:schemeClr val="bg1"/>
+              </a:solidFill>
+              <a:latin typeface="Bitstream Vera Sans Mono" panose="020B0609030804020204" charset="0"/>
+              <a:cs typeface="Bitstream Vera Sans Mono" panose="020B0609030804020204" charset="0"/>
+            </a:endParaRPr>
+          </a:p>
+          <a:p>
+            <a:r>
+              <a:rPr lang="en-US" sz="2400" b="1">
+                <a:solidFill>
+                  <a:schemeClr val="bg1"/>
+                </a:solidFill>
+                <a:latin typeface="Bitstream Vera Sans Mono" panose="020B0609030804020204" charset="0"/>
+                <a:cs typeface="Bitstream Vera Sans Mono" panose="020B0609030804020204" charset="0"/>
+                <a:sym typeface="+mn-ea"/>
+              </a:rPr>
+              <a:t>  for each v in values:</a:t>
+            </a:r>
+            <a:endParaRPr lang="en-US" sz="2400" b="1">
+              <a:solidFill>
+                <a:schemeClr val="bg1"/>
+              </a:solidFill>
+              <a:latin typeface="Bitstream Vera Sans Mono" panose="020B0609030804020204" charset="0"/>
+              <a:cs typeface="Bitstream Vera Sans Mono" panose="020B0609030804020204" charset="0"/>
+            </a:endParaRPr>
+          </a:p>
+          <a:p>
+            <a:r>
+              <a:rPr lang="en-US" sz="2400" b="1">
+                <a:solidFill>
+                  <a:schemeClr val="bg1"/>
+                </a:solidFill>
+                <a:latin typeface="Bitstream Vera Sans Mono" panose="020B0609030804020204" charset="0"/>
+                <a:cs typeface="Bitstream Vera Sans Mono" panose="020B0609030804020204" charset="0"/>
+                <a:sym typeface="+mn-ea"/>
+              </a:rPr>
+              <a:t>    result += ParseInt(v);</a:t>
+            </a:r>
+            <a:endParaRPr lang="en-US" sz="2400" b="1">
+              <a:solidFill>
+                <a:schemeClr val="bg1"/>
+              </a:solidFill>
+              <a:latin typeface="Bitstream Vera Sans Mono" panose="020B0609030804020204" charset="0"/>
+              <a:cs typeface="Bitstream Vera Sans Mono" panose="020B0609030804020204" charset="0"/>
+            </a:endParaRPr>
+          </a:p>
+          <a:p>
+            <a:r>
+              <a:rPr lang="en-US" sz="2400" b="1">
+                <a:solidFill>
+                  <a:schemeClr val="bg1"/>
+                </a:solidFill>
+                <a:latin typeface="Bitstream Vera Sans Mono" panose="020B0609030804020204" charset="0"/>
+                <a:cs typeface="Bitstream Vera Sans Mono" panose="020B0609030804020204" charset="0"/>
+                <a:sym typeface="+mn-ea"/>
+              </a:rPr>
+              <a:t>    Emit(AsString(result));</a:t>
+            </a:r>
+            <a:endParaRPr lang="en-US" sz="2400" b="1">
+              <a:solidFill>
+                <a:schemeClr val="bg1"/>
+              </a:solidFill>
+              <a:latin typeface="Bitstream Vera Sans Mono" panose="020B0609030804020204" charset="0"/>
+              <a:cs typeface="Bitstream Vera Sans Mono" panose="020B0609030804020204" charset="0"/>
+              <a:sym typeface="+mn-ea"/>
+            </a:endParaRPr>
+          </a:p>
+        </p:txBody>
+      </p:sp>
+    </p:spTree>
+  </p:cSld>
+  <p:clrMapOvr>
+    <a:masterClrMapping/>
+  </p:clrMapOvr>
+</p:sld>
+</file>
+
 <file path=ppt/slides/slide2.xml><?xml version="1.0" encoding="utf-8"?>
 <p:sld xmlns:a="http://schemas.openxmlformats.org/drawingml/2006/main" xmlns:r="http://schemas.openxmlformats.org/officeDocument/2006/relationships" xmlns:p="http://schemas.openxmlformats.org/presentationml/2006/main">
   <p:cSld>
@@ -3765,8 +4062,8 @@
         </p:blipFill>
         <p:spPr>
           <a:xfrm>
-            <a:off x="647700" y="1146810"/>
-            <a:ext cx="5101590" cy="3402965"/>
+            <a:off x="959485" y="980440"/>
+            <a:ext cx="4726940" cy="3152775"/>
           </a:xfrm>
           <a:prstGeom prst="rect">
             <a:avLst/>
@@ -3789,7 +4086,7 @@
         </p:blipFill>
         <p:spPr>
           <a:xfrm>
-            <a:off x="6242050" y="2390140"/>
+            <a:off x="6186170" y="2202815"/>
             <a:ext cx="5057140" cy="3792855"/>
           </a:xfrm>
           <a:prstGeom prst="rect">
@@ -3797,6 +4094,80 @@
           </a:prstGeom>
         </p:spPr>
       </p:pic>
+      <p:sp>
+        <p:nvSpPr>
+          <p:cNvPr id="3" name="Text Box 2"/>
+          <p:cNvSpPr txBox="1"/>
+          <p:nvPr/>
+        </p:nvSpPr>
+        <p:spPr>
+          <a:xfrm>
+            <a:off x="6387465" y="864870"/>
+            <a:ext cx="4855845" cy="1445260"/>
+          </a:xfrm>
+          <a:prstGeom prst="rect">
+            <a:avLst/>
+          </a:prstGeom>
+          <a:noFill/>
+        </p:spPr>
+        <p:txBody>
+          <a:bodyPr wrap="square" rtlCol="0">
+            <a:spAutoFit/>
+          </a:bodyPr>
+          <a:p>
+            <a:r>
+              <a:rPr lang="" altLang="en-US" sz="8800" b="1">
+                <a:solidFill>
+                  <a:schemeClr val="bg1"/>
+                </a:solidFill>
+              </a:rPr>
+              <a:t>Big Data</a:t>
+            </a:r>
+            <a:endParaRPr lang="" altLang="en-US" sz="8800" b="1">
+              <a:solidFill>
+                <a:schemeClr val="bg1"/>
+              </a:solidFill>
+            </a:endParaRPr>
+          </a:p>
+        </p:txBody>
+      </p:sp>
+      <p:sp>
+        <p:nvSpPr>
+          <p:cNvPr id="6" name="Text Box 5"/>
+          <p:cNvSpPr txBox="1"/>
+          <p:nvPr/>
+        </p:nvSpPr>
+        <p:spPr>
+          <a:xfrm>
+            <a:off x="647700" y="4550410"/>
+            <a:ext cx="5210175" cy="1445260"/>
+          </a:xfrm>
+          <a:prstGeom prst="rect">
+            <a:avLst/>
+          </a:prstGeom>
+          <a:noFill/>
+        </p:spPr>
+        <p:txBody>
+          <a:bodyPr wrap="square" rtlCol="0">
+            <a:spAutoFit/>
+          </a:bodyPr>
+          <a:p>
+            <a:r>
+              <a:rPr lang="" altLang="en-US" sz="4400" b="1">
+                <a:solidFill>
+                  <a:schemeClr val="bg1"/>
+                </a:solidFill>
+              </a:rPr>
+              <a:t>Huge Challenge to Process it</a:t>
+            </a:r>
+            <a:endParaRPr lang="" altLang="en-US" sz="4400" b="1">
+              <a:solidFill>
+                <a:schemeClr val="bg1"/>
+              </a:solidFill>
+            </a:endParaRPr>
+          </a:p>
+        </p:txBody>
+      </p:sp>
     </p:spTree>
   </p:cSld>
   <p:clrMapOvr>
@@ -4154,14 +4525,14 @@
               <a:buNone/>
             </a:pPr>
             <a:r>
-              <a:rPr lang="" altLang="en-US" sz="4800" b="1">
+              <a:rPr lang="en-US" altLang="en-US" sz="4800" b="1">
                 <a:solidFill>
                   <a:schemeClr val="bg1"/>
                 </a:solidFill>
               </a:rPr>
               <a:t>Adavantages</a:t>
             </a:r>
-            <a:endParaRPr lang="" altLang="en-US" sz="4800" b="1">
+            <a:endParaRPr lang="en-US" altLang="en-US" sz="4800" b="1">
               <a:solidFill>
                 <a:schemeClr val="bg1"/>
               </a:solidFill>
@@ -4269,14 +4640,14 @@
           </a:bodyPr>
           <a:p>
             <a:r>
-              <a:rPr lang="" altLang="en-US" sz="3200" b="1">
+              <a:rPr lang="en-US" altLang="en-US" sz="3200" b="1">
                 <a:solidFill>
                   <a:schemeClr val="bg1"/>
                 </a:solidFill>
               </a:rPr>
               <a:t>Flexibility</a:t>
             </a:r>
-            <a:endParaRPr lang="" altLang="en-US" sz="3200" b="1">
+            <a:endParaRPr lang="en-US" altLang="en-US" sz="3200" b="1">
               <a:solidFill>
                 <a:schemeClr val="bg1"/>
               </a:solidFill>
@@ -4306,14 +4677,14 @@
           </a:bodyPr>
           <a:p>
             <a:r>
-              <a:rPr lang="" altLang="en-US" sz="3200" b="1">
+              <a:rPr lang="en-US" altLang="en-US" sz="3200" b="1">
                 <a:solidFill>
                   <a:schemeClr val="bg1"/>
                 </a:solidFill>
               </a:rPr>
               <a:t>Fast</a:t>
             </a:r>
-            <a:endParaRPr lang="" altLang="en-US" sz="3200" b="1">
+            <a:endParaRPr lang="en-US" altLang="en-US" sz="3200" b="1">
               <a:solidFill>
                 <a:schemeClr val="bg1"/>
               </a:solidFill>
@@ -4343,14 +4714,14 @@
           </a:bodyPr>
           <a:p>
             <a:r>
-              <a:rPr lang="" altLang="en-US" sz="3200" b="1">
+              <a:rPr lang="en-US" altLang="en-US" sz="3200" b="1">
                 <a:solidFill>
                   <a:schemeClr val="bg1"/>
                 </a:solidFill>
               </a:rPr>
               <a:t>Parallel Processing</a:t>
             </a:r>
-            <a:endParaRPr lang="" altLang="en-US" sz="3200" b="1">
+            <a:endParaRPr lang="en-US" altLang="en-US" sz="3200" b="1">
               <a:solidFill>
                 <a:schemeClr val="bg1"/>
               </a:solidFill>
@@ -4380,14 +4751,14 @@
           </a:bodyPr>
           <a:p>
             <a:r>
-              <a:rPr lang="" altLang="en-US" sz="3200" b="1">
+              <a:rPr lang="en-US" altLang="en-US" sz="3200" b="1">
                 <a:solidFill>
                   <a:schemeClr val="bg1"/>
                 </a:solidFill>
               </a:rPr>
               <a:t>Simple</a:t>
             </a:r>
-            <a:endParaRPr lang="" altLang="en-US" sz="3200" b="1">
+            <a:endParaRPr lang="en-US" altLang="en-US" sz="3200" b="1">
               <a:solidFill>
                 <a:schemeClr val="bg1"/>
               </a:solidFill>

--- a/map_reduce.pptx
+++ b/map_reduce.pptx
@@ -8,7 +8,7 @@
     <p:notesMasterId r:id="rId8"/>
   </p:notesMasterIdLst>
   <p:handoutMasterIdLst>
-    <p:handoutMasterId r:id="rId20"/>
+    <p:handoutMasterId r:id="rId19"/>
   </p:handoutMasterIdLst>
   <p:sldIdLst>
     <p:sldId id="274" r:id="rId3"/>
@@ -17,16 +17,15 @@
     <p:sldId id="276" r:id="rId6"/>
     <p:sldId id="256" r:id="rId7"/>
     <p:sldId id="279" r:id="rId9"/>
-    <p:sldId id="280" r:id="rId10"/>
-    <p:sldId id="282" r:id="rId11"/>
-    <p:sldId id="283" r:id="rId12"/>
-    <p:sldId id="284" r:id="rId13"/>
-    <p:sldId id="286" r:id="rId14"/>
-    <p:sldId id="287" r:id="rId15"/>
-    <p:sldId id="288" r:id="rId16"/>
-    <p:sldId id="278" r:id="rId17"/>
-    <p:sldId id="273" r:id="rId18"/>
-    <p:sldId id="289" r:id="rId19"/>
+    <p:sldId id="282" r:id="rId10"/>
+    <p:sldId id="283" r:id="rId11"/>
+    <p:sldId id="284" r:id="rId12"/>
+    <p:sldId id="286" r:id="rId13"/>
+    <p:sldId id="287" r:id="rId14"/>
+    <p:sldId id="288" r:id="rId15"/>
+    <p:sldId id="278" r:id="rId16"/>
+    <p:sldId id="273" r:id="rId17"/>
+    <p:sldId id="289" r:id="rId18"/>
   </p:sldIdLst>
   <p:sldSz cx="12192000" cy="6858000"/>
   <p:notesSz cx="7103745" cy="10234295"/>
@@ -669,6 +668,10 @@
               <a:buFont typeface="Arial" panose="020B0604020202020204" pitchFamily="34" charset="0"/>
               <a:buAutoNum type="arabicPeriod"/>
             </a:pPr>
+            <a:r>
+              <a:rPr lang="en-US" sz="2000"/>
+              <a:t>Map is a function which "transforms" items in some kind of list to another kind of item and put them back in the same kind of list.</a:t>
+            </a:r>
             <a:endParaRPr lang="en-US" sz="2000"/>
           </a:p>
         </p:txBody>
@@ -809,7 +812,29 @@
             <a:pPr marL="0" indent="0">
               <a:buNone/>
             </a:pPr>
-            <a:endParaRPr lang="en-US" dirty="0"/>
+            <a:r>
+              <a:rPr lang="en-US" dirty="0" smtClean="0"/>
+              <a:t>Hello word of </a:t>
+            </a:r>
+            <a:r>
+              <a:rPr lang="en-US" dirty="0" err="1" smtClean="0"/>
+              <a:t>MapReduce</a:t>
+            </a:r>
+            <a:endParaRPr lang="en-US" dirty="0" smtClean="0"/>
+          </a:p>
+          <a:p>
+            <a:pPr marL="0" indent="0">
+              <a:buNone/>
+            </a:pPr>
+            <a:r>
+              <a:rPr lang="en-US" dirty="0" smtClean="0"/>
+              <a:t>Count</a:t>
+            </a:r>
+            <a:r>
+              <a:rPr lang="en-US" baseline="0" dirty="0" smtClean="0"/>
+              <a:t> the word frequency of a file</a:t>
+            </a:r>
+            <a:endParaRPr lang="en-US" baseline="0" dirty="0" smtClean="0"/>
           </a:p>
         </p:txBody>
       </p:sp>
@@ -890,29 +915,7 @@
             <a:pPr marL="0" indent="0">
               <a:buNone/>
             </a:pPr>
-            <a:r>
-              <a:rPr lang="en-US" dirty="0" smtClean="0"/>
-              <a:t>Hello word of </a:t>
-            </a:r>
-            <a:r>
-              <a:rPr lang="en-US" dirty="0" err="1" smtClean="0"/>
-              <a:t>MapReduce</a:t>
-            </a:r>
-            <a:endParaRPr lang="en-US" dirty="0" smtClean="0"/>
-          </a:p>
-          <a:p>
-            <a:pPr marL="0" indent="0">
-              <a:buNone/>
-            </a:pPr>
-            <a:r>
-              <a:rPr lang="en-US" dirty="0" smtClean="0"/>
-              <a:t>Count</a:t>
-            </a:r>
-            <a:r>
-              <a:rPr lang="en-US" baseline="0" dirty="0" smtClean="0"/>
-              <a:t> the word frequency of a file</a:t>
-            </a:r>
-            <a:endParaRPr lang="en-US" baseline="0" dirty="0" smtClean="0"/>
+            <a:endParaRPr lang="en-US" dirty="0"/>
           </a:p>
         </p:txBody>
       </p:sp>
@@ -947,87 +950,6 @@
 </file>
 
 <file path=ppt/notesSlides/notesSlide5.xml><?xml version="1.0" encoding="utf-8"?>
-<p:notes xmlns:a="http://schemas.openxmlformats.org/drawingml/2006/main" xmlns:r="http://schemas.openxmlformats.org/officeDocument/2006/relationships" xmlns:p="http://schemas.openxmlformats.org/presentationml/2006/main">
-  <p:cSld>
-    <p:spTree>
-      <p:nvGrpSpPr>
-        <p:cNvPr id="1" name=""/>
-        <p:cNvGrpSpPr/>
-        <p:nvPr/>
-      </p:nvGrpSpPr>
-      <p:grpSpPr>
-        <a:xfrm>
-          <a:off x="0" y="0"/>
-          <a:ext cx="0" cy="0"/>
-          <a:chOff x="0" y="0"/>
-          <a:chExt cx="0" cy="0"/>
-        </a:xfrm>
-      </p:grpSpPr>
-      <p:sp>
-        <p:nvSpPr>
-          <p:cNvPr id="2" name="Slide Image Placeholder 1"/>
-          <p:cNvSpPr>
-            <a:spLocks noGrp="1" noRot="1" noChangeAspect="1"/>
-          </p:cNvSpPr>
-          <p:nvPr>
-            <p:ph type="sldImg"/>
-          </p:nvPr>
-        </p:nvSpPr>
-        <p:spPr/>
-      </p:sp>
-      <p:sp>
-        <p:nvSpPr>
-          <p:cNvPr id="3" name="Notes Placeholder 2"/>
-          <p:cNvSpPr>
-            <a:spLocks noGrp="1"/>
-          </p:cNvSpPr>
-          <p:nvPr>
-            <p:ph type="body" idx="1"/>
-          </p:nvPr>
-        </p:nvSpPr>
-        <p:spPr/>
-        <p:txBody>
-          <a:bodyPr/>
-          <a:lstStyle/>
-          <a:p>
-            <a:pPr marL="0" indent="0">
-              <a:buNone/>
-            </a:pPr>
-            <a:endParaRPr lang="en-US" dirty="0"/>
-          </a:p>
-        </p:txBody>
-      </p:sp>
-      <p:sp>
-        <p:nvSpPr>
-          <p:cNvPr id="4" name="Slide Number Placeholder 3"/>
-          <p:cNvSpPr>
-            <a:spLocks noGrp="1"/>
-          </p:cNvSpPr>
-          <p:nvPr>
-            <p:ph type="sldNum" sz="quarter" idx="10"/>
-          </p:nvPr>
-        </p:nvSpPr>
-        <p:spPr/>
-        <p:txBody>
-          <a:bodyPr/>
-          <a:lstStyle/>
-          <a:p>
-            <a:fld id="{862DBF5F-E884-8D4B-8536-498293E3FBD0}" type="slidenum">
-              <a:rPr lang="en-US" smtClean="0"/>
-            </a:fld>
-            <a:endParaRPr lang="en-US" dirty="0"/>
-          </a:p>
-        </p:txBody>
-      </p:sp>
-    </p:spTree>
-  </p:cSld>
-  <p:clrMapOvr>
-    <a:masterClrMapping/>
-  </p:clrMapOvr>
-</p:notes>
-</file>
-
-<file path=ppt/notesSlides/notesSlide6.xml><?xml version="1.0" encoding="utf-8"?>
 <p:notes xmlns:a="http://schemas.openxmlformats.org/drawingml/2006/main" xmlns:r="http://schemas.openxmlformats.org/officeDocument/2006/relationships" xmlns:p="http://schemas.openxmlformats.org/presentationml/2006/main">
   <p:cSld>
     <p:spTree>
@@ -4292,2855 +4214,6 @@
 </file>
 
 <file path=ppt/slides/slide10.xml><?xml version="1.0" encoding="utf-8"?>
-<p:sld xmlns:a="http://schemas.openxmlformats.org/drawingml/2006/main" xmlns:r="http://schemas.openxmlformats.org/officeDocument/2006/relationships" xmlns:p="http://schemas.openxmlformats.org/presentationml/2006/main">
-  <p:cSld>
-    <p:spTree>
-      <p:nvGrpSpPr>
-        <p:cNvPr id="1" name=""/>
-        <p:cNvGrpSpPr/>
-        <p:nvPr/>
-      </p:nvGrpSpPr>
-      <p:grpSpPr>
-        <a:xfrm>
-          <a:off x="0" y="0"/>
-          <a:ext cx="0" cy="0"/>
-          <a:chOff x="0" y="0"/>
-          <a:chExt cx="0" cy="0"/>
-        </a:xfrm>
-      </p:grpSpPr>
-      <p:sp>
-        <p:nvSpPr>
-          <p:cNvPr id="2" name="Title 1"/>
-          <p:cNvSpPr>
-            <a:spLocks noGrp="1"/>
-          </p:cNvSpPr>
-          <p:nvPr>
-            <p:ph type="title"/>
-          </p:nvPr>
-        </p:nvSpPr>
-        <p:spPr/>
-        <p:txBody>
-          <a:bodyPr/>
-          <a:lstStyle/>
-          <a:p>
-            <a:pPr algn="ctr"/>
-            <a:r>
-              <a:rPr lang="en-US" sz="2800" dirty="0" smtClean="0">
-                <a:solidFill>
-                  <a:schemeClr val="bg1"/>
-                </a:solidFill>
-              </a:rPr>
-              <a:t>Example: </a:t>
-            </a:r>
-            <a:r>
-              <a:rPr lang="en-US" sz="2800" dirty="0" err="1" smtClean="0">
-                <a:solidFill>
-                  <a:schemeClr val="bg1"/>
-                </a:solidFill>
-              </a:rPr>
-              <a:t>WordCount</a:t>
-            </a:r>
-            <a:endParaRPr lang="en-US" sz="2800" dirty="0" err="1" smtClean="0">
-              <a:solidFill>
-                <a:schemeClr val="bg1"/>
-              </a:solidFill>
-            </a:endParaRPr>
-          </a:p>
-        </p:txBody>
-      </p:sp>
-      <p:grpSp>
-        <p:nvGrpSpPr>
-          <p:cNvPr id="55" name="Group 54"/>
-          <p:cNvGrpSpPr/>
-          <p:nvPr/>
-        </p:nvGrpSpPr>
-        <p:grpSpPr>
-          <a:xfrm>
-            <a:off x="838200" y="1357714"/>
-            <a:ext cx="1490870" cy="4869945"/>
-            <a:chOff x="838200" y="1357714"/>
-            <a:chExt cx="1490870" cy="4869945"/>
-          </a:xfrm>
-        </p:grpSpPr>
-        <p:sp>
-          <p:nvSpPr>
-            <p:cNvPr id="3" name="Rounded Rectangle 2"/>
-            <p:cNvSpPr/>
-            <p:nvPr/>
-          </p:nvSpPr>
-          <p:spPr>
-            <a:xfrm>
-              <a:off x="838200" y="1819379"/>
-              <a:ext cx="1490870" cy="4408280"/>
-            </a:xfrm>
-            <a:prstGeom prst="roundRect">
-              <a:avLst/>
-            </a:prstGeom>
-          </p:spPr>
-          <p:style>
-            <a:lnRef idx="2">
-              <a:schemeClr val="accent1">
-                <a:shade val="50000"/>
-              </a:schemeClr>
-            </a:lnRef>
-            <a:fillRef idx="1">
-              <a:schemeClr val="accent1"/>
-            </a:fillRef>
-            <a:effectRef idx="0">
-              <a:schemeClr val="accent1"/>
-            </a:effectRef>
-            <a:fontRef idx="minor">
-              <a:schemeClr val="lt1"/>
-            </a:fontRef>
-          </p:style>
-          <p:txBody>
-            <a:bodyPr rtlCol="0" anchor="ctr"/>
-            <a:lstStyle/>
-            <a:p>
-              <a:pPr algn="ctr"/>
-              <a:r>
-                <a:rPr lang="en-US" sz="2000" dirty="0" smtClean="0">
-                  <a:solidFill>
-                    <a:schemeClr val="bg1"/>
-                  </a:solidFill>
-                </a:rPr>
-                <a:t>the small brown fox</a:t>
-              </a:r>
-              <a:endParaRPr lang="en-US" sz="2000" dirty="0" smtClean="0">
-                <a:solidFill>
-                  <a:schemeClr val="bg1"/>
-                </a:solidFill>
-              </a:endParaRPr>
-            </a:p>
-            <a:p>
-              <a:pPr algn="ctr"/>
-              <a:endParaRPr lang="en-US" sz="2000" dirty="0">
-                <a:solidFill>
-                  <a:schemeClr val="bg1"/>
-                </a:solidFill>
-              </a:endParaRPr>
-            </a:p>
-            <a:p>
-              <a:pPr algn="ctr"/>
-              <a:r>
-                <a:rPr lang="en-US" sz="2000" dirty="0" smtClean="0">
-                  <a:solidFill>
-                    <a:schemeClr val="bg1"/>
-                  </a:solidFill>
-                </a:rPr>
-                <a:t>a fox speaks to another fox</a:t>
-              </a:r>
-              <a:endParaRPr lang="en-US" sz="2000" dirty="0" smtClean="0">
-                <a:solidFill>
-                  <a:schemeClr val="bg1"/>
-                </a:solidFill>
-              </a:endParaRPr>
-            </a:p>
-            <a:p>
-              <a:pPr algn="ctr"/>
-              <a:endParaRPr lang="en-US" sz="2000" dirty="0" smtClean="0">
-                <a:solidFill>
-                  <a:schemeClr val="bg1"/>
-                </a:solidFill>
-              </a:endParaRPr>
-            </a:p>
-            <a:p>
-              <a:pPr algn="ctr"/>
-              <a:r>
-                <a:rPr lang="en-US" sz="2000" dirty="0" smtClean="0">
-                  <a:solidFill>
-                    <a:schemeClr val="bg1"/>
-                  </a:solidFill>
-                </a:rPr>
-                <a:t>brown cow cross the road</a:t>
-              </a:r>
-              <a:endParaRPr lang="en-US" sz="2000" dirty="0" smtClean="0">
-                <a:solidFill>
-                  <a:schemeClr val="bg1"/>
-                </a:solidFill>
-              </a:endParaRPr>
-            </a:p>
-          </p:txBody>
-        </p:sp>
-        <p:sp>
-          <p:nvSpPr>
-            <p:cNvPr id="7" name="TextBox 6"/>
-            <p:cNvSpPr txBox="1"/>
-            <p:nvPr/>
-          </p:nvSpPr>
-          <p:spPr>
-            <a:xfrm>
-              <a:off x="1158678" y="1357714"/>
-              <a:ext cx="849913" cy="461665"/>
-            </a:xfrm>
-            <a:prstGeom prst="rect">
-              <a:avLst/>
-            </a:prstGeom>
-            <a:noFill/>
-          </p:spPr>
-          <p:txBody>
-            <a:bodyPr wrap="none" rtlCol="0">
-              <a:spAutoFit/>
-            </a:bodyPr>
-            <a:lstStyle/>
-            <a:p>
-              <a:r>
-                <a:rPr lang="en-US" sz="2400" dirty="0" smtClean="0">
-                  <a:solidFill>
-                    <a:schemeClr val="bg1"/>
-                  </a:solidFill>
-                </a:rPr>
-                <a:t>Input</a:t>
-              </a:r>
-              <a:endParaRPr lang="en-US" sz="2400" dirty="0" smtClean="0">
-                <a:solidFill>
-                  <a:schemeClr val="bg1"/>
-                </a:solidFill>
-              </a:endParaRPr>
-            </a:p>
-          </p:txBody>
-        </p:sp>
-      </p:grpSp>
-      <p:grpSp>
-        <p:nvGrpSpPr>
-          <p:cNvPr id="63" name="Group 62"/>
-          <p:cNvGrpSpPr/>
-          <p:nvPr/>
-        </p:nvGrpSpPr>
-        <p:grpSpPr>
-          <a:xfrm>
-            <a:off x="5051897" y="1360324"/>
-            <a:ext cx="2920844" cy="4020859"/>
-            <a:chOff x="5051897" y="1360324"/>
-            <a:chExt cx="2920844" cy="4020859"/>
-          </a:xfrm>
-        </p:grpSpPr>
-        <p:grpSp>
-          <p:nvGrpSpPr>
-            <p:cNvPr id="45" name="Group 44"/>
-            <p:cNvGrpSpPr/>
-            <p:nvPr/>
-          </p:nvGrpSpPr>
-          <p:grpSpPr>
-            <a:xfrm>
-              <a:off x="5051897" y="2358189"/>
-              <a:ext cx="2920844" cy="3022994"/>
-              <a:chOff x="5051897" y="2358189"/>
-              <a:chExt cx="2920844" cy="3022994"/>
-            </a:xfrm>
-          </p:grpSpPr>
-          <p:cxnSp>
-            <p:nvCxnSpPr>
-              <p:cNvPr id="37" name="Straight Arrow Connector 36"/>
-              <p:cNvCxnSpPr>
-                <a:stCxn id="17" idx="3"/>
-                <a:endCxn id="19" idx="1"/>
-              </p:cNvCxnSpPr>
-              <p:nvPr/>
-            </p:nvCxnSpPr>
-            <p:spPr>
-              <a:xfrm flipV="1">
-                <a:off x="5051897" y="3205741"/>
-                <a:ext cx="2909577" cy="669480"/>
-              </a:xfrm>
-              <a:prstGeom prst="straightConnector1">
-                <a:avLst/>
-              </a:prstGeom>
-              <a:ln w="28575">
-                <a:tailEnd type="triangle"/>
-              </a:ln>
-            </p:spPr>
-            <p:style>
-              <a:lnRef idx="1">
-                <a:schemeClr val="accent1"/>
-              </a:lnRef>
-              <a:fillRef idx="0">
-                <a:schemeClr val="accent1"/>
-              </a:fillRef>
-              <a:effectRef idx="0">
-                <a:schemeClr val="accent1"/>
-              </a:effectRef>
-              <a:fontRef idx="minor">
-                <a:schemeClr val="tx1"/>
-              </a:fontRef>
-            </p:style>
-          </p:cxnSp>
-          <p:grpSp>
-            <p:nvGrpSpPr>
-              <p:cNvPr id="44" name="Group 43"/>
-              <p:cNvGrpSpPr/>
-              <p:nvPr/>
-            </p:nvGrpSpPr>
-            <p:grpSpPr>
-              <a:xfrm>
-                <a:off x="5051897" y="2358189"/>
-                <a:ext cx="2920844" cy="3022994"/>
-                <a:chOff x="5051897" y="2358189"/>
-                <a:chExt cx="2920844" cy="3022994"/>
-              </a:xfrm>
-            </p:grpSpPr>
-            <p:cxnSp>
-              <p:nvCxnSpPr>
-                <p:cNvPr id="33" name="Straight Arrow Connector 32"/>
-                <p:cNvCxnSpPr>
-                  <a:stCxn id="16" idx="3"/>
-                  <a:endCxn id="19" idx="1"/>
-                </p:cNvCxnSpPr>
-                <p:nvPr/>
-              </p:nvCxnSpPr>
-              <p:spPr>
-                <a:xfrm>
-                  <a:off x="5051898" y="2358189"/>
-                  <a:ext cx="2909576" cy="847552"/>
-                </a:xfrm>
-                <a:prstGeom prst="straightConnector1">
-                  <a:avLst/>
-                </a:prstGeom>
-                <a:ln w="28575">
-                  <a:tailEnd type="triangle"/>
-                </a:ln>
-              </p:spPr>
-              <p:style>
-                <a:lnRef idx="1">
-                  <a:schemeClr val="accent1"/>
-                </a:lnRef>
-                <a:fillRef idx="0">
-                  <a:schemeClr val="accent1"/>
-                </a:fillRef>
-                <a:effectRef idx="0">
-                  <a:schemeClr val="accent1"/>
-                </a:effectRef>
-                <a:fontRef idx="minor">
-                  <a:schemeClr val="tx1"/>
-                </a:fontRef>
-              </p:style>
-            </p:cxnSp>
-            <p:cxnSp>
-              <p:nvCxnSpPr>
-                <p:cNvPr id="35" name="Straight Arrow Connector 34"/>
-                <p:cNvCxnSpPr>
-                  <a:stCxn id="16" idx="3"/>
-                  <a:endCxn id="20" idx="1"/>
-                </p:cNvCxnSpPr>
-                <p:nvPr/>
-              </p:nvCxnSpPr>
-              <p:spPr>
-                <a:xfrm>
-                  <a:off x="5051898" y="2358189"/>
-                  <a:ext cx="2920843" cy="2721630"/>
-                </a:xfrm>
-                <a:prstGeom prst="straightConnector1">
-                  <a:avLst/>
-                </a:prstGeom>
-                <a:ln w="28575">
-                  <a:tailEnd type="triangle"/>
-                </a:ln>
-              </p:spPr>
-              <p:style>
-                <a:lnRef idx="1">
-                  <a:schemeClr val="accent1"/>
-                </a:lnRef>
-                <a:fillRef idx="0">
-                  <a:schemeClr val="accent1"/>
-                </a:fillRef>
-                <a:effectRef idx="0">
-                  <a:schemeClr val="accent1"/>
-                </a:effectRef>
-                <a:fontRef idx="minor">
-                  <a:schemeClr val="tx1"/>
-                </a:fontRef>
-              </p:style>
-            </p:cxnSp>
-            <p:cxnSp>
-              <p:nvCxnSpPr>
-                <p:cNvPr id="39" name="Straight Arrow Connector 38"/>
-                <p:cNvCxnSpPr>
-                  <a:stCxn id="17" idx="3"/>
-                  <a:endCxn id="20" idx="1"/>
-                </p:cNvCxnSpPr>
-                <p:nvPr/>
-              </p:nvCxnSpPr>
-              <p:spPr>
-                <a:xfrm>
-                  <a:off x="5051897" y="3875221"/>
-                  <a:ext cx="2920844" cy="1204598"/>
-                </a:xfrm>
-                <a:prstGeom prst="straightConnector1">
-                  <a:avLst/>
-                </a:prstGeom>
-                <a:ln w="28575">
-                  <a:tailEnd type="triangle"/>
-                </a:ln>
-              </p:spPr>
-              <p:style>
-                <a:lnRef idx="1">
-                  <a:schemeClr val="accent1"/>
-                </a:lnRef>
-                <a:fillRef idx="0">
-                  <a:schemeClr val="accent1"/>
-                </a:fillRef>
-                <a:effectRef idx="0">
-                  <a:schemeClr val="accent1"/>
-                </a:effectRef>
-                <a:fontRef idx="minor">
-                  <a:schemeClr val="tx1"/>
-                </a:fontRef>
-              </p:style>
-            </p:cxnSp>
-            <p:cxnSp>
-              <p:nvCxnSpPr>
-                <p:cNvPr id="41" name="Straight Arrow Connector 40"/>
-                <p:cNvCxnSpPr>
-                  <a:stCxn id="18" idx="3"/>
-                  <a:endCxn id="19" idx="1"/>
-                </p:cNvCxnSpPr>
-                <p:nvPr/>
-              </p:nvCxnSpPr>
-              <p:spPr>
-                <a:xfrm flipV="1">
-                  <a:off x="5051898" y="3205741"/>
-                  <a:ext cx="2909576" cy="2175442"/>
-                </a:xfrm>
-                <a:prstGeom prst="straightConnector1">
-                  <a:avLst/>
-                </a:prstGeom>
-                <a:ln w="28575">
-                  <a:tailEnd type="triangle"/>
-                </a:ln>
-              </p:spPr>
-              <p:style>
-                <a:lnRef idx="1">
-                  <a:schemeClr val="accent1"/>
-                </a:lnRef>
-                <a:fillRef idx="0">
-                  <a:schemeClr val="accent1"/>
-                </a:fillRef>
-                <a:effectRef idx="0">
-                  <a:schemeClr val="accent1"/>
-                </a:effectRef>
-                <a:fontRef idx="minor">
-                  <a:schemeClr val="tx1"/>
-                </a:fontRef>
-              </p:style>
-            </p:cxnSp>
-            <p:cxnSp>
-              <p:nvCxnSpPr>
-                <p:cNvPr id="43" name="Straight Arrow Connector 42"/>
-                <p:cNvCxnSpPr>
-                  <a:stCxn id="18" idx="3"/>
-                  <a:endCxn id="20" idx="1"/>
-                </p:cNvCxnSpPr>
-                <p:nvPr/>
-              </p:nvCxnSpPr>
-              <p:spPr>
-                <a:xfrm flipV="1">
-                  <a:off x="5051898" y="5079819"/>
-                  <a:ext cx="2920843" cy="301364"/>
-                </a:xfrm>
-                <a:prstGeom prst="straightConnector1">
-                  <a:avLst/>
-                </a:prstGeom>
-                <a:ln w="28575">
-                  <a:tailEnd type="triangle"/>
-                </a:ln>
-              </p:spPr>
-              <p:style>
-                <a:lnRef idx="1">
-                  <a:schemeClr val="accent1"/>
-                </a:lnRef>
-                <a:fillRef idx="0">
-                  <a:schemeClr val="accent1"/>
-                </a:fillRef>
-                <a:effectRef idx="0">
-                  <a:schemeClr val="accent1"/>
-                </a:effectRef>
-                <a:fontRef idx="minor">
-                  <a:schemeClr val="tx1"/>
-                </a:fontRef>
-              </p:style>
-            </p:cxnSp>
-          </p:grpSp>
-        </p:grpSp>
-        <p:sp>
-          <p:nvSpPr>
-            <p:cNvPr id="11" name="TextBox 10"/>
-            <p:cNvSpPr txBox="1"/>
-            <p:nvPr/>
-          </p:nvSpPr>
-          <p:spPr>
-            <a:xfrm>
-              <a:off x="6119800" y="1360324"/>
-              <a:ext cx="1060098" cy="461665"/>
-            </a:xfrm>
-            <a:prstGeom prst="rect">
-              <a:avLst/>
-            </a:prstGeom>
-            <a:noFill/>
-          </p:spPr>
-          <p:txBody>
-            <a:bodyPr wrap="none" rtlCol="0">
-              <a:spAutoFit/>
-            </a:bodyPr>
-            <a:lstStyle/>
-            <a:p>
-              <a:r>
-                <a:rPr lang="en-US" sz="2400" dirty="0" smtClean="0">
-                  <a:solidFill>
-                    <a:schemeClr val="bg1"/>
-                  </a:solidFill>
-                </a:rPr>
-                <a:t>Shuffle</a:t>
-              </a:r>
-              <a:endParaRPr lang="en-US" sz="2400" dirty="0" smtClean="0">
-                <a:solidFill>
-                  <a:schemeClr val="bg1"/>
-                </a:solidFill>
-              </a:endParaRPr>
-            </a:p>
-          </p:txBody>
-        </p:sp>
-      </p:grpSp>
-      <p:grpSp>
-        <p:nvGrpSpPr>
-          <p:cNvPr id="57" name="Group 56"/>
-          <p:cNvGrpSpPr/>
-          <p:nvPr/>
-        </p:nvGrpSpPr>
-        <p:grpSpPr>
-          <a:xfrm>
-            <a:off x="2628812" y="1365361"/>
-            <a:ext cx="1229313" cy="4578238"/>
-            <a:chOff x="2628812" y="1365361"/>
-            <a:chExt cx="1229313" cy="4578238"/>
-          </a:xfrm>
-        </p:grpSpPr>
-        <p:sp>
-          <p:nvSpPr>
-            <p:cNvPr id="8" name="TextBox 7"/>
-            <p:cNvSpPr txBox="1"/>
-            <p:nvPr/>
-          </p:nvSpPr>
-          <p:spPr>
-            <a:xfrm>
-              <a:off x="2814693" y="1365361"/>
-              <a:ext cx="731290" cy="461665"/>
-            </a:xfrm>
-            <a:prstGeom prst="rect">
-              <a:avLst/>
-            </a:prstGeom>
-            <a:noFill/>
-          </p:spPr>
-          <p:txBody>
-            <a:bodyPr wrap="none" rtlCol="0">
-              <a:spAutoFit/>
-            </a:bodyPr>
-            <a:lstStyle/>
-            <a:p>
-              <a:r>
-                <a:rPr lang="en-US" sz="2400" dirty="0" smtClean="0">
-                  <a:solidFill>
-                    <a:schemeClr val="bg1"/>
-                  </a:solidFill>
-                </a:rPr>
-                <a:t>Split</a:t>
-              </a:r>
-              <a:endParaRPr lang="en-US" sz="2400" dirty="0" smtClean="0">
-                <a:solidFill>
-                  <a:schemeClr val="bg1"/>
-                </a:solidFill>
-              </a:endParaRPr>
-            </a:p>
-          </p:txBody>
-        </p:sp>
-        <p:sp>
-          <p:nvSpPr>
-            <p:cNvPr id="9" name="Rounded Rectangle 8"/>
-            <p:cNvSpPr/>
-            <p:nvPr/>
-          </p:nvSpPr>
-          <p:spPr>
-            <a:xfrm>
-              <a:off x="2628812" y="1937317"/>
-              <a:ext cx="1229313" cy="1038493"/>
-            </a:xfrm>
-            <a:prstGeom prst="roundRect">
-              <a:avLst/>
-            </a:prstGeom>
-          </p:spPr>
-          <p:style>
-            <a:lnRef idx="2">
-              <a:schemeClr val="accent1">
-                <a:shade val="50000"/>
-              </a:schemeClr>
-            </a:lnRef>
-            <a:fillRef idx="1">
-              <a:schemeClr val="accent1"/>
-            </a:fillRef>
-            <a:effectRef idx="0">
-              <a:schemeClr val="accent1"/>
-            </a:effectRef>
-            <a:fontRef idx="minor">
-              <a:schemeClr val="lt1"/>
-            </a:fontRef>
-          </p:style>
-          <p:txBody>
-            <a:bodyPr rtlCol="0" anchor="ctr"/>
-            <a:lstStyle/>
-            <a:p>
-              <a:pPr algn="ctr"/>
-              <a:r>
-                <a:rPr lang="en-US" dirty="0" smtClean="0">
-                  <a:solidFill>
-                    <a:schemeClr val="bg1"/>
-                  </a:solidFill>
-                </a:rPr>
-                <a:t>the small brown fox</a:t>
-              </a:r>
-              <a:endParaRPr lang="en-US" dirty="0" smtClean="0">
-                <a:solidFill>
-                  <a:schemeClr val="bg1"/>
-                </a:solidFill>
-              </a:endParaRPr>
-            </a:p>
-          </p:txBody>
-        </p:sp>
-        <p:sp>
-          <p:nvSpPr>
-            <p:cNvPr id="14" name="Rounded Rectangle 13"/>
-            <p:cNvSpPr/>
-            <p:nvPr/>
-          </p:nvSpPr>
-          <p:spPr>
-            <a:xfrm>
-              <a:off x="2628812" y="3357043"/>
-              <a:ext cx="1229313" cy="1038493"/>
-            </a:xfrm>
-            <a:prstGeom prst="roundRect">
-              <a:avLst/>
-            </a:prstGeom>
-          </p:spPr>
-          <p:style>
-            <a:lnRef idx="2">
-              <a:schemeClr val="accent1">
-                <a:shade val="50000"/>
-              </a:schemeClr>
-            </a:lnRef>
-            <a:fillRef idx="1">
-              <a:schemeClr val="accent1"/>
-            </a:fillRef>
-            <a:effectRef idx="0">
-              <a:schemeClr val="accent1"/>
-            </a:effectRef>
-            <a:fontRef idx="minor">
-              <a:schemeClr val="lt1"/>
-            </a:fontRef>
-          </p:style>
-          <p:txBody>
-            <a:bodyPr rtlCol="0" anchor="ctr"/>
-            <a:lstStyle/>
-            <a:p>
-              <a:pPr algn="ctr"/>
-              <a:r>
-                <a:rPr lang="en-US" sz="1600" dirty="0">
-                  <a:solidFill>
-                    <a:schemeClr val="bg1"/>
-                  </a:solidFill>
-                </a:rPr>
-                <a:t>a fox speaks to another fox</a:t>
-              </a:r>
-              <a:endParaRPr lang="en-US" sz="1600" dirty="0">
-                <a:solidFill>
-                  <a:schemeClr val="bg1"/>
-                </a:solidFill>
-              </a:endParaRPr>
-            </a:p>
-          </p:txBody>
-        </p:sp>
-        <p:sp>
-          <p:nvSpPr>
-            <p:cNvPr id="15" name="Rounded Rectangle 14"/>
-            <p:cNvSpPr/>
-            <p:nvPr/>
-          </p:nvSpPr>
-          <p:spPr>
-            <a:xfrm>
-              <a:off x="2628812" y="4905106"/>
-              <a:ext cx="1229313" cy="1038493"/>
-            </a:xfrm>
-            <a:prstGeom prst="roundRect">
-              <a:avLst/>
-            </a:prstGeom>
-          </p:spPr>
-          <p:style>
-            <a:lnRef idx="2">
-              <a:schemeClr val="accent1">
-                <a:shade val="50000"/>
-              </a:schemeClr>
-            </a:lnRef>
-            <a:fillRef idx="1">
-              <a:schemeClr val="accent1"/>
-            </a:fillRef>
-            <a:effectRef idx="0">
-              <a:schemeClr val="accent1"/>
-            </a:effectRef>
-            <a:fontRef idx="minor">
-              <a:schemeClr val="lt1"/>
-            </a:fontRef>
-          </p:style>
-          <p:txBody>
-            <a:bodyPr rtlCol="0" anchor="ctr"/>
-            <a:lstStyle/>
-            <a:p>
-              <a:pPr algn="ctr"/>
-              <a:r>
-                <a:rPr lang="en-US" sz="1600" dirty="0">
-                  <a:solidFill>
-                    <a:schemeClr val="bg1"/>
-                  </a:solidFill>
-                </a:rPr>
-                <a:t>b</a:t>
-              </a:r>
-              <a:r>
-                <a:rPr lang="en-US" sz="1600" dirty="0" smtClean="0">
-                  <a:solidFill>
-                    <a:schemeClr val="bg1"/>
-                  </a:solidFill>
-                </a:rPr>
-                <a:t>rown cow cross the road</a:t>
-              </a:r>
-              <a:endParaRPr lang="en-US" sz="1600" dirty="0" smtClean="0">
-                <a:solidFill>
-                  <a:schemeClr val="bg1"/>
-                </a:solidFill>
-              </a:endParaRPr>
-            </a:p>
-          </p:txBody>
-        </p:sp>
-      </p:grpSp>
-      <p:grpSp>
-        <p:nvGrpSpPr>
-          <p:cNvPr id="59" name="Group 58"/>
-          <p:cNvGrpSpPr/>
-          <p:nvPr/>
-        </p:nvGrpSpPr>
-        <p:grpSpPr>
-          <a:xfrm>
-            <a:off x="4351878" y="1368275"/>
-            <a:ext cx="785179" cy="4213434"/>
-            <a:chOff x="4351878" y="1368275"/>
-            <a:chExt cx="785179" cy="4213434"/>
-          </a:xfrm>
-        </p:grpSpPr>
-        <p:sp>
-          <p:nvSpPr>
-            <p:cNvPr id="10" name="TextBox 9"/>
-            <p:cNvSpPr txBox="1"/>
-            <p:nvPr/>
-          </p:nvSpPr>
-          <p:spPr>
-            <a:xfrm>
-              <a:off x="4380119" y="1368275"/>
-              <a:ext cx="756938" cy="461665"/>
-            </a:xfrm>
-            <a:prstGeom prst="rect">
-              <a:avLst/>
-            </a:prstGeom>
-            <a:noFill/>
-          </p:spPr>
-          <p:txBody>
-            <a:bodyPr wrap="none" rtlCol="0">
-              <a:spAutoFit/>
-            </a:bodyPr>
-            <a:lstStyle/>
-            <a:p>
-              <a:r>
-                <a:rPr lang="en-US" sz="2400" dirty="0" smtClean="0">
-                  <a:solidFill>
-                    <a:schemeClr val="bg1"/>
-                  </a:solidFill>
-                </a:rPr>
-                <a:t>Map</a:t>
-              </a:r>
-              <a:endParaRPr lang="en-US" sz="2400" dirty="0" smtClean="0">
-                <a:solidFill>
-                  <a:schemeClr val="bg1"/>
-                </a:solidFill>
-              </a:endParaRPr>
-            </a:p>
-          </p:txBody>
-        </p:sp>
-        <p:grpSp>
-          <p:nvGrpSpPr>
-            <p:cNvPr id="46" name="Group 45"/>
-            <p:cNvGrpSpPr/>
-            <p:nvPr/>
-          </p:nvGrpSpPr>
-          <p:grpSpPr>
-            <a:xfrm>
-              <a:off x="4351878" y="2157662"/>
-              <a:ext cx="700020" cy="3424047"/>
-              <a:chOff x="4351878" y="2157662"/>
-              <a:chExt cx="700020" cy="3424047"/>
-            </a:xfrm>
-          </p:grpSpPr>
-          <p:sp>
-            <p:nvSpPr>
-              <p:cNvPr id="16" name="Rounded Rectangle 15"/>
-              <p:cNvSpPr/>
-              <p:nvPr/>
-            </p:nvSpPr>
-            <p:spPr>
-              <a:xfrm>
-                <a:off x="4351879" y="2157662"/>
-                <a:ext cx="700019" cy="401053"/>
-              </a:xfrm>
-              <a:prstGeom prst="roundRect">
-                <a:avLst/>
-              </a:prstGeom>
-            </p:spPr>
-            <p:style>
-              <a:lnRef idx="2">
-                <a:schemeClr val="accent6">
-                  <a:shade val="50000"/>
-                </a:schemeClr>
-              </a:lnRef>
-              <a:fillRef idx="1">
-                <a:schemeClr val="accent6"/>
-              </a:fillRef>
-              <a:effectRef idx="0">
-                <a:schemeClr val="accent6"/>
-              </a:effectRef>
-              <a:fontRef idx="minor">
-                <a:schemeClr val="lt1"/>
-              </a:fontRef>
-            </p:style>
-            <p:txBody>
-              <a:bodyPr rtlCol="0" anchor="ctr"/>
-              <a:lstStyle/>
-              <a:p>
-                <a:pPr algn="ctr"/>
-                <a:r>
-                  <a:rPr lang="en-US" dirty="0" smtClean="0">
-                    <a:solidFill>
-                      <a:schemeClr val="bg1"/>
-                    </a:solidFill>
-                  </a:rPr>
-                  <a:t>Map</a:t>
-                </a:r>
-                <a:endParaRPr lang="en-US" dirty="0" smtClean="0">
-                  <a:solidFill>
-                    <a:schemeClr val="bg1"/>
-                  </a:solidFill>
-                </a:endParaRPr>
-              </a:p>
-            </p:txBody>
-          </p:sp>
-          <p:sp>
-            <p:nvSpPr>
-              <p:cNvPr id="17" name="Rounded Rectangle 16"/>
-              <p:cNvSpPr/>
-              <p:nvPr/>
-            </p:nvSpPr>
-            <p:spPr>
-              <a:xfrm>
-                <a:off x="4351878" y="3674694"/>
-                <a:ext cx="700019" cy="401053"/>
-              </a:xfrm>
-              <a:prstGeom prst="roundRect">
-                <a:avLst/>
-              </a:prstGeom>
-            </p:spPr>
-            <p:style>
-              <a:lnRef idx="2">
-                <a:schemeClr val="accent6">
-                  <a:shade val="50000"/>
-                </a:schemeClr>
-              </a:lnRef>
-              <a:fillRef idx="1">
-                <a:schemeClr val="accent6"/>
-              </a:fillRef>
-              <a:effectRef idx="0">
-                <a:schemeClr val="accent6"/>
-              </a:effectRef>
-              <a:fontRef idx="minor">
-                <a:schemeClr val="lt1"/>
-              </a:fontRef>
-            </p:style>
-            <p:txBody>
-              <a:bodyPr rtlCol="0" anchor="ctr"/>
-              <a:lstStyle/>
-              <a:p>
-                <a:pPr algn="ctr"/>
-                <a:r>
-                  <a:rPr lang="en-US" dirty="0" smtClean="0">
-                    <a:solidFill>
-                      <a:schemeClr val="bg1"/>
-                    </a:solidFill>
-                  </a:rPr>
-                  <a:t>Map</a:t>
-                </a:r>
-                <a:endParaRPr lang="en-US" dirty="0" smtClean="0">
-                  <a:solidFill>
-                    <a:schemeClr val="bg1"/>
-                  </a:solidFill>
-                </a:endParaRPr>
-              </a:p>
-            </p:txBody>
-          </p:sp>
-          <p:sp>
-            <p:nvSpPr>
-              <p:cNvPr id="18" name="Rounded Rectangle 17"/>
-              <p:cNvSpPr/>
-              <p:nvPr/>
-            </p:nvSpPr>
-            <p:spPr>
-              <a:xfrm>
-                <a:off x="4351879" y="5180656"/>
-                <a:ext cx="700019" cy="401053"/>
-              </a:xfrm>
-              <a:prstGeom prst="roundRect">
-                <a:avLst/>
-              </a:prstGeom>
-            </p:spPr>
-            <p:style>
-              <a:lnRef idx="2">
-                <a:schemeClr val="accent6">
-                  <a:shade val="50000"/>
-                </a:schemeClr>
-              </a:lnRef>
-              <a:fillRef idx="1">
-                <a:schemeClr val="accent6"/>
-              </a:fillRef>
-              <a:effectRef idx="0">
-                <a:schemeClr val="accent6"/>
-              </a:effectRef>
-              <a:fontRef idx="minor">
-                <a:schemeClr val="lt1"/>
-              </a:fontRef>
-            </p:style>
-            <p:txBody>
-              <a:bodyPr rtlCol="0" anchor="ctr"/>
-              <a:lstStyle/>
-              <a:p>
-                <a:pPr algn="ctr"/>
-                <a:r>
-                  <a:rPr lang="en-US" dirty="0" smtClean="0">
-                    <a:solidFill>
-                      <a:schemeClr val="bg1"/>
-                    </a:solidFill>
-                  </a:rPr>
-                  <a:t>Map</a:t>
-                </a:r>
-                <a:endParaRPr lang="en-US" dirty="0" smtClean="0">
-                  <a:solidFill>
-                    <a:schemeClr val="bg1"/>
-                  </a:solidFill>
-                </a:endParaRPr>
-              </a:p>
-            </p:txBody>
-          </p:sp>
-        </p:grpSp>
-      </p:grpSp>
-      <p:grpSp>
-        <p:nvGrpSpPr>
-          <p:cNvPr id="61" name="Group 60"/>
-          <p:cNvGrpSpPr/>
-          <p:nvPr/>
-        </p:nvGrpSpPr>
-        <p:grpSpPr>
-          <a:xfrm>
-            <a:off x="7887023" y="1360560"/>
-            <a:ext cx="1107419" cy="3949189"/>
-            <a:chOff x="7887023" y="1360560"/>
-            <a:chExt cx="1107419" cy="3949189"/>
-          </a:xfrm>
-        </p:grpSpPr>
-        <p:sp>
-          <p:nvSpPr>
-            <p:cNvPr id="12" name="TextBox 11"/>
-            <p:cNvSpPr txBox="1"/>
-            <p:nvPr/>
-          </p:nvSpPr>
-          <p:spPr>
-            <a:xfrm>
-              <a:off x="7887023" y="1360560"/>
-              <a:ext cx="1107419" cy="461665"/>
-            </a:xfrm>
-            <a:prstGeom prst="rect">
-              <a:avLst/>
-            </a:prstGeom>
-            <a:noFill/>
-          </p:spPr>
-          <p:txBody>
-            <a:bodyPr wrap="none" rtlCol="0">
-              <a:spAutoFit/>
-            </a:bodyPr>
-            <a:lstStyle/>
-            <a:p>
-              <a:r>
-                <a:rPr lang="en-US" sz="2400" dirty="0" smtClean="0">
-                  <a:solidFill>
-                    <a:schemeClr val="bg1"/>
-                  </a:solidFill>
-                </a:rPr>
-                <a:t>Reduce</a:t>
-              </a:r>
-              <a:endParaRPr lang="en-US" sz="2400" dirty="0" smtClean="0">
-                <a:solidFill>
-                  <a:schemeClr val="bg1"/>
-                </a:solidFill>
-              </a:endParaRPr>
-            </a:p>
-          </p:txBody>
-        </p:sp>
-        <p:grpSp>
-          <p:nvGrpSpPr>
-            <p:cNvPr id="52" name="Group 51"/>
-            <p:cNvGrpSpPr/>
-            <p:nvPr/>
-          </p:nvGrpSpPr>
-          <p:grpSpPr>
-            <a:xfrm>
-              <a:off x="7961474" y="2975810"/>
-              <a:ext cx="969783" cy="2333939"/>
-              <a:chOff x="7961474" y="2975810"/>
-              <a:chExt cx="969783" cy="2333939"/>
-            </a:xfrm>
-          </p:grpSpPr>
-          <p:sp>
-            <p:nvSpPr>
-              <p:cNvPr id="19" name="Rounded Rectangle 18"/>
-              <p:cNvSpPr/>
-              <p:nvPr/>
-            </p:nvSpPr>
-            <p:spPr>
-              <a:xfrm>
-                <a:off x="7961474" y="2975810"/>
-                <a:ext cx="958516" cy="459861"/>
-              </a:xfrm>
-              <a:prstGeom prst="roundRect">
-                <a:avLst/>
-              </a:prstGeom>
-            </p:spPr>
-            <p:style>
-              <a:lnRef idx="2">
-                <a:schemeClr val="accent4">
-                  <a:shade val="50000"/>
-                </a:schemeClr>
-              </a:lnRef>
-              <a:fillRef idx="1">
-                <a:schemeClr val="accent4"/>
-              </a:fillRef>
-              <a:effectRef idx="0">
-                <a:schemeClr val="accent4"/>
-              </a:effectRef>
-              <a:fontRef idx="minor">
-                <a:schemeClr val="lt1"/>
-              </a:fontRef>
-            </p:style>
-            <p:txBody>
-              <a:bodyPr rtlCol="0" anchor="ctr"/>
-              <a:lstStyle/>
-              <a:p>
-                <a:pPr algn="ctr"/>
-                <a:r>
-                  <a:rPr lang="en-US" sz="1600" dirty="0" smtClean="0">
-                    <a:solidFill>
-                      <a:schemeClr val="bg1"/>
-                    </a:solidFill>
-                  </a:rPr>
-                  <a:t>Reduce</a:t>
-                </a:r>
-                <a:endParaRPr lang="en-US" sz="1600" dirty="0" smtClean="0">
-                  <a:solidFill>
-                    <a:schemeClr val="bg1"/>
-                  </a:solidFill>
-                </a:endParaRPr>
-              </a:p>
-            </p:txBody>
-          </p:sp>
-          <p:sp>
-            <p:nvSpPr>
-              <p:cNvPr id="20" name="Rounded Rectangle 19"/>
-              <p:cNvSpPr/>
-              <p:nvPr/>
-            </p:nvSpPr>
-            <p:spPr>
-              <a:xfrm>
-                <a:off x="7972741" y="4849888"/>
-                <a:ext cx="958516" cy="459861"/>
-              </a:xfrm>
-              <a:prstGeom prst="roundRect">
-                <a:avLst/>
-              </a:prstGeom>
-            </p:spPr>
-            <p:style>
-              <a:lnRef idx="2">
-                <a:schemeClr val="accent4">
-                  <a:shade val="50000"/>
-                </a:schemeClr>
-              </a:lnRef>
-              <a:fillRef idx="1">
-                <a:schemeClr val="accent4"/>
-              </a:fillRef>
-              <a:effectRef idx="0">
-                <a:schemeClr val="accent4"/>
-              </a:effectRef>
-              <a:fontRef idx="minor">
-                <a:schemeClr val="lt1"/>
-              </a:fontRef>
-            </p:style>
-            <p:txBody>
-              <a:bodyPr rtlCol="0" anchor="ctr"/>
-              <a:lstStyle/>
-              <a:p>
-                <a:pPr algn="ctr"/>
-                <a:r>
-                  <a:rPr lang="en-US" sz="1600" dirty="0" smtClean="0">
-                    <a:solidFill>
-                      <a:schemeClr val="bg1"/>
-                    </a:solidFill>
-                  </a:rPr>
-                  <a:t>Reduce</a:t>
-                </a:r>
-                <a:endParaRPr lang="en-US" sz="1600" dirty="0" smtClean="0">
-                  <a:solidFill>
-                    <a:schemeClr val="bg1"/>
-                  </a:solidFill>
-                </a:endParaRPr>
-              </a:p>
-            </p:txBody>
-          </p:sp>
-        </p:grpSp>
-      </p:grpSp>
-      <p:grpSp>
-        <p:nvGrpSpPr>
-          <p:cNvPr id="60" name="Group 59"/>
-          <p:cNvGrpSpPr/>
-          <p:nvPr/>
-        </p:nvGrpSpPr>
-        <p:grpSpPr>
-          <a:xfrm>
-            <a:off x="5116206" y="1774615"/>
-            <a:ext cx="1239442" cy="4453997"/>
-            <a:chOff x="5116206" y="1774615"/>
-            <a:chExt cx="1239442" cy="4453997"/>
-          </a:xfrm>
-        </p:grpSpPr>
-        <p:sp>
-          <p:nvSpPr>
-            <p:cNvPr id="23" name="TextBox 22"/>
-            <p:cNvSpPr txBox="1"/>
-            <p:nvPr/>
-          </p:nvSpPr>
-          <p:spPr>
-            <a:xfrm>
-              <a:off x="5163631" y="1774615"/>
-              <a:ext cx="1131079" cy="1077218"/>
-            </a:xfrm>
-            <a:prstGeom prst="rect">
-              <a:avLst/>
-            </a:prstGeom>
-            <a:noFill/>
-          </p:spPr>
-          <p:txBody>
-            <a:bodyPr wrap="none" rtlCol="0">
-              <a:spAutoFit/>
-            </a:bodyPr>
-            <a:lstStyle/>
-            <a:p>
-              <a:r>
-                <a:rPr lang="en-US" sz="1600" dirty="0" smtClean="0">
-                  <a:solidFill>
-                    <a:schemeClr val="bg1"/>
-                  </a:solidFill>
-                </a:rPr>
-                <a:t>&lt;the, 1&gt;</a:t>
-              </a:r>
-              <a:endParaRPr lang="en-US" sz="1600" dirty="0" smtClean="0">
-                <a:solidFill>
-                  <a:schemeClr val="bg1"/>
-                </a:solidFill>
-              </a:endParaRPr>
-            </a:p>
-            <a:p>
-              <a:r>
-                <a:rPr lang="en-US" sz="1600" dirty="0" smtClean="0">
-                  <a:solidFill>
-                    <a:schemeClr val="bg1"/>
-                  </a:solidFill>
-                </a:rPr>
-                <a:t>&lt;small, 1&gt;</a:t>
-              </a:r>
-              <a:endParaRPr lang="en-US" sz="1600" dirty="0" smtClean="0">
-                <a:solidFill>
-                  <a:schemeClr val="bg1"/>
-                </a:solidFill>
-              </a:endParaRPr>
-            </a:p>
-            <a:p>
-              <a:r>
-                <a:rPr lang="en-US" sz="1600" dirty="0" smtClean="0">
-                  <a:solidFill>
-                    <a:schemeClr val="bg1"/>
-                  </a:solidFill>
-                </a:rPr>
-                <a:t>&lt;brown, 1&gt;</a:t>
-              </a:r>
-              <a:endParaRPr lang="en-US" sz="1600" dirty="0" smtClean="0">
-                <a:solidFill>
-                  <a:schemeClr val="bg1"/>
-                </a:solidFill>
-              </a:endParaRPr>
-            </a:p>
-            <a:p>
-              <a:r>
-                <a:rPr lang="en-US" sz="1600" dirty="0" smtClean="0">
-                  <a:solidFill>
-                    <a:schemeClr val="bg1"/>
-                  </a:solidFill>
-                </a:rPr>
-                <a:t>&lt;fox, 1&gt;</a:t>
-              </a:r>
-              <a:endParaRPr lang="en-US" sz="1600" dirty="0" smtClean="0">
-                <a:solidFill>
-                  <a:schemeClr val="bg1"/>
-                </a:solidFill>
-              </a:endParaRPr>
-            </a:p>
-          </p:txBody>
-        </p:sp>
-        <p:sp>
-          <p:nvSpPr>
-            <p:cNvPr id="24" name="TextBox 23"/>
-            <p:cNvSpPr txBox="1"/>
-            <p:nvPr/>
-          </p:nvSpPr>
-          <p:spPr>
-            <a:xfrm>
-              <a:off x="5116206" y="3219777"/>
-              <a:ext cx="1239442" cy="1569660"/>
-            </a:xfrm>
-            <a:prstGeom prst="rect">
-              <a:avLst/>
-            </a:prstGeom>
-            <a:noFill/>
-          </p:spPr>
-          <p:txBody>
-            <a:bodyPr wrap="none" rtlCol="0">
-              <a:spAutoFit/>
-            </a:bodyPr>
-            <a:lstStyle/>
-            <a:p>
-              <a:r>
-                <a:rPr lang="en-US" sz="1600" dirty="0" smtClean="0">
-                  <a:solidFill>
-                    <a:schemeClr val="bg1"/>
-                  </a:solidFill>
-                </a:rPr>
-                <a:t>&lt;a, 1&gt;</a:t>
-              </a:r>
-              <a:endParaRPr lang="en-US" sz="1600" dirty="0" smtClean="0">
-                <a:solidFill>
-                  <a:schemeClr val="bg1"/>
-                </a:solidFill>
-              </a:endParaRPr>
-            </a:p>
-            <a:p>
-              <a:r>
-                <a:rPr lang="en-US" sz="1600" dirty="0" smtClean="0">
-                  <a:solidFill>
-                    <a:schemeClr val="bg1"/>
-                  </a:solidFill>
-                </a:rPr>
-                <a:t>&lt;fox, </a:t>
-              </a:r>
-              <a:r>
-                <a:rPr lang="en-US" sz="1600" dirty="0">
-                  <a:solidFill>
-                    <a:schemeClr val="bg1"/>
-                  </a:solidFill>
-                </a:rPr>
-                <a:t>1</a:t>
-              </a:r>
-              <a:r>
-                <a:rPr lang="en-US" sz="1600" dirty="0" smtClean="0">
-                  <a:solidFill>
-                    <a:schemeClr val="bg1"/>
-                  </a:solidFill>
-                </a:rPr>
-                <a:t>&gt;</a:t>
-              </a:r>
-              <a:endParaRPr lang="en-US" sz="1600" dirty="0" smtClean="0">
-                <a:solidFill>
-                  <a:schemeClr val="bg1"/>
-                </a:solidFill>
-              </a:endParaRPr>
-            </a:p>
-            <a:p>
-              <a:r>
-                <a:rPr lang="en-US" sz="1600" dirty="0">
-                  <a:solidFill>
-                    <a:schemeClr val="bg1"/>
-                  </a:solidFill>
-                </a:rPr>
-                <a:t>&lt;fox, 1&gt;</a:t>
-              </a:r>
-              <a:endParaRPr lang="en-US" sz="1600" dirty="0" smtClean="0">
-                <a:solidFill>
-                  <a:schemeClr val="bg1"/>
-                </a:solidFill>
-              </a:endParaRPr>
-            </a:p>
-            <a:p>
-              <a:r>
-                <a:rPr lang="en-US" sz="1600" dirty="0" smtClean="0">
-                  <a:solidFill>
-                    <a:schemeClr val="bg1"/>
-                  </a:solidFill>
-                </a:rPr>
-                <a:t>&lt;speaks, 1&gt;</a:t>
-              </a:r>
-              <a:endParaRPr lang="en-US" sz="1600" dirty="0" smtClean="0">
-                <a:solidFill>
-                  <a:schemeClr val="bg1"/>
-                </a:solidFill>
-              </a:endParaRPr>
-            </a:p>
-            <a:p>
-              <a:r>
-                <a:rPr lang="en-US" sz="1600" dirty="0" smtClean="0">
-                  <a:solidFill>
-                    <a:schemeClr val="bg1"/>
-                  </a:solidFill>
-                </a:rPr>
-                <a:t>&lt;to, 1&gt;</a:t>
-              </a:r>
-              <a:endParaRPr lang="en-US" sz="1600" dirty="0" smtClean="0">
-                <a:solidFill>
-                  <a:schemeClr val="bg1"/>
-                </a:solidFill>
-              </a:endParaRPr>
-            </a:p>
-            <a:p>
-              <a:r>
-                <a:rPr lang="en-US" sz="1600" dirty="0" smtClean="0">
-                  <a:solidFill>
-                    <a:schemeClr val="bg1"/>
-                  </a:solidFill>
-                </a:rPr>
-                <a:t>&lt;another, 1&gt;</a:t>
-              </a:r>
-              <a:endParaRPr lang="en-US" sz="1600" dirty="0" smtClean="0">
-                <a:solidFill>
-                  <a:schemeClr val="bg1"/>
-                </a:solidFill>
-              </a:endParaRPr>
-            </a:p>
-          </p:txBody>
-        </p:sp>
-        <p:sp>
-          <p:nvSpPr>
-            <p:cNvPr id="25" name="TextBox 24"/>
-            <p:cNvSpPr txBox="1"/>
-            <p:nvPr/>
-          </p:nvSpPr>
-          <p:spPr>
-            <a:xfrm>
-              <a:off x="5170387" y="5151394"/>
-              <a:ext cx="1016497" cy="1077218"/>
-            </a:xfrm>
-            <a:prstGeom prst="rect">
-              <a:avLst/>
-            </a:prstGeom>
-            <a:noFill/>
-          </p:spPr>
-          <p:txBody>
-            <a:bodyPr wrap="none" rtlCol="0">
-              <a:spAutoFit/>
-            </a:bodyPr>
-            <a:lstStyle/>
-            <a:p>
-              <a:r>
-                <a:rPr lang="en-US" sz="1600" dirty="0" smtClean="0">
-                  <a:solidFill>
-                    <a:schemeClr val="bg1"/>
-                  </a:solidFill>
-                </a:rPr>
-                <a:t>&lt;cow, 1&gt;</a:t>
-              </a:r>
-              <a:endParaRPr lang="en-US" sz="1600" dirty="0" smtClean="0">
-                <a:solidFill>
-                  <a:schemeClr val="bg1"/>
-                </a:solidFill>
-              </a:endParaRPr>
-            </a:p>
-            <a:p>
-              <a:r>
-                <a:rPr lang="en-US" sz="1600" dirty="0" smtClean="0">
-                  <a:solidFill>
-                    <a:schemeClr val="bg1"/>
-                  </a:solidFill>
-                </a:rPr>
-                <a:t>&lt;cross, 1&gt;</a:t>
-              </a:r>
-              <a:endParaRPr lang="en-US" sz="1600" dirty="0" smtClean="0">
-                <a:solidFill>
-                  <a:schemeClr val="bg1"/>
-                </a:solidFill>
-              </a:endParaRPr>
-            </a:p>
-            <a:p>
-              <a:r>
-                <a:rPr lang="en-US" sz="1600" dirty="0" smtClean="0">
-                  <a:solidFill>
-                    <a:schemeClr val="bg1"/>
-                  </a:solidFill>
-                </a:rPr>
-                <a:t>&lt;the, 1&gt;</a:t>
-              </a:r>
-              <a:endParaRPr lang="en-US" sz="1600" dirty="0" smtClean="0">
-                <a:solidFill>
-                  <a:schemeClr val="bg1"/>
-                </a:solidFill>
-              </a:endParaRPr>
-            </a:p>
-            <a:p>
-              <a:r>
-                <a:rPr lang="en-US" sz="1600" dirty="0" smtClean="0">
-                  <a:solidFill>
-                    <a:schemeClr val="bg1"/>
-                  </a:solidFill>
-                </a:rPr>
-                <a:t>&lt;road, 1&gt;</a:t>
-              </a:r>
-              <a:endParaRPr lang="en-US" sz="1600" dirty="0" smtClean="0">
-                <a:solidFill>
-                  <a:schemeClr val="bg1"/>
-                </a:solidFill>
-              </a:endParaRPr>
-            </a:p>
-          </p:txBody>
-        </p:sp>
-      </p:grpSp>
-      <p:grpSp>
-        <p:nvGrpSpPr>
-          <p:cNvPr id="56" name="Group 55"/>
-          <p:cNvGrpSpPr/>
-          <p:nvPr/>
-        </p:nvGrpSpPr>
-        <p:grpSpPr>
-          <a:xfrm>
-            <a:off x="2366722" y="2407352"/>
-            <a:ext cx="256008" cy="3174844"/>
-            <a:chOff x="2366722" y="2407352"/>
-            <a:chExt cx="256008" cy="3174844"/>
-          </a:xfrm>
-        </p:grpSpPr>
-        <p:sp>
-          <p:nvSpPr>
-            <p:cNvPr id="26" name="Right Arrow 25"/>
-            <p:cNvSpPr/>
-            <p:nvPr/>
-          </p:nvSpPr>
-          <p:spPr>
-            <a:xfrm>
-              <a:off x="2373508" y="2407352"/>
-              <a:ext cx="249222" cy="302725"/>
-            </a:xfrm>
-            <a:prstGeom prst="rightArrow">
-              <a:avLst/>
-            </a:prstGeom>
-          </p:spPr>
-          <p:style>
-            <a:lnRef idx="2">
-              <a:schemeClr val="accent1">
-                <a:shade val="50000"/>
-              </a:schemeClr>
-            </a:lnRef>
-            <a:fillRef idx="1">
-              <a:schemeClr val="accent1"/>
-            </a:fillRef>
-            <a:effectRef idx="0">
-              <a:schemeClr val="accent1"/>
-            </a:effectRef>
-            <a:fontRef idx="minor">
-              <a:schemeClr val="lt1"/>
-            </a:fontRef>
-          </p:style>
-          <p:txBody>
-            <a:bodyPr rtlCol="0" anchor="ctr"/>
-            <a:lstStyle/>
-            <a:p>
-              <a:pPr algn="ctr"/>
-              <a:endParaRPr lang="en-US">
-                <a:solidFill>
-                  <a:schemeClr val="bg1"/>
-                </a:solidFill>
-              </a:endParaRPr>
-            </a:p>
-          </p:txBody>
-        </p:sp>
-        <p:sp>
-          <p:nvSpPr>
-            <p:cNvPr id="27" name="Right Arrow 26"/>
-            <p:cNvSpPr/>
-            <p:nvPr/>
-          </p:nvSpPr>
-          <p:spPr>
-            <a:xfrm>
-              <a:off x="2366722" y="3745375"/>
-              <a:ext cx="249222" cy="302725"/>
-            </a:xfrm>
-            <a:prstGeom prst="rightArrow">
-              <a:avLst/>
-            </a:prstGeom>
-          </p:spPr>
-          <p:style>
-            <a:lnRef idx="2">
-              <a:schemeClr val="accent1">
-                <a:shade val="50000"/>
-              </a:schemeClr>
-            </a:lnRef>
-            <a:fillRef idx="1">
-              <a:schemeClr val="accent1"/>
-            </a:fillRef>
-            <a:effectRef idx="0">
-              <a:schemeClr val="accent1"/>
-            </a:effectRef>
-            <a:fontRef idx="minor">
-              <a:schemeClr val="lt1"/>
-            </a:fontRef>
-          </p:style>
-          <p:txBody>
-            <a:bodyPr rtlCol="0" anchor="ctr"/>
-            <a:lstStyle/>
-            <a:p>
-              <a:pPr algn="ctr"/>
-              <a:endParaRPr lang="en-US">
-                <a:solidFill>
-                  <a:schemeClr val="bg1"/>
-                </a:solidFill>
-              </a:endParaRPr>
-            </a:p>
-          </p:txBody>
-        </p:sp>
-        <p:sp>
-          <p:nvSpPr>
-            <p:cNvPr id="28" name="Right Arrow 27"/>
-            <p:cNvSpPr/>
-            <p:nvPr/>
-          </p:nvSpPr>
-          <p:spPr>
-            <a:xfrm>
-              <a:off x="2373508" y="5279471"/>
-              <a:ext cx="249222" cy="302725"/>
-            </a:xfrm>
-            <a:prstGeom prst="rightArrow">
-              <a:avLst/>
-            </a:prstGeom>
-          </p:spPr>
-          <p:style>
-            <a:lnRef idx="2">
-              <a:schemeClr val="accent1">
-                <a:shade val="50000"/>
-              </a:schemeClr>
-            </a:lnRef>
-            <a:fillRef idx="1">
-              <a:schemeClr val="accent1"/>
-            </a:fillRef>
-            <a:effectRef idx="0">
-              <a:schemeClr val="accent1"/>
-            </a:effectRef>
-            <a:fontRef idx="minor">
-              <a:schemeClr val="lt1"/>
-            </a:fontRef>
-          </p:style>
-          <p:txBody>
-            <a:bodyPr rtlCol="0" anchor="ctr"/>
-            <a:lstStyle/>
-            <a:p>
-              <a:pPr algn="ctr"/>
-              <a:endParaRPr lang="en-US">
-                <a:solidFill>
-                  <a:schemeClr val="bg1"/>
-                </a:solidFill>
-              </a:endParaRPr>
-            </a:p>
-          </p:txBody>
-        </p:sp>
-      </p:grpSp>
-      <p:grpSp>
-        <p:nvGrpSpPr>
-          <p:cNvPr id="58" name="Group 57"/>
-          <p:cNvGrpSpPr/>
-          <p:nvPr/>
-        </p:nvGrpSpPr>
-        <p:grpSpPr>
-          <a:xfrm>
-            <a:off x="3881317" y="2229807"/>
-            <a:ext cx="470561" cy="3323771"/>
-            <a:chOff x="3881317" y="2229807"/>
-            <a:chExt cx="470561" cy="3323771"/>
-          </a:xfrm>
-        </p:grpSpPr>
-        <p:sp>
-          <p:nvSpPr>
-            <p:cNvPr id="29" name="Right Arrow 28"/>
-            <p:cNvSpPr/>
-            <p:nvPr/>
-          </p:nvSpPr>
-          <p:spPr>
-            <a:xfrm>
-              <a:off x="3904509" y="2229807"/>
-              <a:ext cx="447369" cy="245491"/>
-            </a:xfrm>
-            <a:prstGeom prst="rightArrow">
-              <a:avLst/>
-            </a:prstGeom>
-          </p:spPr>
-          <p:style>
-            <a:lnRef idx="2">
-              <a:schemeClr val="accent1">
-                <a:shade val="50000"/>
-              </a:schemeClr>
-            </a:lnRef>
-            <a:fillRef idx="1">
-              <a:schemeClr val="accent1"/>
-            </a:fillRef>
-            <a:effectRef idx="0">
-              <a:schemeClr val="accent1"/>
-            </a:effectRef>
-            <a:fontRef idx="minor">
-              <a:schemeClr val="lt1"/>
-            </a:fontRef>
-          </p:style>
-          <p:txBody>
-            <a:bodyPr rtlCol="0" anchor="ctr"/>
-            <a:lstStyle/>
-            <a:p>
-              <a:pPr algn="ctr"/>
-              <a:endParaRPr lang="en-US">
-                <a:solidFill>
-                  <a:schemeClr val="bg1"/>
-                </a:solidFill>
-              </a:endParaRPr>
-            </a:p>
-          </p:txBody>
-        </p:sp>
-        <p:sp>
-          <p:nvSpPr>
-            <p:cNvPr id="30" name="Right Arrow 29"/>
-            <p:cNvSpPr/>
-            <p:nvPr/>
-          </p:nvSpPr>
-          <p:spPr>
-            <a:xfrm>
-              <a:off x="3885477" y="3752474"/>
-              <a:ext cx="447369" cy="245491"/>
-            </a:xfrm>
-            <a:prstGeom prst="rightArrow">
-              <a:avLst/>
-            </a:prstGeom>
-          </p:spPr>
-          <p:style>
-            <a:lnRef idx="2">
-              <a:schemeClr val="accent1">
-                <a:shade val="50000"/>
-              </a:schemeClr>
-            </a:lnRef>
-            <a:fillRef idx="1">
-              <a:schemeClr val="accent1"/>
-            </a:fillRef>
-            <a:effectRef idx="0">
-              <a:schemeClr val="accent1"/>
-            </a:effectRef>
-            <a:fontRef idx="minor">
-              <a:schemeClr val="lt1"/>
-            </a:fontRef>
-          </p:style>
-          <p:txBody>
-            <a:bodyPr rtlCol="0" anchor="ctr"/>
-            <a:lstStyle/>
-            <a:p>
-              <a:pPr algn="ctr"/>
-              <a:endParaRPr lang="en-US">
-                <a:solidFill>
-                  <a:schemeClr val="bg1"/>
-                </a:solidFill>
-              </a:endParaRPr>
-            </a:p>
-          </p:txBody>
-        </p:sp>
-        <p:sp>
-          <p:nvSpPr>
-            <p:cNvPr id="31" name="Right Arrow 30"/>
-            <p:cNvSpPr/>
-            <p:nvPr/>
-          </p:nvSpPr>
-          <p:spPr>
-            <a:xfrm>
-              <a:off x="3881317" y="5308087"/>
-              <a:ext cx="447369" cy="245491"/>
-            </a:xfrm>
-            <a:prstGeom prst="rightArrow">
-              <a:avLst/>
-            </a:prstGeom>
-          </p:spPr>
-          <p:style>
-            <a:lnRef idx="2">
-              <a:schemeClr val="accent1">
-                <a:shade val="50000"/>
-              </a:schemeClr>
-            </a:lnRef>
-            <a:fillRef idx="1">
-              <a:schemeClr val="accent1"/>
-            </a:fillRef>
-            <a:effectRef idx="0">
-              <a:schemeClr val="accent1"/>
-            </a:effectRef>
-            <a:fontRef idx="minor">
-              <a:schemeClr val="lt1"/>
-            </a:fontRef>
-          </p:style>
-          <p:txBody>
-            <a:bodyPr rtlCol="0" anchor="ctr"/>
-            <a:lstStyle/>
-            <a:p>
-              <a:pPr algn="ctr"/>
-              <a:endParaRPr lang="en-US">
-                <a:solidFill>
-                  <a:schemeClr val="bg1"/>
-                </a:solidFill>
-              </a:endParaRPr>
-            </a:p>
-          </p:txBody>
-        </p:sp>
-      </p:grpSp>
-      <p:grpSp>
-        <p:nvGrpSpPr>
-          <p:cNvPr id="62" name="Group 61"/>
-          <p:cNvGrpSpPr/>
-          <p:nvPr/>
-        </p:nvGrpSpPr>
-        <p:grpSpPr>
-          <a:xfrm>
-            <a:off x="9119930" y="1360561"/>
-            <a:ext cx="1909017" cy="4615992"/>
-            <a:chOff x="9119930" y="1360561"/>
-            <a:chExt cx="1909017" cy="4615992"/>
-          </a:xfrm>
-        </p:grpSpPr>
-        <p:sp>
-          <p:nvSpPr>
-            <p:cNvPr id="13" name="TextBox 12"/>
-            <p:cNvSpPr txBox="1"/>
-            <p:nvPr/>
-          </p:nvSpPr>
-          <p:spPr>
-            <a:xfrm>
-              <a:off x="9701567" y="1360561"/>
-              <a:ext cx="1079142" cy="461665"/>
-            </a:xfrm>
-            <a:prstGeom prst="rect">
-              <a:avLst/>
-            </a:prstGeom>
-            <a:noFill/>
-          </p:spPr>
-          <p:txBody>
-            <a:bodyPr wrap="none" rtlCol="0">
-              <a:spAutoFit/>
-            </a:bodyPr>
-            <a:lstStyle/>
-            <a:p>
-              <a:r>
-                <a:rPr lang="en-US" sz="2400" dirty="0" smtClean="0">
-                  <a:solidFill>
-                    <a:schemeClr val="bg1"/>
-                  </a:solidFill>
-                </a:rPr>
-                <a:t>Output</a:t>
-              </a:r>
-              <a:endParaRPr lang="en-US" sz="2400" dirty="0" smtClean="0">
-                <a:solidFill>
-                  <a:schemeClr val="bg1"/>
-                </a:solidFill>
-              </a:endParaRPr>
-            </a:p>
-          </p:txBody>
-        </p:sp>
-        <p:sp>
-          <p:nvSpPr>
-            <p:cNvPr id="21" name="Rounded Rectangle 20"/>
-            <p:cNvSpPr/>
-            <p:nvPr/>
-          </p:nvSpPr>
-          <p:spPr>
-            <a:xfrm>
-              <a:off x="9701567" y="1937318"/>
-              <a:ext cx="1327380" cy="1832578"/>
-            </a:xfrm>
-            <a:prstGeom prst="roundRect">
-              <a:avLst/>
-            </a:prstGeom>
-          </p:spPr>
-          <p:style>
-            <a:lnRef idx="2">
-              <a:schemeClr val="accent5">
-                <a:shade val="50000"/>
-              </a:schemeClr>
-            </a:lnRef>
-            <a:fillRef idx="1">
-              <a:schemeClr val="accent5"/>
-            </a:fillRef>
-            <a:effectRef idx="0">
-              <a:schemeClr val="accent5"/>
-            </a:effectRef>
-            <a:fontRef idx="minor">
-              <a:schemeClr val="lt1"/>
-            </a:fontRef>
-          </p:style>
-          <p:txBody>
-            <a:bodyPr rtlCol="0" anchor="ctr"/>
-            <a:lstStyle/>
-            <a:p>
-              <a:pPr algn="ctr"/>
-              <a:r>
-                <a:rPr lang="en-US" dirty="0" smtClean="0">
-                  <a:solidFill>
-                    <a:schemeClr val="bg1"/>
-                  </a:solidFill>
-                </a:rPr>
-                <a:t>a, 1</a:t>
-              </a:r>
-              <a:endParaRPr lang="en-US" dirty="0" smtClean="0">
-                <a:solidFill>
-                  <a:schemeClr val="bg1"/>
-                </a:solidFill>
-              </a:endParaRPr>
-            </a:p>
-            <a:p>
-              <a:pPr algn="ctr"/>
-              <a:r>
-                <a:rPr lang="en-US" dirty="0">
-                  <a:solidFill>
-                    <a:schemeClr val="bg1"/>
-                  </a:solidFill>
-                </a:rPr>
-                <a:t>a</a:t>
-              </a:r>
-              <a:r>
-                <a:rPr lang="en-US" dirty="0" smtClean="0">
-                  <a:solidFill>
-                    <a:schemeClr val="bg1"/>
-                  </a:solidFill>
-                </a:rPr>
-                <a:t>nother 1</a:t>
-              </a:r>
-              <a:endParaRPr lang="en-US" dirty="0" smtClean="0">
-                <a:solidFill>
-                  <a:schemeClr val="bg1"/>
-                </a:solidFill>
-              </a:endParaRPr>
-            </a:p>
-            <a:p>
-              <a:pPr algn="ctr"/>
-              <a:r>
-                <a:rPr lang="en-US" dirty="0" smtClean="0">
-                  <a:solidFill>
-                    <a:schemeClr val="bg1"/>
-                  </a:solidFill>
-                </a:rPr>
-                <a:t>brown, 2</a:t>
-              </a:r>
-              <a:endParaRPr lang="en-US" dirty="0" smtClean="0">
-                <a:solidFill>
-                  <a:schemeClr val="bg1"/>
-                </a:solidFill>
-              </a:endParaRPr>
-            </a:p>
-            <a:p>
-              <a:pPr algn="ctr"/>
-              <a:r>
-                <a:rPr lang="en-US" dirty="0" smtClean="0">
-                  <a:solidFill>
-                    <a:schemeClr val="bg1"/>
-                  </a:solidFill>
-                </a:rPr>
-                <a:t>cross, </a:t>
-              </a:r>
-              <a:r>
-                <a:rPr lang="en-US" dirty="0">
-                  <a:solidFill>
-                    <a:schemeClr val="bg1"/>
-                  </a:solidFill>
-                </a:rPr>
-                <a:t>1</a:t>
-              </a:r>
-              <a:endParaRPr lang="en-US" dirty="0" smtClean="0">
-                <a:solidFill>
-                  <a:schemeClr val="bg1"/>
-                </a:solidFill>
-              </a:endParaRPr>
-            </a:p>
-            <a:p>
-              <a:pPr algn="ctr"/>
-              <a:r>
-                <a:rPr lang="en-US" dirty="0" smtClean="0">
-                  <a:solidFill>
-                    <a:schemeClr val="bg1"/>
-                  </a:solidFill>
-                </a:rPr>
-                <a:t>cow, 1</a:t>
-              </a:r>
-              <a:endParaRPr lang="en-US" dirty="0" smtClean="0">
-                <a:solidFill>
-                  <a:schemeClr val="bg1"/>
-                </a:solidFill>
-              </a:endParaRPr>
-            </a:p>
-            <a:p>
-              <a:pPr algn="ctr"/>
-              <a:r>
-                <a:rPr lang="en-US" dirty="0" smtClean="0">
-                  <a:solidFill>
-                    <a:schemeClr val="bg1"/>
-                  </a:solidFill>
-                </a:rPr>
-                <a:t>fox, 3</a:t>
-              </a:r>
-              <a:endParaRPr lang="en-US" dirty="0" smtClean="0">
-                <a:solidFill>
-                  <a:schemeClr val="bg1"/>
-                </a:solidFill>
-              </a:endParaRPr>
-            </a:p>
-          </p:txBody>
-        </p:sp>
-        <p:sp>
-          <p:nvSpPr>
-            <p:cNvPr id="22" name="Rounded Rectangle 21"/>
-            <p:cNvSpPr/>
-            <p:nvPr/>
-          </p:nvSpPr>
-          <p:spPr>
-            <a:xfrm>
-              <a:off x="9701567" y="4292110"/>
-              <a:ext cx="1327380" cy="1684443"/>
-            </a:xfrm>
-            <a:prstGeom prst="roundRect">
-              <a:avLst/>
-            </a:prstGeom>
-          </p:spPr>
-          <p:style>
-            <a:lnRef idx="2">
-              <a:schemeClr val="accent5">
-                <a:shade val="50000"/>
-              </a:schemeClr>
-            </a:lnRef>
-            <a:fillRef idx="1">
-              <a:schemeClr val="accent5"/>
-            </a:fillRef>
-            <a:effectRef idx="0">
-              <a:schemeClr val="accent5"/>
-            </a:effectRef>
-            <a:fontRef idx="minor">
-              <a:schemeClr val="lt1"/>
-            </a:fontRef>
-          </p:style>
-          <p:txBody>
-            <a:bodyPr rtlCol="0" anchor="ctr"/>
-            <a:lstStyle/>
-            <a:p>
-              <a:pPr algn="ctr"/>
-              <a:r>
-                <a:rPr lang="en-US" dirty="0">
-                  <a:solidFill>
-                    <a:schemeClr val="bg1"/>
-                  </a:solidFill>
-                </a:rPr>
-                <a:t>road, 1</a:t>
-              </a:r>
-              <a:endParaRPr lang="en-US" dirty="0">
-                <a:solidFill>
-                  <a:schemeClr val="bg1"/>
-                </a:solidFill>
-              </a:endParaRPr>
-            </a:p>
-            <a:p>
-              <a:pPr algn="ctr"/>
-              <a:r>
-                <a:rPr lang="en-US" dirty="0" smtClean="0">
-                  <a:solidFill>
-                    <a:schemeClr val="bg1"/>
-                  </a:solidFill>
-                </a:rPr>
-                <a:t>small, 1</a:t>
-              </a:r>
-              <a:endParaRPr lang="en-US" dirty="0" smtClean="0">
-                <a:solidFill>
-                  <a:schemeClr val="bg1"/>
-                </a:solidFill>
-              </a:endParaRPr>
-            </a:p>
-            <a:p>
-              <a:pPr algn="ctr"/>
-              <a:r>
-                <a:rPr lang="en-US" dirty="0">
-                  <a:solidFill>
-                    <a:schemeClr val="bg1"/>
-                  </a:solidFill>
-                </a:rPr>
-                <a:t>s</a:t>
-              </a:r>
-              <a:r>
-                <a:rPr lang="en-US" dirty="0" smtClean="0">
-                  <a:solidFill>
-                    <a:schemeClr val="bg1"/>
-                  </a:solidFill>
-                </a:rPr>
-                <a:t>peaks, 1</a:t>
-              </a:r>
-              <a:endParaRPr lang="en-US" dirty="0" smtClean="0">
-                <a:solidFill>
-                  <a:schemeClr val="bg1"/>
-                </a:solidFill>
-              </a:endParaRPr>
-            </a:p>
-            <a:p>
-              <a:pPr algn="ctr"/>
-              <a:r>
-                <a:rPr lang="en-US" dirty="0">
-                  <a:solidFill>
-                    <a:schemeClr val="bg1"/>
-                  </a:solidFill>
-                </a:rPr>
-                <a:t>the, 2</a:t>
-              </a:r>
-              <a:endParaRPr lang="en-US" dirty="0">
-                <a:solidFill>
-                  <a:schemeClr val="bg1"/>
-                </a:solidFill>
-              </a:endParaRPr>
-            </a:p>
-            <a:p>
-              <a:pPr algn="ctr"/>
-              <a:r>
-                <a:rPr lang="en-US" dirty="0" smtClean="0">
-                  <a:solidFill>
-                    <a:schemeClr val="bg1"/>
-                  </a:solidFill>
-                </a:rPr>
-                <a:t>to, 1</a:t>
-              </a:r>
-              <a:endParaRPr lang="en-US" dirty="0" smtClean="0">
-                <a:solidFill>
-                  <a:schemeClr val="bg1"/>
-                </a:solidFill>
-              </a:endParaRPr>
-            </a:p>
-          </p:txBody>
-        </p:sp>
-        <p:sp>
-          <p:nvSpPr>
-            <p:cNvPr id="47" name="Right Arrow 46"/>
-            <p:cNvSpPr/>
-            <p:nvPr/>
-          </p:nvSpPr>
-          <p:spPr>
-            <a:xfrm>
-              <a:off x="9119931" y="3052405"/>
-              <a:ext cx="447369" cy="245491"/>
-            </a:xfrm>
-            <a:prstGeom prst="rightArrow">
-              <a:avLst/>
-            </a:prstGeom>
-          </p:spPr>
-          <p:style>
-            <a:lnRef idx="2">
-              <a:schemeClr val="accent1">
-                <a:shade val="50000"/>
-              </a:schemeClr>
-            </a:lnRef>
-            <a:fillRef idx="1">
-              <a:schemeClr val="accent1"/>
-            </a:fillRef>
-            <a:effectRef idx="0">
-              <a:schemeClr val="accent1"/>
-            </a:effectRef>
-            <a:fontRef idx="minor">
-              <a:schemeClr val="lt1"/>
-            </a:fontRef>
-          </p:style>
-          <p:txBody>
-            <a:bodyPr rtlCol="0" anchor="ctr"/>
-            <a:lstStyle/>
-            <a:p>
-              <a:pPr algn="ctr"/>
-              <a:endParaRPr lang="en-US">
-                <a:solidFill>
-                  <a:schemeClr val="bg1"/>
-                </a:solidFill>
-              </a:endParaRPr>
-            </a:p>
-          </p:txBody>
-        </p:sp>
-        <p:sp>
-          <p:nvSpPr>
-            <p:cNvPr id="48" name="Right Arrow 47"/>
-            <p:cNvSpPr/>
-            <p:nvPr/>
-          </p:nvSpPr>
-          <p:spPr>
-            <a:xfrm>
-              <a:off x="9119930" y="4935165"/>
-              <a:ext cx="447369" cy="245491"/>
-            </a:xfrm>
-            <a:prstGeom prst="rightArrow">
-              <a:avLst/>
-            </a:prstGeom>
-          </p:spPr>
-          <p:style>
-            <a:lnRef idx="2">
-              <a:schemeClr val="accent1">
-                <a:shade val="50000"/>
-              </a:schemeClr>
-            </a:lnRef>
-            <a:fillRef idx="1">
-              <a:schemeClr val="accent1"/>
-            </a:fillRef>
-            <a:effectRef idx="0">
-              <a:schemeClr val="accent1"/>
-            </a:effectRef>
-            <a:fontRef idx="minor">
-              <a:schemeClr val="lt1"/>
-            </a:fontRef>
-          </p:style>
-          <p:txBody>
-            <a:bodyPr rtlCol="0" anchor="ctr"/>
-            <a:lstStyle/>
-            <a:p>
-              <a:pPr algn="ctr"/>
-              <a:endParaRPr lang="en-US">
-                <a:solidFill>
-                  <a:schemeClr val="bg1"/>
-                </a:solidFill>
-              </a:endParaRPr>
-            </a:p>
-          </p:txBody>
-        </p:sp>
-      </p:grpSp>
-      <p:sp>
-        <p:nvSpPr>
-          <p:cNvPr id="54" name="Rectangle 53"/>
-          <p:cNvSpPr/>
-          <p:nvPr/>
-        </p:nvSpPr>
-        <p:spPr>
-          <a:xfrm>
-            <a:off x="5163630" y="2263003"/>
-            <a:ext cx="1131079" cy="338554"/>
-          </a:xfrm>
-          <a:prstGeom prst="rect">
-            <a:avLst/>
-          </a:prstGeom>
-        </p:spPr>
-        <p:txBody>
-          <a:bodyPr wrap="none">
-            <a:spAutoFit/>
-          </a:bodyPr>
-          <a:lstStyle/>
-          <a:p>
-            <a:r>
-              <a:rPr lang="en-US" sz="1600" dirty="0">
-                <a:solidFill>
-                  <a:schemeClr val="bg1"/>
-                </a:solidFill>
-              </a:rPr>
-              <a:t>&lt;brown, 1&gt;</a:t>
-            </a:r>
-            <a:endParaRPr lang="en-US" sz="1600" dirty="0">
-              <a:solidFill>
-                <a:schemeClr val="bg1"/>
-              </a:solidFill>
-            </a:endParaRPr>
-          </a:p>
-        </p:txBody>
-      </p:sp>
-      <p:sp>
-        <p:nvSpPr>
-          <p:cNvPr id="64" name="Rectangle 63"/>
-          <p:cNvSpPr/>
-          <p:nvPr/>
-        </p:nvSpPr>
-        <p:spPr>
-          <a:xfrm>
-            <a:off x="5137057" y="4918248"/>
-            <a:ext cx="1131079" cy="338554"/>
-          </a:xfrm>
-          <a:prstGeom prst="rect">
-            <a:avLst/>
-          </a:prstGeom>
-        </p:spPr>
-        <p:txBody>
-          <a:bodyPr wrap="none">
-            <a:spAutoFit/>
-          </a:bodyPr>
-          <a:lstStyle/>
-          <a:p>
-            <a:r>
-              <a:rPr lang="en-US" sz="1600" dirty="0">
-                <a:solidFill>
-                  <a:schemeClr val="bg1"/>
-                </a:solidFill>
-              </a:rPr>
-              <a:t>&lt;brown, 1&gt;</a:t>
-            </a:r>
-            <a:endParaRPr lang="en-US" sz="1600" dirty="0">
-              <a:solidFill>
-                <a:schemeClr val="bg1"/>
-              </a:solidFill>
-            </a:endParaRPr>
-          </a:p>
-        </p:txBody>
-      </p:sp>
-    </p:spTree>
-  </p:cSld>
-  <p:clrMapOvr>
-    <a:masterClrMapping/>
-  </p:clrMapOvr>
-  <p:timing>
-    <p:tnLst>
-      <p:par>
-        <p:cTn id="1" dur="indefinite" restart="never" nodeType="tmRoot">
-          <p:childTnLst>
-            <p:seq concurrent="1" nextAc="seek">
-              <p:cTn id="2" dur="indefinite" nodeType="mainSeq">
-                <p:childTnLst>
-                  <p:par>
-                    <p:cTn id="3" fill="hold">
-                      <p:stCondLst>
-                        <p:cond delay="indefinite"/>
-                      </p:stCondLst>
-                      <p:childTnLst>
-                        <p:par>
-                          <p:cTn id="4" fill="hold">
-                            <p:stCondLst>
-                              <p:cond delay="0"/>
-                            </p:stCondLst>
-                            <p:childTnLst>
-                              <p:par>
-                                <p:cTn id="5" presetID="22" presetClass="entr" presetSubtype="8" fill="hold" nodeType="clickEffect">
-                                  <p:stCondLst>
-                                    <p:cond delay="0"/>
-                                  </p:stCondLst>
-                                  <p:childTnLst>
-                                    <p:set>
-                                      <p:cBhvr>
-                                        <p:cTn id="6" dur="1" fill="hold">
-                                          <p:stCondLst>
-                                            <p:cond delay="0"/>
-                                          </p:stCondLst>
-                                        </p:cTn>
-                                        <p:tgtEl>
-                                          <p:spTgt spid="55"/>
-                                        </p:tgtEl>
-                                        <p:attrNameLst>
-                                          <p:attrName>style.visibility</p:attrName>
-                                        </p:attrNameLst>
-                                      </p:cBhvr>
-                                      <p:to>
-                                        <p:strVal val="visible"/>
-                                      </p:to>
-                                    </p:set>
-                                    <p:animEffect transition="in" filter="wipe(left)">
-                                      <p:cBhvr>
-                                        <p:cTn id="7" dur="500"/>
-                                        <p:tgtEl>
-                                          <p:spTgt spid="55"/>
-                                        </p:tgtEl>
-                                      </p:cBhvr>
-                                    </p:animEffect>
-                                  </p:childTnLst>
-                                </p:cTn>
-                              </p:par>
-                            </p:childTnLst>
-                          </p:cTn>
-                        </p:par>
-                      </p:childTnLst>
-                    </p:cTn>
-                  </p:par>
-                  <p:par>
-                    <p:cTn id="8" fill="hold">
-                      <p:stCondLst>
-                        <p:cond delay="indefinite"/>
-                      </p:stCondLst>
-                      <p:childTnLst>
-                        <p:par>
-                          <p:cTn id="9" fill="hold">
-                            <p:stCondLst>
-                              <p:cond delay="0"/>
-                            </p:stCondLst>
-                            <p:childTnLst>
-                              <p:par>
-                                <p:cTn id="10" presetID="22" presetClass="entr" presetSubtype="8" fill="hold" nodeType="clickEffect">
-                                  <p:stCondLst>
-                                    <p:cond delay="0"/>
-                                  </p:stCondLst>
-                                  <p:childTnLst>
-                                    <p:set>
-                                      <p:cBhvr>
-                                        <p:cTn id="11" dur="1" fill="hold">
-                                          <p:stCondLst>
-                                            <p:cond delay="0"/>
-                                          </p:stCondLst>
-                                        </p:cTn>
-                                        <p:tgtEl>
-                                          <p:spTgt spid="56"/>
-                                        </p:tgtEl>
-                                        <p:attrNameLst>
-                                          <p:attrName>style.visibility</p:attrName>
-                                        </p:attrNameLst>
-                                      </p:cBhvr>
-                                      <p:to>
-                                        <p:strVal val="visible"/>
-                                      </p:to>
-                                    </p:set>
-                                    <p:animEffect transition="in" filter="wipe(left)">
-                                      <p:cBhvr>
-                                        <p:cTn id="12" dur="500"/>
-                                        <p:tgtEl>
-                                          <p:spTgt spid="56"/>
-                                        </p:tgtEl>
-                                      </p:cBhvr>
-                                    </p:animEffect>
-                                  </p:childTnLst>
-                                </p:cTn>
-                              </p:par>
-                            </p:childTnLst>
-                          </p:cTn>
-                        </p:par>
-                      </p:childTnLst>
-                    </p:cTn>
-                  </p:par>
-                  <p:par>
-                    <p:cTn id="13" fill="hold">
-                      <p:stCondLst>
-                        <p:cond delay="indefinite"/>
-                      </p:stCondLst>
-                      <p:childTnLst>
-                        <p:par>
-                          <p:cTn id="14" fill="hold">
-                            <p:stCondLst>
-                              <p:cond delay="0"/>
-                            </p:stCondLst>
-                            <p:childTnLst>
-                              <p:par>
-                                <p:cTn id="15" presetID="22" presetClass="entr" presetSubtype="8" fill="hold" nodeType="clickEffect">
-                                  <p:stCondLst>
-                                    <p:cond delay="0"/>
-                                  </p:stCondLst>
-                                  <p:childTnLst>
-                                    <p:set>
-                                      <p:cBhvr>
-                                        <p:cTn id="16" dur="1" fill="hold">
-                                          <p:stCondLst>
-                                            <p:cond delay="0"/>
-                                          </p:stCondLst>
-                                        </p:cTn>
-                                        <p:tgtEl>
-                                          <p:spTgt spid="57"/>
-                                        </p:tgtEl>
-                                        <p:attrNameLst>
-                                          <p:attrName>style.visibility</p:attrName>
-                                        </p:attrNameLst>
-                                      </p:cBhvr>
-                                      <p:to>
-                                        <p:strVal val="visible"/>
-                                      </p:to>
-                                    </p:set>
-                                    <p:animEffect transition="in" filter="wipe(left)">
-                                      <p:cBhvr>
-                                        <p:cTn id="17" dur="500"/>
-                                        <p:tgtEl>
-                                          <p:spTgt spid="57"/>
-                                        </p:tgtEl>
-                                      </p:cBhvr>
-                                    </p:animEffect>
-                                  </p:childTnLst>
-                                </p:cTn>
-                              </p:par>
-                            </p:childTnLst>
-                          </p:cTn>
-                        </p:par>
-                      </p:childTnLst>
-                    </p:cTn>
-                  </p:par>
-                  <p:par>
-                    <p:cTn id="18" fill="hold">
-                      <p:stCondLst>
-                        <p:cond delay="indefinite"/>
-                      </p:stCondLst>
-                      <p:childTnLst>
-                        <p:par>
-                          <p:cTn id="19" fill="hold">
-                            <p:stCondLst>
-                              <p:cond delay="0"/>
-                            </p:stCondLst>
-                            <p:childTnLst>
-                              <p:par>
-                                <p:cTn id="20" presetID="22" presetClass="entr" presetSubtype="8" fill="hold" nodeType="clickEffect">
-                                  <p:stCondLst>
-                                    <p:cond delay="0"/>
-                                  </p:stCondLst>
-                                  <p:childTnLst>
-                                    <p:set>
-                                      <p:cBhvr>
-                                        <p:cTn id="21" dur="1" fill="hold">
-                                          <p:stCondLst>
-                                            <p:cond delay="0"/>
-                                          </p:stCondLst>
-                                        </p:cTn>
-                                        <p:tgtEl>
-                                          <p:spTgt spid="58"/>
-                                        </p:tgtEl>
-                                        <p:attrNameLst>
-                                          <p:attrName>style.visibility</p:attrName>
-                                        </p:attrNameLst>
-                                      </p:cBhvr>
-                                      <p:to>
-                                        <p:strVal val="visible"/>
-                                      </p:to>
-                                    </p:set>
-                                    <p:animEffect transition="in" filter="wipe(left)">
-                                      <p:cBhvr>
-                                        <p:cTn id="22" dur="500"/>
-                                        <p:tgtEl>
-                                          <p:spTgt spid="58"/>
-                                        </p:tgtEl>
-                                      </p:cBhvr>
-                                    </p:animEffect>
-                                  </p:childTnLst>
-                                </p:cTn>
-                              </p:par>
-                            </p:childTnLst>
-                          </p:cTn>
-                        </p:par>
-                      </p:childTnLst>
-                    </p:cTn>
-                  </p:par>
-                  <p:par>
-                    <p:cTn id="23" fill="hold">
-                      <p:stCondLst>
-                        <p:cond delay="indefinite"/>
-                      </p:stCondLst>
-                      <p:childTnLst>
-                        <p:par>
-                          <p:cTn id="24" fill="hold">
-                            <p:stCondLst>
-                              <p:cond delay="0"/>
-                            </p:stCondLst>
-                            <p:childTnLst>
-                              <p:par>
-                                <p:cTn id="25" presetID="22" presetClass="entr" presetSubtype="8" fill="hold" nodeType="clickEffect">
-                                  <p:stCondLst>
-                                    <p:cond delay="0"/>
-                                  </p:stCondLst>
-                                  <p:childTnLst>
-                                    <p:set>
-                                      <p:cBhvr>
-                                        <p:cTn id="26" dur="1" fill="hold">
-                                          <p:stCondLst>
-                                            <p:cond delay="0"/>
-                                          </p:stCondLst>
-                                        </p:cTn>
-                                        <p:tgtEl>
-                                          <p:spTgt spid="59"/>
-                                        </p:tgtEl>
-                                        <p:attrNameLst>
-                                          <p:attrName>style.visibility</p:attrName>
-                                        </p:attrNameLst>
-                                      </p:cBhvr>
-                                      <p:to>
-                                        <p:strVal val="visible"/>
-                                      </p:to>
-                                    </p:set>
-                                    <p:animEffect transition="in" filter="wipe(left)">
-                                      <p:cBhvr>
-                                        <p:cTn id="27" dur="500"/>
-                                        <p:tgtEl>
-                                          <p:spTgt spid="59"/>
-                                        </p:tgtEl>
-                                      </p:cBhvr>
-                                    </p:animEffect>
-                                  </p:childTnLst>
-                                </p:cTn>
-                              </p:par>
-                            </p:childTnLst>
-                          </p:cTn>
-                        </p:par>
-                      </p:childTnLst>
-                    </p:cTn>
-                  </p:par>
-                  <p:par>
-                    <p:cTn id="28" fill="hold">
-                      <p:stCondLst>
-                        <p:cond delay="indefinite"/>
-                      </p:stCondLst>
-                      <p:childTnLst>
-                        <p:par>
-                          <p:cTn id="29" fill="hold">
-                            <p:stCondLst>
-                              <p:cond delay="0"/>
-                            </p:stCondLst>
-                            <p:childTnLst>
-                              <p:par>
-                                <p:cTn id="30" presetID="1" presetClass="entr" presetSubtype="0" fill="hold" nodeType="clickEffect">
-                                  <p:stCondLst>
-                                    <p:cond delay="0"/>
-                                  </p:stCondLst>
-                                  <p:childTnLst>
-                                    <p:set>
-                                      <p:cBhvr>
-                                        <p:cTn id="31" dur="1" fill="hold">
-                                          <p:stCondLst>
-                                            <p:cond delay="0"/>
-                                          </p:stCondLst>
-                                        </p:cTn>
-                                        <p:tgtEl>
-                                          <p:spTgt spid="60"/>
-                                        </p:tgtEl>
-                                        <p:attrNameLst>
-                                          <p:attrName>style.visibility</p:attrName>
-                                        </p:attrNameLst>
-                                      </p:cBhvr>
-                                      <p:to>
-                                        <p:strVal val="visible"/>
-                                      </p:to>
-                                    </p:set>
-                                  </p:childTnLst>
-                                </p:cTn>
-                              </p:par>
-                              <p:par>
-                                <p:cTn id="32" presetID="1" presetClass="entr" presetSubtype="0" fill="hold" grpId="1" nodeType="withEffect">
-                                  <p:stCondLst>
-                                    <p:cond delay="0"/>
-                                  </p:stCondLst>
-                                  <p:childTnLst>
-                                    <p:set>
-                                      <p:cBhvr>
-                                        <p:cTn id="33" dur="1" fill="hold">
-                                          <p:stCondLst>
-                                            <p:cond delay="0"/>
-                                          </p:stCondLst>
-                                        </p:cTn>
-                                        <p:tgtEl>
-                                          <p:spTgt spid="64"/>
-                                        </p:tgtEl>
-                                        <p:attrNameLst>
-                                          <p:attrName>style.visibility</p:attrName>
-                                        </p:attrNameLst>
-                                      </p:cBhvr>
-                                      <p:to>
-                                        <p:strVal val="visible"/>
-                                      </p:to>
-                                    </p:set>
-                                  </p:childTnLst>
-                                </p:cTn>
-                              </p:par>
-                            </p:childTnLst>
-                          </p:cTn>
-                        </p:par>
-                      </p:childTnLst>
-                    </p:cTn>
-                  </p:par>
-                  <p:par>
-                    <p:cTn id="34" fill="hold">
-                      <p:stCondLst>
-                        <p:cond delay="indefinite"/>
-                      </p:stCondLst>
-                      <p:childTnLst>
-                        <p:par>
-                          <p:cTn id="35" fill="hold">
-                            <p:stCondLst>
-                              <p:cond delay="0"/>
-                            </p:stCondLst>
-                            <p:childTnLst>
-                              <p:par>
-                                <p:cTn id="36" presetID="22" presetClass="entr" presetSubtype="8" fill="hold" nodeType="clickEffect">
-                                  <p:stCondLst>
-                                    <p:cond delay="0"/>
-                                  </p:stCondLst>
-                                  <p:childTnLst>
-                                    <p:set>
-                                      <p:cBhvr>
-                                        <p:cTn id="37" dur="1" fill="hold">
-                                          <p:stCondLst>
-                                            <p:cond delay="0"/>
-                                          </p:stCondLst>
-                                        </p:cTn>
-                                        <p:tgtEl>
-                                          <p:spTgt spid="61"/>
-                                        </p:tgtEl>
-                                        <p:attrNameLst>
-                                          <p:attrName>style.visibility</p:attrName>
-                                        </p:attrNameLst>
-                                      </p:cBhvr>
-                                      <p:to>
-                                        <p:strVal val="visible"/>
-                                      </p:to>
-                                    </p:set>
-                                    <p:animEffect transition="in" filter="wipe(left)">
-                                      <p:cBhvr>
-                                        <p:cTn id="38" dur="500"/>
-                                        <p:tgtEl>
-                                          <p:spTgt spid="61"/>
-                                        </p:tgtEl>
-                                      </p:cBhvr>
-                                    </p:animEffect>
-                                  </p:childTnLst>
-                                </p:cTn>
-                              </p:par>
-                            </p:childTnLst>
-                          </p:cTn>
-                        </p:par>
-                      </p:childTnLst>
-                    </p:cTn>
-                  </p:par>
-                  <p:par>
-                    <p:cTn id="39" fill="hold">
-                      <p:stCondLst>
-                        <p:cond delay="indefinite"/>
-                      </p:stCondLst>
-                      <p:childTnLst>
-                        <p:par>
-                          <p:cTn id="40" fill="hold">
-                            <p:stCondLst>
-                              <p:cond delay="0"/>
-                            </p:stCondLst>
-                            <p:childTnLst>
-                              <p:par>
-                                <p:cTn id="41" presetID="22" presetClass="entr" presetSubtype="8" fill="hold" nodeType="clickEffect">
-                                  <p:stCondLst>
-                                    <p:cond delay="0"/>
-                                  </p:stCondLst>
-                                  <p:childTnLst>
-                                    <p:set>
-                                      <p:cBhvr>
-                                        <p:cTn id="42" dur="1" fill="hold">
-                                          <p:stCondLst>
-                                            <p:cond delay="0"/>
-                                          </p:stCondLst>
-                                        </p:cTn>
-                                        <p:tgtEl>
-                                          <p:spTgt spid="63"/>
-                                        </p:tgtEl>
-                                        <p:attrNameLst>
-                                          <p:attrName>style.visibility</p:attrName>
-                                        </p:attrNameLst>
-                                      </p:cBhvr>
-                                      <p:to>
-                                        <p:strVal val="visible"/>
-                                      </p:to>
-                                    </p:set>
-                                    <p:animEffect transition="in" filter="wipe(left)">
-                                      <p:cBhvr>
-                                        <p:cTn id="43" dur="500"/>
-                                        <p:tgtEl>
-                                          <p:spTgt spid="63"/>
-                                        </p:tgtEl>
-                                      </p:cBhvr>
-                                    </p:animEffect>
-                                  </p:childTnLst>
-                                </p:cTn>
-                              </p:par>
-                            </p:childTnLst>
-                          </p:cTn>
-                        </p:par>
-                      </p:childTnLst>
-                    </p:cTn>
-                  </p:par>
-                  <p:par>
-                    <p:cTn id="44" fill="hold">
-                      <p:stCondLst>
-                        <p:cond delay="indefinite"/>
-                      </p:stCondLst>
-                      <p:childTnLst>
-                        <p:par>
-                          <p:cTn id="45" fill="hold">
-                            <p:stCondLst>
-                              <p:cond delay="0"/>
-                            </p:stCondLst>
-                            <p:childTnLst>
-                              <p:par>
-                                <p:cTn id="46" presetID="42" presetClass="path" presetSubtype="0" accel="50000" decel="50000" fill="hold" grpId="0" nodeType="clickEffect">
-                                  <p:stCondLst>
-                                    <p:cond delay="0"/>
-                                  </p:stCondLst>
-                                  <p:childTnLst>
-                                    <p:animMotion origin="layout" path="M 1.66667E-6 3.33333E-6 L 0.1707 -0.22269 " pathEditMode="relative" rAng="0" ptsTypes="AA">
-                                      <p:cBhvr>
-                                        <p:cTn id="47" dur="2000" fill="hold"/>
-                                        <p:tgtEl>
-                                          <p:spTgt spid="64"/>
-                                        </p:tgtEl>
-                                        <p:attrNameLst>
-                                          <p:attrName>ppt_x</p:attrName>
-                                          <p:attrName>ppt_y</p:attrName>
-                                        </p:attrNameLst>
-                                      </p:cBhvr>
-                                      <p:rCtr x="8529" y="-11134"/>
-                                    </p:animMotion>
-                                  </p:childTnLst>
-                                </p:cTn>
-                              </p:par>
-                              <p:par>
-                                <p:cTn id="48" presetID="1" presetClass="entr" presetSubtype="0" fill="hold" nodeType="withEffect">
-                                  <p:stCondLst>
-                                    <p:cond delay="0"/>
-                                  </p:stCondLst>
-                                  <p:childTnLst>
-                                    <p:set>
-                                      <p:cBhvr>
-                                        <p:cTn id="49" dur="1" fill="hold">
-                                          <p:stCondLst>
-                                            <p:cond delay="0"/>
-                                          </p:stCondLst>
-                                        </p:cTn>
-                                        <p:tgtEl>
-                                          <p:spTgt spid="54">
-                                            <p:txEl>
-                                              <p:pRg st="0" end="0"/>
-                                            </p:txEl>
-                                          </p:spTgt>
-                                        </p:tgtEl>
-                                        <p:attrNameLst>
-                                          <p:attrName>style.visibility</p:attrName>
-                                        </p:attrNameLst>
-                                      </p:cBhvr>
-                                      <p:to>
-                                        <p:strVal val="visible"/>
-                                      </p:to>
-                                    </p:set>
-                                  </p:childTnLst>
-                                </p:cTn>
-                              </p:par>
-                              <p:par>
-                                <p:cTn id="50" presetID="42" presetClass="path" presetSubtype="0" accel="50000" decel="50000" fill="hold" grpId="0" nodeType="withEffect">
-                                  <p:stCondLst>
-                                    <p:cond delay="0"/>
-                                  </p:stCondLst>
-                                  <p:childTnLst>
-                                    <p:animMotion origin="layout" path="M -4.16667E-6 1.85185E-6 L 0.16498 0.07963 " pathEditMode="relative" rAng="0" ptsTypes="AA">
-                                      <p:cBhvr>
-                                        <p:cTn id="51" dur="2000" fill="hold"/>
-                                        <p:tgtEl>
-                                          <p:spTgt spid="54">
-                                            <p:txEl>
-                                              <p:pRg st="0" end="0"/>
-                                            </p:txEl>
-                                          </p:spTgt>
-                                        </p:tgtEl>
-                                        <p:attrNameLst>
-                                          <p:attrName>ppt_x</p:attrName>
-                                          <p:attrName>ppt_y</p:attrName>
-                                        </p:attrNameLst>
-                                      </p:cBhvr>
-                                      <p:rCtr x="8242" y="3981"/>
-                                    </p:animMotion>
-                                  </p:childTnLst>
-                                </p:cTn>
-                              </p:par>
-                            </p:childTnLst>
-                          </p:cTn>
-                        </p:par>
-                      </p:childTnLst>
-                    </p:cTn>
-                  </p:par>
-                  <p:par>
-                    <p:cTn id="52" fill="hold">
-                      <p:stCondLst>
-                        <p:cond delay="indefinite"/>
-                      </p:stCondLst>
-                      <p:childTnLst>
-                        <p:par>
-                          <p:cTn id="53" fill="hold">
-                            <p:stCondLst>
-                              <p:cond delay="0"/>
-                            </p:stCondLst>
-                            <p:childTnLst>
-                              <p:par>
-                                <p:cTn id="54" presetID="22" presetClass="entr" presetSubtype="8" fill="hold" nodeType="clickEffect">
-                                  <p:stCondLst>
-                                    <p:cond delay="0"/>
-                                  </p:stCondLst>
-                                  <p:childTnLst>
-                                    <p:set>
-                                      <p:cBhvr>
-                                        <p:cTn id="55" dur="1" fill="hold">
-                                          <p:stCondLst>
-                                            <p:cond delay="0"/>
-                                          </p:stCondLst>
-                                        </p:cTn>
-                                        <p:tgtEl>
-                                          <p:spTgt spid="62"/>
-                                        </p:tgtEl>
-                                        <p:attrNameLst>
-                                          <p:attrName>style.visibility</p:attrName>
-                                        </p:attrNameLst>
-                                      </p:cBhvr>
-                                      <p:to>
-                                        <p:strVal val="visible"/>
-                                      </p:to>
-                                    </p:set>
-                                    <p:animEffect transition="in" filter="wipe(left)">
-                                      <p:cBhvr>
-                                        <p:cTn id="56" dur="500"/>
-                                        <p:tgtEl>
-                                          <p:spTgt spid="62"/>
-                                        </p:tgtEl>
-                                      </p:cBhvr>
-                                    </p:animEffect>
-                                  </p:childTnLst>
-                                </p:cTn>
-                              </p:par>
-                            </p:childTnLst>
-                          </p:cTn>
-                        </p:par>
-                      </p:childTnLst>
-                    </p:cTn>
-                  </p:par>
-                </p:childTnLst>
-              </p:cTn>
-              <p:prevCondLst>
-                <p:cond evt="onPrev" delay="0">
-                  <p:tgtEl>
-                    <p:sldTgt/>
-                  </p:tgtEl>
-                </p:cond>
-              </p:prevCondLst>
-              <p:nextCondLst>
-                <p:cond evt="onNext" delay="0">
-                  <p:tgtEl>
-                    <p:sldTgt/>
-                  </p:tgtEl>
-                </p:cond>
-              </p:nextCondLst>
-            </p:seq>
-          </p:childTnLst>
-        </p:cTn>
-      </p:par>
-    </p:tnLst>
-    <p:bldLst>
-      <p:bldP spid="54" grpId="0" build="allAtOnce"/>
-      <p:bldP spid="64" grpId="0"/>
-      <p:bldP spid="64" grpId="1"/>
-    </p:bldLst>
-  </p:timing>
-</p:sld>
-</file>
-
-<file path=ppt/slides/slide11.xml><?xml version="1.0" encoding="utf-8"?>
 <p:sld xmlns:a="http://schemas.openxmlformats.org/drawingml/2006/main" xmlns:r="http://schemas.openxmlformats.org/officeDocument/2006/relationships" xmlns:p="http://schemas.openxmlformats.org/presentationml/2006/main" show="0">
   <p:cSld>
     <p:spTree>
@@ -7266,7 +4339,7 @@
 </p:sld>
 </file>
 
-<file path=ppt/slides/slide12.xml><?xml version="1.0" encoding="utf-8"?>
+<file path=ppt/slides/slide11.xml><?xml version="1.0" encoding="utf-8"?>
 <p:sld xmlns:a="http://schemas.openxmlformats.org/drawingml/2006/main" xmlns:r="http://schemas.openxmlformats.org/officeDocument/2006/relationships" xmlns:p="http://schemas.openxmlformats.org/presentationml/2006/main">
   <p:cSld>
     <p:spTree>
@@ -14160,7 +11233,7 @@
 </p:sld>
 </file>
 
-<file path=ppt/slides/slide13.xml><?xml version="1.0" encoding="utf-8"?>
+<file path=ppt/slides/slide12.xml><?xml version="1.0" encoding="utf-8"?>
 <p:sld xmlns:a="http://schemas.openxmlformats.org/drawingml/2006/main" xmlns:r="http://schemas.openxmlformats.org/officeDocument/2006/relationships" xmlns:p="http://schemas.openxmlformats.org/presentationml/2006/main" show="0">
   <p:cSld>
     <p:spTree>
@@ -14286,7 +11359,7 @@
 </p:sld>
 </file>
 
-<file path=ppt/slides/slide14.xml><?xml version="1.0" encoding="utf-8"?>
+<file path=ppt/slides/slide13.xml><?xml version="1.0" encoding="utf-8"?>
 <p:sld xmlns:a="http://schemas.openxmlformats.org/drawingml/2006/main" xmlns:r="http://schemas.openxmlformats.org/officeDocument/2006/relationships" xmlns:p="http://schemas.openxmlformats.org/presentationml/2006/main">
   <p:cSld>
     <p:spTree>
@@ -16065,7 +13138,7 @@
 </p:sld>
 </file>
 
-<file path=ppt/slides/slide15.xml><?xml version="1.0" encoding="utf-8"?>
+<file path=ppt/slides/slide14.xml><?xml version="1.0" encoding="utf-8"?>
 <p:sld xmlns:a="http://schemas.openxmlformats.org/drawingml/2006/main" xmlns:r="http://schemas.openxmlformats.org/officeDocument/2006/relationships" xmlns:p="http://schemas.openxmlformats.org/presentationml/2006/main">
   <p:cSld>
     <p:spTree>
@@ -16084,7 +13157,7 @@
         <p:spPr>
           <a:xfrm>
             <a:off x="1821180" y="913130"/>
-            <a:ext cx="7772400" cy="2676525"/>
+            <a:ext cx="7772400" cy="3169285"/>
           </a:xfrm>
           <a:prstGeom prst="rect">
             <a:avLst/>
@@ -16095,6 +13168,25 @@
           <a:bodyPr wrap="square" rtlCol="0">
             <a:spAutoFit/>
           </a:bodyPr>
+          <a:p>
+            <a:r>
+              <a:rPr lang="" altLang="en-US" sz="3200" b="1">
+                <a:solidFill>
+                  <a:schemeClr val="bg1"/>
+                </a:solidFill>
+                <a:latin typeface="Bitstream Vera Sans Mono" panose="020B0609030804020204" charset="0"/>
+                <a:cs typeface="Bitstream Vera Sans Mono" panose="020B0609030804020204" charset="0"/>
+              </a:rPr>
+              <a:t>Pseudo Code</a:t>
+            </a:r>
+            <a:endParaRPr lang="en-US" sz="2400" b="1">
+              <a:solidFill>
+                <a:schemeClr val="bg1"/>
+              </a:solidFill>
+              <a:latin typeface="Bitstream Vera Sans Mono" panose="020B0609030804020204" charset="0"/>
+              <a:cs typeface="Bitstream Vera Sans Mono" panose="020B0609030804020204" charset="0"/>
+            </a:endParaRPr>
+          </a:p>
           <a:p>
             <a:r>
               <a:rPr lang="en-US" sz="2400" b="1">
@@ -16218,7 +13310,7 @@
         </p:nvSpPr>
         <p:spPr>
           <a:xfrm>
-            <a:off x="1821180" y="3162300"/>
+            <a:off x="1821180" y="3817620"/>
             <a:ext cx="8373110" cy="2306955"/>
           </a:xfrm>
           <a:prstGeom prst="rect">
@@ -16361,7 +13453,7 @@
 </p:sld>
 </file>
 
-<file path=ppt/slides/slide16.xml><?xml version="1.0" encoding="utf-8"?>
+<file path=ppt/slides/slide15.xml><?xml version="1.0" encoding="utf-8"?>
 <p:sld xmlns:a="http://schemas.openxmlformats.org/drawingml/2006/main" xmlns:r="http://schemas.openxmlformats.org/officeDocument/2006/relationships" xmlns:p="http://schemas.openxmlformats.org/presentationml/2006/main">
   <p:cSld>
     <p:spTree>
@@ -17271,641 +14363,6 @@
       </p:grpSpPr>
       <p:sp>
         <p:nvSpPr>
-          <p:cNvPr id="7" name="Rounded Rectangle 6"/>
-          <p:cNvSpPr/>
-          <p:nvPr/>
-        </p:nvSpPr>
-        <p:spPr>
-          <a:xfrm>
-            <a:off x="989611" y="2162048"/>
-            <a:ext cx="5482441" cy="831273"/>
-          </a:xfrm>
-          <a:prstGeom prst="roundRect">
-            <a:avLst/>
-          </a:prstGeom>
-        </p:spPr>
-        <p:style>
-          <a:lnRef idx="2">
-            <a:schemeClr val="accent1">
-              <a:shade val="50000"/>
-            </a:schemeClr>
-          </a:lnRef>
-          <a:fillRef idx="1">
-            <a:schemeClr val="accent1"/>
-          </a:fillRef>
-          <a:effectRef idx="0">
-            <a:schemeClr val="accent1"/>
-          </a:effectRef>
-          <a:fontRef idx="minor">
-            <a:schemeClr val="lt1"/>
-          </a:fontRef>
-        </p:style>
-        <p:txBody>
-          <a:bodyPr rtlCol="0" anchor="ctr"/>
-          <a:lstStyle/>
-          <a:p>
-            <a:pPr algn="ctr"/>
-            <a:r>
-              <a:rPr lang="en-US" sz="2800" dirty="0" smtClean="0"/>
-              <a:t>Map #‘length’ (() (a) (ab) (</a:t>
-            </a:r>
-            <a:r>
-              <a:rPr lang="en-US" sz="2800" dirty="0" err="1" smtClean="0"/>
-              <a:t>abc</a:t>
-            </a:r>
-            <a:r>
-              <a:rPr lang="en-US" sz="2800" dirty="0" smtClean="0"/>
-              <a:t>))</a:t>
-            </a:r>
-            <a:endParaRPr lang="en-US" sz="2800" dirty="0"/>
-          </a:p>
-        </p:txBody>
-      </p:sp>
-      <p:sp>
-        <p:nvSpPr>
-          <p:cNvPr id="8" name="Rounded Rectangle 7"/>
-          <p:cNvSpPr/>
-          <p:nvPr/>
-        </p:nvSpPr>
-        <p:spPr>
-          <a:xfrm>
-            <a:off x="989611" y="3645200"/>
-            <a:ext cx="5482441" cy="831273"/>
-          </a:xfrm>
-          <a:prstGeom prst="roundRect">
-            <a:avLst/>
-          </a:prstGeom>
-        </p:spPr>
-        <p:style>
-          <a:lnRef idx="2">
-            <a:schemeClr val="accent1">
-              <a:shade val="50000"/>
-            </a:schemeClr>
-          </a:lnRef>
-          <a:fillRef idx="1">
-            <a:schemeClr val="accent1"/>
-          </a:fillRef>
-          <a:effectRef idx="0">
-            <a:schemeClr val="accent1"/>
-          </a:effectRef>
-          <a:fontRef idx="minor">
-            <a:schemeClr val="lt1"/>
-          </a:fontRef>
-        </p:style>
-        <p:txBody>
-          <a:bodyPr rtlCol="0" anchor="ctr"/>
-          <a:lstStyle/>
-          <a:p>
-            <a:pPr algn="ctr"/>
-            <a:r>
-              <a:rPr lang="en-US" sz="2800" dirty="0" smtClean="0"/>
-              <a:t>Reduce #‘+’ (0 1 2 3)</a:t>
-            </a:r>
-            <a:endParaRPr lang="en-US" sz="2800" dirty="0"/>
-          </a:p>
-        </p:txBody>
-      </p:sp>
-      <p:sp>
-        <p:nvSpPr>
-          <p:cNvPr id="9" name="Rounded Rectangle 8"/>
-          <p:cNvSpPr/>
-          <p:nvPr/>
-        </p:nvSpPr>
-        <p:spPr>
-          <a:xfrm>
-            <a:off x="8514608" y="2162048"/>
-            <a:ext cx="2481943" cy="831273"/>
-          </a:xfrm>
-          <a:prstGeom prst="roundRect">
-            <a:avLst/>
-          </a:prstGeom>
-        </p:spPr>
-        <p:style>
-          <a:lnRef idx="2">
-            <a:schemeClr val="accent1">
-              <a:shade val="50000"/>
-            </a:schemeClr>
-          </a:lnRef>
-          <a:fillRef idx="1">
-            <a:schemeClr val="accent1"/>
-          </a:fillRef>
-          <a:effectRef idx="0">
-            <a:schemeClr val="accent1"/>
-          </a:effectRef>
-          <a:fontRef idx="minor">
-            <a:schemeClr val="lt1"/>
-          </a:fontRef>
-        </p:style>
-        <p:txBody>
-          <a:bodyPr rtlCol="0" anchor="ctr"/>
-          <a:lstStyle/>
-          <a:p>
-            <a:pPr algn="ctr"/>
-            <a:r>
-              <a:rPr lang="en-US" sz="2800" dirty="0" smtClean="0"/>
-              <a:t>0 1 2 3</a:t>
-            </a:r>
-            <a:endParaRPr lang="en-US" sz="2800" dirty="0"/>
-          </a:p>
-        </p:txBody>
-      </p:sp>
-      <p:sp>
-        <p:nvSpPr>
-          <p:cNvPr id="10" name="Rounded Rectangle 9"/>
-          <p:cNvSpPr/>
-          <p:nvPr/>
-        </p:nvSpPr>
-        <p:spPr>
-          <a:xfrm>
-            <a:off x="8514607" y="3645199"/>
-            <a:ext cx="2481943" cy="831273"/>
-          </a:xfrm>
-          <a:prstGeom prst="roundRect">
-            <a:avLst/>
-          </a:prstGeom>
-        </p:spPr>
-        <p:style>
-          <a:lnRef idx="2">
-            <a:schemeClr val="accent1">
-              <a:shade val="50000"/>
-            </a:schemeClr>
-          </a:lnRef>
-          <a:fillRef idx="1">
-            <a:schemeClr val="accent1"/>
-          </a:fillRef>
-          <a:effectRef idx="0">
-            <a:schemeClr val="accent1"/>
-          </a:effectRef>
-          <a:fontRef idx="minor">
-            <a:schemeClr val="lt1"/>
-          </a:fontRef>
-        </p:style>
-        <p:txBody>
-          <a:bodyPr rtlCol="0" anchor="ctr"/>
-          <a:lstStyle/>
-          <a:p>
-            <a:pPr algn="ctr"/>
-            <a:r>
-              <a:rPr lang="en-US" sz="2800" dirty="0" smtClean="0"/>
-              <a:t>6</a:t>
-            </a:r>
-            <a:endParaRPr lang="en-US" sz="2800" dirty="0"/>
-          </a:p>
-        </p:txBody>
-      </p:sp>
-      <p:sp>
-        <p:nvSpPr>
-          <p:cNvPr id="11" name="Right Arrow 10"/>
-          <p:cNvSpPr/>
-          <p:nvPr/>
-        </p:nvSpPr>
-        <p:spPr>
-          <a:xfrm>
-            <a:off x="7083631" y="2375803"/>
-            <a:ext cx="819398" cy="403761"/>
-          </a:xfrm>
-          <a:prstGeom prst="rightArrow">
-            <a:avLst/>
-          </a:prstGeom>
-        </p:spPr>
-        <p:style>
-          <a:lnRef idx="2">
-            <a:schemeClr val="accent6">
-              <a:shade val="50000"/>
-            </a:schemeClr>
-          </a:lnRef>
-          <a:fillRef idx="1">
-            <a:schemeClr val="accent6"/>
-          </a:fillRef>
-          <a:effectRef idx="0">
-            <a:schemeClr val="accent6"/>
-          </a:effectRef>
-          <a:fontRef idx="minor">
-            <a:schemeClr val="lt1"/>
-          </a:fontRef>
-        </p:style>
-        <p:txBody>
-          <a:bodyPr rtlCol="0" anchor="ctr"/>
-          <a:lstStyle/>
-          <a:p>
-            <a:pPr algn="ctr"/>
-            <a:endParaRPr lang="en-US">
-              <a:solidFill>
-                <a:schemeClr val="accent2"/>
-              </a:solidFill>
-            </a:endParaRPr>
-          </a:p>
-        </p:txBody>
-      </p:sp>
-      <p:sp>
-        <p:nvSpPr>
-          <p:cNvPr id="12" name="Right Arrow 11"/>
-          <p:cNvSpPr/>
-          <p:nvPr/>
-        </p:nvSpPr>
-        <p:spPr>
-          <a:xfrm>
-            <a:off x="7083630" y="3858954"/>
-            <a:ext cx="819398" cy="403761"/>
-          </a:xfrm>
-          <a:prstGeom prst="rightArrow">
-            <a:avLst/>
-          </a:prstGeom>
-        </p:spPr>
-        <p:style>
-          <a:lnRef idx="2">
-            <a:schemeClr val="accent6">
-              <a:shade val="50000"/>
-            </a:schemeClr>
-          </a:lnRef>
-          <a:fillRef idx="1">
-            <a:schemeClr val="accent6"/>
-          </a:fillRef>
-          <a:effectRef idx="0">
-            <a:schemeClr val="accent6"/>
-          </a:effectRef>
-          <a:fontRef idx="minor">
-            <a:schemeClr val="lt1"/>
-          </a:fontRef>
-        </p:style>
-        <p:txBody>
-          <a:bodyPr rtlCol="0" anchor="ctr"/>
-          <a:lstStyle/>
-          <a:p>
-            <a:pPr algn="ctr"/>
-            <a:endParaRPr lang="en-US">
-              <a:solidFill>
-                <a:schemeClr val="accent2"/>
-              </a:solidFill>
-            </a:endParaRPr>
-          </a:p>
-        </p:txBody>
-      </p:sp>
-    </p:spTree>
-  </p:cSld>
-  <p:clrMapOvr>
-    <a:masterClrMapping/>
-  </p:clrMapOvr>
-  <p:timing>
-    <p:tnLst>
-      <p:par>
-        <p:cTn id="1" dur="indefinite" restart="never" nodeType="tmRoot">
-          <p:childTnLst>
-            <p:seq concurrent="1" nextAc="seek">
-              <p:cTn id="2" dur="indefinite" nodeType="mainSeq">
-                <p:childTnLst>
-                  <p:par>
-                    <p:cTn id="3" fill="hold">
-                      <p:stCondLst>
-                        <p:cond delay="indefinite"/>
-                      </p:stCondLst>
-                      <p:childTnLst>
-                        <p:par>
-                          <p:cTn id="4" fill="hold">
-                            <p:stCondLst>
-                              <p:cond delay="0"/>
-                            </p:stCondLst>
-                            <p:childTnLst>
-                              <p:par>
-                                <p:cTn id="5" presetID="22" presetClass="entr" presetSubtype="8" fill="hold" grpId="0" nodeType="clickEffect">
-                                  <p:stCondLst>
-                                    <p:cond delay="0"/>
-                                  </p:stCondLst>
-                                  <p:childTnLst>
-                                    <p:set>
-                                      <p:cBhvr>
-                                        <p:cTn id="6" dur="1" fill="hold">
-                                          <p:stCondLst>
-                                            <p:cond delay="0"/>
-                                          </p:stCondLst>
-                                        </p:cTn>
-                                        <p:tgtEl>
-                                          <p:spTgt spid="7"/>
-                                        </p:tgtEl>
-                                        <p:attrNameLst>
-                                          <p:attrName>style.visibility</p:attrName>
-                                        </p:attrNameLst>
-                                      </p:cBhvr>
-                                      <p:to>
-                                        <p:strVal val="visible"/>
-                                      </p:to>
-                                    </p:set>
-                                    <p:animEffect transition="in" filter="wipe(left)">
-                                      <p:cBhvr>
-                                        <p:cTn id="7" dur="500"/>
-                                        <p:tgtEl>
-                                          <p:spTgt spid="7"/>
-                                        </p:tgtEl>
-                                      </p:cBhvr>
-                                    </p:animEffect>
-                                  </p:childTnLst>
-                                </p:cTn>
-                              </p:par>
-                            </p:childTnLst>
-                          </p:cTn>
-                        </p:par>
-                      </p:childTnLst>
-                    </p:cTn>
-                  </p:par>
-                  <p:par>
-                    <p:cTn id="8" fill="hold">
-                      <p:stCondLst>
-                        <p:cond delay="indefinite"/>
-                      </p:stCondLst>
-                      <p:childTnLst>
-                        <p:par>
-                          <p:cTn id="9" fill="hold">
-                            <p:stCondLst>
-                              <p:cond delay="0"/>
-                            </p:stCondLst>
-                            <p:childTnLst>
-                              <p:par>
-                                <p:cTn id="10" presetID="22" presetClass="entr" presetSubtype="8" fill="hold" grpId="0" nodeType="clickEffect">
-                                  <p:stCondLst>
-                                    <p:cond delay="0"/>
-                                  </p:stCondLst>
-                                  <p:childTnLst>
-                                    <p:set>
-                                      <p:cBhvr>
-                                        <p:cTn id="11" dur="1" fill="hold">
-                                          <p:stCondLst>
-                                            <p:cond delay="0"/>
-                                          </p:stCondLst>
-                                        </p:cTn>
-                                        <p:tgtEl>
-                                          <p:spTgt spid="11"/>
-                                        </p:tgtEl>
-                                        <p:attrNameLst>
-                                          <p:attrName>style.visibility</p:attrName>
-                                        </p:attrNameLst>
-                                      </p:cBhvr>
-                                      <p:to>
-                                        <p:strVal val="visible"/>
-                                      </p:to>
-                                    </p:set>
-                                    <p:animEffect transition="in" filter="wipe(left)">
-                                      <p:cBhvr>
-                                        <p:cTn id="12" dur="500"/>
-                                        <p:tgtEl>
-                                          <p:spTgt spid="11"/>
-                                        </p:tgtEl>
-                                      </p:cBhvr>
-                                    </p:animEffect>
-                                  </p:childTnLst>
-                                </p:cTn>
-                              </p:par>
-                            </p:childTnLst>
-                          </p:cTn>
-                        </p:par>
-                        <p:par>
-                          <p:cTn id="13" fill="hold">
-                            <p:stCondLst>
-                              <p:cond delay="500"/>
-                            </p:stCondLst>
-                            <p:childTnLst>
-                              <p:par>
-                                <p:cTn id="14" presetID="22" presetClass="entr" presetSubtype="8" fill="hold" grpId="0" nodeType="afterEffect">
-                                  <p:stCondLst>
-                                    <p:cond delay="0"/>
-                                  </p:stCondLst>
-                                  <p:childTnLst>
-                                    <p:set>
-                                      <p:cBhvr>
-                                        <p:cTn id="15" dur="1" fill="hold">
-                                          <p:stCondLst>
-                                            <p:cond delay="0"/>
-                                          </p:stCondLst>
-                                        </p:cTn>
-                                        <p:tgtEl>
-                                          <p:spTgt spid="9"/>
-                                        </p:tgtEl>
-                                        <p:attrNameLst>
-                                          <p:attrName>style.visibility</p:attrName>
-                                        </p:attrNameLst>
-                                      </p:cBhvr>
-                                      <p:to>
-                                        <p:strVal val="visible"/>
-                                      </p:to>
-                                    </p:set>
-                                    <p:animEffect transition="in" filter="wipe(left)">
-                                      <p:cBhvr>
-                                        <p:cTn id="16" dur="500"/>
-                                        <p:tgtEl>
-                                          <p:spTgt spid="9"/>
-                                        </p:tgtEl>
-                                      </p:cBhvr>
-                                    </p:animEffect>
-                                  </p:childTnLst>
-                                </p:cTn>
-                              </p:par>
-                            </p:childTnLst>
-                          </p:cTn>
-                        </p:par>
-                      </p:childTnLst>
-                    </p:cTn>
-                  </p:par>
-                  <p:par>
-                    <p:cTn id="17" fill="hold">
-                      <p:stCondLst>
-                        <p:cond delay="indefinite"/>
-                      </p:stCondLst>
-                      <p:childTnLst>
-                        <p:par>
-                          <p:cTn id="18" fill="hold">
-                            <p:stCondLst>
-                              <p:cond delay="0"/>
-                            </p:stCondLst>
-                            <p:childTnLst>
-                              <p:par>
-                                <p:cTn id="19" presetID="22" presetClass="entr" presetSubtype="8" fill="hold" grpId="0" nodeType="clickEffect">
-                                  <p:stCondLst>
-                                    <p:cond delay="0"/>
-                                  </p:stCondLst>
-                                  <p:childTnLst>
-                                    <p:set>
-                                      <p:cBhvr>
-                                        <p:cTn id="20" dur="1" fill="hold">
-                                          <p:stCondLst>
-                                            <p:cond delay="0"/>
-                                          </p:stCondLst>
-                                        </p:cTn>
-                                        <p:tgtEl>
-                                          <p:spTgt spid="8"/>
-                                        </p:tgtEl>
-                                        <p:attrNameLst>
-                                          <p:attrName>style.visibility</p:attrName>
-                                        </p:attrNameLst>
-                                      </p:cBhvr>
-                                      <p:to>
-                                        <p:strVal val="visible"/>
-                                      </p:to>
-                                    </p:set>
-                                    <p:animEffect transition="in" filter="wipe(left)">
-                                      <p:cBhvr>
-                                        <p:cTn id="21" dur="500"/>
-                                        <p:tgtEl>
-                                          <p:spTgt spid="8"/>
-                                        </p:tgtEl>
-                                      </p:cBhvr>
-                                    </p:animEffect>
-                                  </p:childTnLst>
-                                </p:cTn>
-                              </p:par>
-                            </p:childTnLst>
-                          </p:cTn>
-                        </p:par>
-                      </p:childTnLst>
-                    </p:cTn>
-                  </p:par>
-                  <p:par>
-                    <p:cTn id="22" fill="hold">
-                      <p:stCondLst>
-                        <p:cond delay="indefinite"/>
-                      </p:stCondLst>
-                      <p:childTnLst>
-                        <p:par>
-                          <p:cTn id="23" fill="hold">
-                            <p:stCondLst>
-                              <p:cond delay="0"/>
-                            </p:stCondLst>
-                            <p:childTnLst>
-                              <p:par>
-                                <p:cTn id="24" presetID="22" presetClass="entr" presetSubtype="8" fill="hold" grpId="0" nodeType="clickEffect">
-                                  <p:stCondLst>
-                                    <p:cond delay="0"/>
-                                  </p:stCondLst>
-                                  <p:childTnLst>
-                                    <p:set>
-                                      <p:cBhvr>
-                                        <p:cTn id="25" dur="1" fill="hold">
-                                          <p:stCondLst>
-                                            <p:cond delay="0"/>
-                                          </p:stCondLst>
-                                        </p:cTn>
-                                        <p:tgtEl>
-                                          <p:spTgt spid="12"/>
-                                        </p:tgtEl>
-                                        <p:attrNameLst>
-                                          <p:attrName>style.visibility</p:attrName>
-                                        </p:attrNameLst>
-                                      </p:cBhvr>
-                                      <p:to>
-                                        <p:strVal val="visible"/>
-                                      </p:to>
-                                    </p:set>
-                                    <p:animEffect transition="in" filter="wipe(left)">
-                                      <p:cBhvr>
-                                        <p:cTn id="26" dur="500"/>
-                                        <p:tgtEl>
-                                          <p:spTgt spid="12"/>
-                                        </p:tgtEl>
-                                      </p:cBhvr>
-                                    </p:animEffect>
-                                  </p:childTnLst>
-                                </p:cTn>
-                              </p:par>
-                            </p:childTnLst>
-                          </p:cTn>
-                        </p:par>
-                        <p:par>
-                          <p:cTn id="27" fill="hold">
-                            <p:stCondLst>
-                              <p:cond delay="500"/>
-                            </p:stCondLst>
-                            <p:childTnLst>
-                              <p:par>
-                                <p:cTn id="28" presetID="22" presetClass="entr" presetSubtype="8" fill="hold" grpId="0" nodeType="afterEffect">
-                                  <p:stCondLst>
-                                    <p:cond delay="0"/>
-                                  </p:stCondLst>
-                                  <p:childTnLst>
-                                    <p:set>
-                                      <p:cBhvr>
-                                        <p:cTn id="29" dur="1" fill="hold">
-                                          <p:stCondLst>
-                                            <p:cond delay="0"/>
-                                          </p:stCondLst>
-                                        </p:cTn>
-                                        <p:tgtEl>
-                                          <p:spTgt spid="10"/>
-                                        </p:tgtEl>
-                                        <p:attrNameLst>
-                                          <p:attrName>style.visibility</p:attrName>
-                                        </p:attrNameLst>
-                                      </p:cBhvr>
-                                      <p:to>
-                                        <p:strVal val="visible"/>
-                                      </p:to>
-                                    </p:set>
-                                    <p:animEffect transition="in" filter="wipe(left)">
-                                      <p:cBhvr>
-                                        <p:cTn id="30" dur="500"/>
-                                        <p:tgtEl>
-                                          <p:spTgt spid="10"/>
-                                        </p:tgtEl>
-                                      </p:cBhvr>
-                                    </p:animEffect>
-                                  </p:childTnLst>
-                                </p:cTn>
-                              </p:par>
-                            </p:childTnLst>
-                          </p:cTn>
-                        </p:par>
-                      </p:childTnLst>
-                    </p:cTn>
-                  </p:par>
-                </p:childTnLst>
-              </p:cTn>
-              <p:prevCondLst>
-                <p:cond evt="onPrev" delay="0">
-                  <p:tgtEl>
-                    <p:sldTgt/>
-                  </p:tgtEl>
-                </p:cond>
-              </p:prevCondLst>
-              <p:nextCondLst>
-                <p:cond evt="onNext" delay="0">
-                  <p:tgtEl>
-                    <p:sldTgt/>
-                  </p:tgtEl>
-                </p:cond>
-              </p:nextCondLst>
-            </p:seq>
-          </p:childTnLst>
-        </p:cTn>
-      </p:par>
-    </p:tnLst>
-    <p:bldLst>
-      <p:bldP spid="7" grpId="0" bldLvl="0" animBg="1"/>
-      <p:bldP spid="8" grpId="0" bldLvl="0" animBg="1"/>
-      <p:bldP spid="9" grpId="0" bldLvl="0" animBg="1"/>
-      <p:bldP spid="10" grpId="0" bldLvl="0" animBg="1"/>
-      <p:bldP spid="11" grpId="0" bldLvl="0" animBg="1"/>
-      <p:bldP spid="12" grpId="0" bldLvl="0" animBg="1"/>
-    </p:bldLst>
-  </p:timing>
-</p:sld>
-</file>
-
-<file path=ppt/slides/slide8.xml><?xml version="1.0" encoding="utf-8"?>
-<p:sld xmlns:a="http://schemas.openxmlformats.org/drawingml/2006/main" xmlns:r="http://schemas.openxmlformats.org/officeDocument/2006/relationships" xmlns:p="http://schemas.openxmlformats.org/presentationml/2006/main">
-  <p:cSld>
-    <p:spTree>
-      <p:nvGrpSpPr>
-        <p:cNvPr id="1" name=""/>
-        <p:cNvGrpSpPr/>
-        <p:nvPr/>
-      </p:nvGrpSpPr>
-      <p:grpSpPr>
-        <a:xfrm>
-          <a:off x="0" y="0"/>
-          <a:ext cx="0" cy="0"/>
-          <a:chOff x="0" y="0"/>
-          <a:chExt cx="0" cy="0"/>
-        </a:xfrm>
-      </p:grpSpPr>
-      <p:sp>
-        <p:nvSpPr>
           <p:cNvPr id="2" name="Title 1"/>
           <p:cNvSpPr>
             <a:spLocks noGrp="1"/>
@@ -18318,7 +14775,7 @@
 </p:sld>
 </file>
 
-<file path=ppt/slides/slide9.xml><?xml version="1.0" encoding="utf-8"?>
+<file path=ppt/slides/slide8.xml><?xml version="1.0" encoding="utf-8"?>
 <p:sld xmlns:a="http://schemas.openxmlformats.org/drawingml/2006/main" xmlns:r="http://schemas.openxmlformats.org/officeDocument/2006/relationships" xmlns:p="http://schemas.openxmlformats.org/presentationml/2006/main">
   <p:cSld>
     <p:spTree>
@@ -20333,6 +16790,2855 @@
       <p:bldP spid="55" grpId="0"/>
       <p:bldP spid="56" grpId="0"/>
       <p:bldP spid="57" grpId="0"/>
+    </p:bldLst>
+  </p:timing>
+</p:sld>
+</file>
+
+<file path=ppt/slides/slide9.xml><?xml version="1.0" encoding="utf-8"?>
+<p:sld xmlns:a="http://schemas.openxmlformats.org/drawingml/2006/main" xmlns:r="http://schemas.openxmlformats.org/officeDocument/2006/relationships" xmlns:p="http://schemas.openxmlformats.org/presentationml/2006/main">
+  <p:cSld>
+    <p:spTree>
+      <p:nvGrpSpPr>
+        <p:cNvPr id="1" name=""/>
+        <p:cNvGrpSpPr/>
+        <p:nvPr/>
+      </p:nvGrpSpPr>
+      <p:grpSpPr>
+        <a:xfrm>
+          <a:off x="0" y="0"/>
+          <a:ext cx="0" cy="0"/>
+          <a:chOff x="0" y="0"/>
+          <a:chExt cx="0" cy="0"/>
+        </a:xfrm>
+      </p:grpSpPr>
+      <p:sp>
+        <p:nvSpPr>
+          <p:cNvPr id="2" name="Title 1"/>
+          <p:cNvSpPr>
+            <a:spLocks noGrp="1"/>
+          </p:cNvSpPr>
+          <p:nvPr>
+            <p:ph type="title"/>
+          </p:nvPr>
+        </p:nvSpPr>
+        <p:spPr/>
+        <p:txBody>
+          <a:bodyPr/>
+          <a:lstStyle/>
+          <a:p>
+            <a:pPr algn="ctr"/>
+            <a:r>
+              <a:rPr lang="en-US" sz="2800" dirty="0" smtClean="0">
+                <a:solidFill>
+                  <a:schemeClr val="bg1"/>
+                </a:solidFill>
+              </a:rPr>
+              <a:t>Example: </a:t>
+            </a:r>
+            <a:r>
+              <a:rPr lang="en-US" sz="2800" dirty="0" err="1" smtClean="0">
+                <a:solidFill>
+                  <a:schemeClr val="bg1"/>
+                </a:solidFill>
+              </a:rPr>
+              <a:t>WordCount</a:t>
+            </a:r>
+            <a:endParaRPr lang="en-US" sz="2800" dirty="0" err="1" smtClean="0">
+              <a:solidFill>
+                <a:schemeClr val="bg1"/>
+              </a:solidFill>
+            </a:endParaRPr>
+          </a:p>
+        </p:txBody>
+      </p:sp>
+      <p:grpSp>
+        <p:nvGrpSpPr>
+          <p:cNvPr id="55" name="Group 54"/>
+          <p:cNvGrpSpPr/>
+          <p:nvPr/>
+        </p:nvGrpSpPr>
+        <p:grpSpPr>
+          <a:xfrm>
+            <a:off x="838200" y="1357714"/>
+            <a:ext cx="1490870" cy="4869945"/>
+            <a:chOff x="838200" y="1357714"/>
+            <a:chExt cx="1490870" cy="4869945"/>
+          </a:xfrm>
+        </p:grpSpPr>
+        <p:sp>
+          <p:nvSpPr>
+            <p:cNvPr id="3" name="Rounded Rectangle 2"/>
+            <p:cNvSpPr/>
+            <p:nvPr/>
+          </p:nvSpPr>
+          <p:spPr>
+            <a:xfrm>
+              <a:off x="838200" y="1819379"/>
+              <a:ext cx="1490870" cy="4408280"/>
+            </a:xfrm>
+            <a:prstGeom prst="roundRect">
+              <a:avLst/>
+            </a:prstGeom>
+          </p:spPr>
+          <p:style>
+            <a:lnRef idx="2">
+              <a:schemeClr val="accent1">
+                <a:shade val="50000"/>
+              </a:schemeClr>
+            </a:lnRef>
+            <a:fillRef idx="1">
+              <a:schemeClr val="accent1"/>
+            </a:fillRef>
+            <a:effectRef idx="0">
+              <a:schemeClr val="accent1"/>
+            </a:effectRef>
+            <a:fontRef idx="minor">
+              <a:schemeClr val="lt1"/>
+            </a:fontRef>
+          </p:style>
+          <p:txBody>
+            <a:bodyPr rtlCol="0" anchor="ctr"/>
+            <a:lstStyle/>
+            <a:p>
+              <a:pPr algn="ctr"/>
+              <a:r>
+                <a:rPr lang="en-US" sz="2000" dirty="0" smtClean="0">
+                  <a:solidFill>
+                    <a:schemeClr val="bg1"/>
+                  </a:solidFill>
+                </a:rPr>
+                <a:t>the small brown fox</a:t>
+              </a:r>
+              <a:endParaRPr lang="en-US" sz="2000" dirty="0" smtClean="0">
+                <a:solidFill>
+                  <a:schemeClr val="bg1"/>
+                </a:solidFill>
+              </a:endParaRPr>
+            </a:p>
+            <a:p>
+              <a:pPr algn="ctr"/>
+              <a:endParaRPr lang="en-US" sz="2000" dirty="0">
+                <a:solidFill>
+                  <a:schemeClr val="bg1"/>
+                </a:solidFill>
+              </a:endParaRPr>
+            </a:p>
+            <a:p>
+              <a:pPr algn="ctr"/>
+              <a:r>
+                <a:rPr lang="en-US" sz="2000" dirty="0" smtClean="0">
+                  <a:solidFill>
+                    <a:schemeClr val="bg1"/>
+                  </a:solidFill>
+                </a:rPr>
+                <a:t>a fox speaks to another fox</a:t>
+              </a:r>
+              <a:endParaRPr lang="en-US" sz="2000" dirty="0" smtClean="0">
+                <a:solidFill>
+                  <a:schemeClr val="bg1"/>
+                </a:solidFill>
+              </a:endParaRPr>
+            </a:p>
+            <a:p>
+              <a:pPr algn="ctr"/>
+              <a:endParaRPr lang="en-US" sz="2000" dirty="0" smtClean="0">
+                <a:solidFill>
+                  <a:schemeClr val="bg1"/>
+                </a:solidFill>
+              </a:endParaRPr>
+            </a:p>
+            <a:p>
+              <a:pPr algn="ctr"/>
+              <a:r>
+                <a:rPr lang="en-US" sz="2000" dirty="0" smtClean="0">
+                  <a:solidFill>
+                    <a:schemeClr val="bg1"/>
+                  </a:solidFill>
+                </a:rPr>
+                <a:t>brown cow cross the road</a:t>
+              </a:r>
+              <a:endParaRPr lang="en-US" sz="2000" dirty="0" smtClean="0">
+                <a:solidFill>
+                  <a:schemeClr val="bg1"/>
+                </a:solidFill>
+              </a:endParaRPr>
+            </a:p>
+          </p:txBody>
+        </p:sp>
+        <p:sp>
+          <p:nvSpPr>
+            <p:cNvPr id="7" name="TextBox 6"/>
+            <p:cNvSpPr txBox="1"/>
+            <p:nvPr/>
+          </p:nvSpPr>
+          <p:spPr>
+            <a:xfrm>
+              <a:off x="1158678" y="1357714"/>
+              <a:ext cx="849913" cy="461665"/>
+            </a:xfrm>
+            <a:prstGeom prst="rect">
+              <a:avLst/>
+            </a:prstGeom>
+            <a:noFill/>
+          </p:spPr>
+          <p:txBody>
+            <a:bodyPr wrap="none" rtlCol="0">
+              <a:spAutoFit/>
+            </a:bodyPr>
+            <a:lstStyle/>
+            <a:p>
+              <a:r>
+                <a:rPr lang="en-US" sz="2400" dirty="0" smtClean="0">
+                  <a:solidFill>
+                    <a:schemeClr val="bg1"/>
+                  </a:solidFill>
+                </a:rPr>
+                <a:t>Input</a:t>
+              </a:r>
+              <a:endParaRPr lang="en-US" sz="2400" dirty="0" smtClean="0">
+                <a:solidFill>
+                  <a:schemeClr val="bg1"/>
+                </a:solidFill>
+              </a:endParaRPr>
+            </a:p>
+          </p:txBody>
+        </p:sp>
+      </p:grpSp>
+      <p:grpSp>
+        <p:nvGrpSpPr>
+          <p:cNvPr id="63" name="Group 62"/>
+          <p:cNvGrpSpPr/>
+          <p:nvPr/>
+        </p:nvGrpSpPr>
+        <p:grpSpPr>
+          <a:xfrm>
+            <a:off x="5051897" y="1360324"/>
+            <a:ext cx="2920844" cy="4020859"/>
+            <a:chOff x="5051897" y="1360324"/>
+            <a:chExt cx="2920844" cy="4020859"/>
+          </a:xfrm>
+        </p:grpSpPr>
+        <p:grpSp>
+          <p:nvGrpSpPr>
+            <p:cNvPr id="45" name="Group 44"/>
+            <p:cNvGrpSpPr/>
+            <p:nvPr/>
+          </p:nvGrpSpPr>
+          <p:grpSpPr>
+            <a:xfrm>
+              <a:off x="5051897" y="2358189"/>
+              <a:ext cx="2920844" cy="3022994"/>
+              <a:chOff x="5051897" y="2358189"/>
+              <a:chExt cx="2920844" cy="3022994"/>
+            </a:xfrm>
+          </p:grpSpPr>
+          <p:cxnSp>
+            <p:nvCxnSpPr>
+              <p:cNvPr id="37" name="Straight Arrow Connector 36"/>
+              <p:cNvCxnSpPr>
+                <a:stCxn id="17" idx="3"/>
+                <a:endCxn id="19" idx="1"/>
+              </p:cNvCxnSpPr>
+              <p:nvPr/>
+            </p:nvCxnSpPr>
+            <p:spPr>
+              <a:xfrm flipV="1">
+                <a:off x="5051897" y="3205741"/>
+                <a:ext cx="2909577" cy="669480"/>
+              </a:xfrm>
+              <a:prstGeom prst="straightConnector1">
+                <a:avLst/>
+              </a:prstGeom>
+              <a:ln w="28575">
+                <a:tailEnd type="triangle"/>
+              </a:ln>
+            </p:spPr>
+            <p:style>
+              <a:lnRef idx="1">
+                <a:schemeClr val="accent1"/>
+              </a:lnRef>
+              <a:fillRef idx="0">
+                <a:schemeClr val="accent1"/>
+              </a:fillRef>
+              <a:effectRef idx="0">
+                <a:schemeClr val="accent1"/>
+              </a:effectRef>
+              <a:fontRef idx="minor">
+                <a:schemeClr val="tx1"/>
+              </a:fontRef>
+            </p:style>
+          </p:cxnSp>
+          <p:grpSp>
+            <p:nvGrpSpPr>
+              <p:cNvPr id="44" name="Group 43"/>
+              <p:cNvGrpSpPr/>
+              <p:nvPr/>
+            </p:nvGrpSpPr>
+            <p:grpSpPr>
+              <a:xfrm>
+                <a:off x="5051897" y="2358189"/>
+                <a:ext cx="2920844" cy="3022994"/>
+                <a:chOff x="5051897" y="2358189"/>
+                <a:chExt cx="2920844" cy="3022994"/>
+              </a:xfrm>
+            </p:grpSpPr>
+            <p:cxnSp>
+              <p:nvCxnSpPr>
+                <p:cNvPr id="33" name="Straight Arrow Connector 32"/>
+                <p:cNvCxnSpPr>
+                  <a:stCxn id="16" idx="3"/>
+                  <a:endCxn id="19" idx="1"/>
+                </p:cNvCxnSpPr>
+                <p:nvPr/>
+              </p:nvCxnSpPr>
+              <p:spPr>
+                <a:xfrm>
+                  <a:off x="5051898" y="2358189"/>
+                  <a:ext cx="2909576" cy="847552"/>
+                </a:xfrm>
+                <a:prstGeom prst="straightConnector1">
+                  <a:avLst/>
+                </a:prstGeom>
+                <a:ln w="28575">
+                  <a:tailEnd type="triangle"/>
+                </a:ln>
+              </p:spPr>
+              <p:style>
+                <a:lnRef idx="1">
+                  <a:schemeClr val="accent1"/>
+                </a:lnRef>
+                <a:fillRef idx="0">
+                  <a:schemeClr val="accent1"/>
+                </a:fillRef>
+                <a:effectRef idx="0">
+                  <a:schemeClr val="accent1"/>
+                </a:effectRef>
+                <a:fontRef idx="minor">
+                  <a:schemeClr val="tx1"/>
+                </a:fontRef>
+              </p:style>
+            </p:cxnSp>
+            <p:cxnSp>
+              <p:nvCxnSpPr>
+                <p:cNvPr id="35" name="Straight Arrow Connector 34"/>
+                <p:cNvCxnSpPr>
+                  <a:stCxn id="16" idx="3"/>
+                  <a:endCxn id="20" idx="1"/>
+                </p:cNvCxnSpPr>
+                <p:nvPr/>
+              </p:nvCxnSpPr>
+              <p:spPr>
+                <a:xfrm>
+                  <a:off x="5051898" y="2358189"/>
+                  <a:ext cx="2920843" cy="2721630"/>
+                </a:xfrm>
+                <a:prstGeom prst="straightConnector1">
+                  <a:avLst/>
+                </a:prstGeom>
+                <a:ln w="28575">
+                  <a:tailEnd type="triangle"/>
+                </a:ln>
+              </p:spPr>
+              <p:style>
+                <a:lnRef idx="1">
+                  <a:schemeClr val="accent1"/>
+                </a:lnRef>
+                <a:fillRef idx="0">
+                  <a:schemeClr val="accent1"/>
+                </a:fillRef>
+                <a:effectRef idx="0">
+                  <a:schemeClr val="accent1"/>
+                </a:effectRef>
+                <a:fontRef idx="minor">
+                  <a:schemeClr val="tx1"/>
+                </a:fontRef>
+              </p:style>
+            </p:cxnSp>
+            <p:cxnSp>
+              <p:nvCxnSpPr>
+                <p:cNvPr id="39" name="Straight Arrow Connector 38"/>
+                <p:cNvCxnSpPr>
+                  <a:stCxn id="17" idx="3"/>
+                  <a:endCxn id="20" idx="1"/>
+                </p:cNvCxnSpPr>
+                <p:nvPr/>
+              </p:nvCxnSpPr>
+              <p:spPr>
+                <a:xfrm>
+                  <a:off x="5051897" y="3875221"/>
+                  <a:ext cx="2920844" cy="1204598"/>
+                </a:xfrm>
+                <a:prstGeom prst="straightConnector1">
+                  <a:avLst/>
+                </a:prstGeom>
+                <a:ln w="28575">
+                  <a:tailEnd type="triangle"/>
+                </a:ln>
+              </p:spPr>
+              <p:style>
+                <a:lnRef idx="1">
+                  <a:schemeClr val="accent1"/>
+                </a:lnRef>
+                <a:fillRef idx="0">
+                  <a:schemeClr val="accent1"/>
+                </a:fillRef>
+                <a:effectRef idx="0">
+                  <a:schemeClr val="accent1"/>
+                </a:effectRef>
+                <a:fontRef idx="minor">
+                  <a:schemeClr val="tx1"/>
+                </a:fontRef>
+              </p:style>
+            </p:cxnSp>
+            <p:cxnSp>
+              <p:nvCxnSpPr>
+                <p:cNvPr id="41" name="Straight Arrow Connector 40"/>
+                <p:cNvCxnSpPr>
+                  <a:stCxn id="18" idx="3"/>
+                  <a:endCxn id="19" idx="1"/>
+                </p:cNvCxnSpPr>
+                <p:nvPr/>
+              </p:nvCxnSpPr>
+              <p:spPr>
+                <a:xfrm flipV="1">
+                  <a:off x="5051898" y="3205741"/>
+                  <a:ext cx="2909576" cy="2175442"/>
+                </a:xfrm>
+                <a:prstGeom prst="straightConnector1">
+                  <a:avLst/>
+                </a:prstGeom>
+                <a:ln w="28575">
+                  <a:tailEnd type="triangle"/>
+                </a:ln>
+              </p:spPr>
+              <p:style>
+                <a:lnRef idx="1">
+                  <a:schemeClr val="accent1"/>
+                </a:lnRef>
+                <a:fillRef idx="0">
+                  <a:schemeClr val="accent1"/>
+                </a:fillRef>
+                <a:effectRef idx="0">
+                  <a:schemeClr val="accent1"/>
+                </a:effectRef>
+                <a:fontRef idx="minor">
+                  <a:schemeClr val="tx1"/>
+                </a:fontRef>
+              </p:style>
+            </p:cxnSp>
+            <p:cxnSp>
+              <p:nvCxnSpPr>
+                <p:cNvPr id="43" name="Straight Arrow Connector 42"/>
+                <p:cNvCxnSpPr>
+                  <a:stCxn id="18" idx="3"/>
+                  <a:endCxn id="20" idx="1"/>
+                </p:cNvCxnSpPr>
+                <p:nvPr/>
+              </p:nvCxnSpPr>
+              <p:spPr>
+                <a:xfrm flipV="1">
+                  <a:off x="5051898" y="5079819"/>
+                  <a:ext cx="2920843" cy="301364"/>
+                </a:xfrm>
+                <a:prstGeom prst="straightConnector1">
+                  <a:avLst/>
+                </a:prstGeom>
+                <a:ln w="28575">
+                  <a:tailEnd type="triangle"/>
+                </a:ln>
+              </p:spPr>
+              <p:style>
+                <a:lnRef idx="1">
+                  <a:schemeClr val="accent1"/>
+                </a:lnRef>
+                <a:fillRef idx="0">
+                  <a:schemeClr val="accent1"/>
+                </a:fillRef>
+                <a:effectRef idx="0">
+                  <a:schemeClr val="accent1"/>
+                </a:effectRef>
+                <a:fontRef idx="minor">
+                  <a:schemeClr val="tx1"/>
+                </a:fontRef>
+              </p:style>
+            </p:cxnSp>
+          </p:grpSp>
+        </p:grpSp>
+        <p:sp>
+          <p:nvSpPr>
+            <p:cNvPr id="11" name="TextBox 10"/>
+            <p:cNvSpPr txBox="1"/>
+            <p:nvPr/>
+          </p:nvSpPr>
+          <p:spPr>
+            <a:xfrm>
+              <a:off x="6119800" y="1360324"/>
+              <a:ext cx="1060098" cy="461665"/>
+            </a:xfrm>
+            <a:prstGeom prst="rect">
+              <a:avLst/>
+            </a:prstGeom>
+            <a:noFill/>
+          </p:spPr>
+          <p:txBody>
+            <a:bodyPr wrap="none" rtlCol="0">
+              <a:spAutoFit/>
+            </a:bodyPr>
+            <a:lstStyle/>
+            <a:p>
+              <a:r>
+                <a:rPr lang="en-US" sz="2400" dirty="0" smtClean="0">
+                  <a:solidFill>
+                    <a:schemeClr val="bg1"/>
+                  </a:solidFill>
+                </a:rPr>
+                <a:t>Shuffle</a:t>
+              </a:r>
+              <a:endParaRPr lang="en-US" sz="2400" dirty="0" smtClean="0">
+                <a:solidFill>
+                  <a:schemeClr val="bg1"/>
+                </a:solidFill>
+              </a:endParaRPr>
+            </a:p>
+          </p:txBody>
+        </p:sp>
+      </p:grpSp>
+      <p:grpSp>
+        <p:nvGrpSpPr>
+          <p:cNvPr id="57" name="Group 56"/>
+          <p:cNvGrpSpPr/>
+          <p:nvPr/>
+        </p:nvGrpSpPr>
+        <p:grpSpPr>
+          <a:xfrm>
+            <a:off x="2628812" y="1365361"/>
+            <a:ext cx="1229313" cy="4578238"/>
+            <a:chOff x="2628812" y="1365361"/>
+            <a:chExt cx="1229313" cy="4578238"/>
+          </a:xfrm>
+        </p:grpSpPr>
+        <p:sp>
+          <p:nvSpPr>
+            <p:cNvPr id="8" name="TextBox 7"/>
+            <p:cNvSpPr txBox="1"/>
+            <p:nvPr/>
+          </p:nvSpPr>
+          <p:spPr>
+            <a:xfrm>
+              <a:off x="2814693" y="1365361"/>
+              <a:ext cx="731290" cy="461665"/>
+            </a:xfrm>
+            <a:prstGeom prst="rect">
+              <a:avLst/>
+            </a:prstGeom>
+            <a:noFill/>
+          </p:spPr>
+          <p:txBody>
+            <a:bodyPr wrap="none" rtlCol="0">
+              <a:spAutoFit/>
+            </a:bodyPr>
+            <a:lstStyle/>
+            <a:p>
+              <a:r>
+                <a:rPr lang="en-US" sz="2400" dirty="0" smtClean="0">
+                  <a:solidFill>
+                    <a:schemeClr val="bg1"/>
+                  </a:solidFill>
+                </a:rPr>
+                <a:t>Split</a:t>
+              </a:r>
+              <a:endParaRPr lang="en-US" sz="2400" dirty="0" smtClean="0">
+                <a:solidFill>
+                  <a:schemeClr val="bg1"/>
+                </a:solidFill>
+              </a:endParaRPr>
+            </a:p>
+          </p:txBody>
+        </p:sp>
+        <p:sp>
+          <p:nvSpPr>
+            <p:cNvPr id="9" name="Rounded Rectangle 8"/>
+            <p:cNvSpPr/>
+            <p:nvPr/>
+          </p:nvSpPr>
+          <p:spPr>
+            <a:xfrm>
+              <a:off x="2628812" y="1937317"/>
+              <a:ext cx="1229313" cy="1038493"/>
+            </a:xfrm>
+            <a:prstGeom prst="roundRect">
+              <a:avLst/>
+            </a:prstGeom>
+          </p:spPr>
+          <p:style>
+            <a:lnRef idx="2">
+              <a:schemeClr val="accent1">
+                <a:shade val="50000"/>
+              </a:schemeClr>
+            </a:lnRef>
+            <a:fillRef idx="1">
+              <a:schemeClr val="accent1"/>
+            </a:fillRef>
+            <a:effectRef idx="0">
+              <a:schemeClr val="accent1"/>
+            </a:effectRef>
+            <a:fontRef idx="minor">
+              <a:schemeClr val="lt1"/>
+            </a:fontRef>
+          </p:style>
+          <p:txBody>
+            <a:bodyPr rtlCol="0" anchor="ctr"/>
+            <a:lstStyle/>
+            <a:p>
+              <a:pPr algn="ctr"/>
+              <a:r>
+                <a:rPr lang="en-US" dirty="0" smtClean="0">
+                  <a:solidFill>
+                    <a:schemeClr val="bg1"/>
+                  </a:solidFill>
+                </a:rPr>
+                <a:t>the small brown fox</a:t>
+              </a:r>
+              <a:endParaRPr lang="en-US" dirty="0" smtClean="0">
+                <a:solidFill>
+                  <a:schemeClr val="bg1"/>
+                </a:solidFill>
+              </a:endParaRPr>
+            </a:p>
+          </p:txBody>
+        </p:sp>
+        <p:sp>
+          <p:nvSpPr>
+            <p:cNvPr id="14" name="Rounded Rectangle 13"/>
+            <p:cNvSpPr/>
+            <p:nvPr/>
+          </p:nvSpPr>
+          <p:spPr>
+            <a:xfrm>
+              <a:off x="2628812" y="3357043"/>
+              <a:ext cx="1229313" cy="1038493"/>
+            </a:xfrm>
+            <a:prstGeom prst="roundRect">
+              <a:avLst/>
+            </a:prstGeom>
+          </p:spPr>
+          <p:style>
+            <a:lnRef idx="2">
+              <a:schemeClr val="accent1">
+                <a:shade val="50000"/>
+              </a:schemeClr>
+            </a:lnRef>
+            <a:fillRef idx="1">
+              <a:schemeClr val="accent1"/>
+            </a:fillRef>
+            <a:effectRef idx="0">
+              <a:schemeClr val="accent1"/>
+            </a:effectRef>
+            <a:fontRef idx="minor">
+              <a:schemeClr val="lt1"/>
+            </a:fontRef>
+          </p:style>
+          <p:txBody>
+            <a:bodyPr rtlCol="0" anchor="ctr"/>
+            <a:lstStyle/>
+            <a:p>
+              <a:pPr algn="ctr"/>
+              <a:r>
+                <a:rPr lang="en-US" sz="1600" dirty="0">
+                  <a:solidFill>
+                    <a:schemeClr val="bg1"/>
+                  </a:solidFill>
+                </a:rPr>
+                <a:t>a fox speaks to another fox</a:t>
+              </a:r>
+              <a:endParaRPr lang="en-US" sz="1600" dirty="0">
+                <a:solidFill>
+                  <a:schemeClr val="bg1"/>
+                </a:solidFill>
+              </a:endParaRPr>
+            </a:p>
+          </p:txBody>
+        </p:sp>
+        <p:sp>
+          <p:nvSpPr>
+            <p:cNvPr id="15" name="Rounded Rectangle 14"/>
+            <p:cNvSpPr/>
+            <p:nvPr/>
+          </p:nvSpPr>
+          <p:spPr>
+            <a:xfrm>
+              <a:off x="2628812" y="4905106"/>
+              <a:ext cx="1229313" cy="1038493"/>
+            </a:xfrm>
+            <a:prstGeom prst="roundRect">
+              <a:avLst/>
+            </a:prstGeom>
+          </p:spPr>
+          <p:style>
+            <a:lnRef idx="2">
+              <a:schemeClr val="accent1">
+                <a:shade val="50000"/>
+              </a:schemeClr>
+            </a:lnRef>
+            <a:fillRef idx="1">
+              <a:schemeClr val="accent1"/>
+            </a:fillRef>
+            <a:effectRef idx="0">
+              <a:schemeClr val="accent1"/>
+            </a:effectRef>
+            <a:fontRef idx="minor">
+              <a:schemeClr val="lt1"/>
+            </a:fontRef>
+          </p:style>
+          <p:txBody>
+            <a:bodyPr rtlCol="0" anchor="ctr"/>
+            <a:lstStyle/>
+            <a:p>
+              <a:pPr algn="ctr"/>
+              <a:r>
+                <a:rPr lang="en-US" sz="1600" dirty="0">
+                  <a:solidFill>
+                    <a:schemeClr val="bg1"/>
+                  </a:solidFill>
+                </a:rPr>
+                <a:t>b</a:t>
+              </a:r>
+              <a:r>
+                <a:rPr lang="en-US" sz="1600" dirty="0" smtClean="0">
+                  <a:solidFill>
+                    <a:schemeClr val="bg1"/>
+                  </a:solidFill>
+                </a:rPr>
+                <a:t>rown cow cross the road</a:t>
+              </a:r>
+              <a:endParaRPr lang="en-US" sz="1600" dirty="0" smtClean="0">
+                <a:solidFill>
+                  <a:schemeClr val="bg1"/>
+                </a:solidFill>
+              </a:endParaRPr>
+            </a:p>
+          </p:txBody>
+        </p:sp>
+      </p:grpSp>
+      <p:grpSp>
+        <p:nvGrpSpPr>
+          <p:cNvPr id="59" name="Group 58"/>
+          <p:cNvGrpSpPr/>
+          <p:nvPr/>
+        </p:nvGrpSpPr>
+        <p:grpSpPr>
+          <a:xfrm>
+            <a:off x="4351878" y="1368275"/>
+            <a:ext cx="785179" cy="4213434"/>
+            <a:chOff x="4351878" y="1368275"/>
+            <a:chExt cx="785179" cy="4213434"/>
+          </a:xfrm>
+        </p:grpSpPr>
+        <p:sp>
+          <p:nvSpPr>
+            <p:cNvPr id="10" name="TextBox 9"/>
+            <p:cNvSpPr txBox="1"/>
+            <p:nvPr/>
+          </p:nvSpPr>
+          <p:spPr>
+            <a:xfrm>
+              <a:off x="4380119" y="1368275"/>
+              <a:ext cx="756938" cy="461665"/>
+            </a:xfrm>
+            <a:prstGeom prst="rect">
+              <a:avLst/>
+            </a:prstGeom>
+            <a:noFill/>
+          </p:spPr>
+          <p:txBody>
+            <a:bodyPr wrap="none" rtlCol="0">
+              <a:spAutoFit/>
+            </a:bodyPr>
+            <a:lstStyle/>
+            <a:p>
+              <a:r>
+                <a:rPr lang="en-US" sz="2400" dirty="0" smtClean="0">
+                  <a:solidFill>
+                    <a:schemeClr val="bg1"/>
+                  </a:solidFill>
+                </a:rPr>
+                <a:t>Map</a:t>
+              </a:r>
+              <a:endParaRPr lang="en-US" sz="2400" dirty="0" smtClean="0">
+                <a:solidFill>
+                  <a:schemeClr val="bg1"/>
+                </a:solidFill>
+              </a:endParaRPr>
+            </a:p>
+          </p:txBody>
+        </p:sp>
+        <p:grpSp>
+          <p:nvGrpSpPr>
+            <p:cNvPr id="46" name="Group 45"/>
+            <p:cNvGrpSpPr/>
+            <p:nvPr/>
+          </p:nvGrpSpPr>
+          <p:grpSpPr>
+            <a:xfrm>
+              <a:off x="4351878" y="2157662"/>
+              <a:ext cx="700020" cy="3424047"/>
+              <a:chOff x="4351878" y="2157662"/>
+              <a:chExt cx="700020" cy="3424047"/>
+            </a:xfrm>
+          </p:grpSpPr>
+          <p:sp>
+            <p:nvSpPr>
+              <p:cNvPr id="16" name="Rounded Rectangle 15"/>
+              <p:cNvSpPr/>
+              <p:nvPr/>
+            </p:nvSpPr>
+            <p:spPr>
+              <a:xfrm>
+                <a:off x="4351879" y="2157662"/>
+                <a:ext cx="700019" cy="401053"/>
+              </a:xfrm>
+              <a:prstGeom prst="roundRect">
+                <a:avLst/>
+              </a:prstGeom>
+            </p:spPr>
+            <p:style>
+              <a:lnRef idx="2">
+                <a:schemeClr val="accent6">
+                  <a:shade val="50000"/>
+                </a:schemeClr>
+              </a:lnRef>
+              <a:fillRef idx="1">
+                <a:schemeClr val="accent6"/>
+              </a:fillRef>
+              <a:effectRef idx="0">
+                <a:schemeClr val="accent6"/>
+              </a:effectRef>
+              <a:fontRef idx="minor">
+                <a:schemeClr val="lt1"/>
+              </a:fontRef>
+            </p:style>
+            <p:txBody>
+              <a:bodyPr rtlCol="0" anchor="ctr"/>
+              <a:lstStyle/>
+              <a:p>
+                <a:pPr algn="ctr"/>
+                <a:r>
+                  <a:rPr lang="en-US" dirty="0" smtClean="0">
+                    <a:solidFill>
+                      <a:schemeClr val="bg1"/>
+                    </a:solidFill>
+                  </a:rPr>
+                  <a:t>Map</a:t>
+                </a:r>
+                <a:endParaRPr lang="en-US" dirty="0" smtClean="0">
+                  <a:solidFill>
+                    <a:schemeClr val="bg1"/>
+                  </a:solidFill>
+                </a:endParaRPr>
+              </a:p>
+            </p:txBody>
+          </p:sp>
+          <p:sp>
+            <p:nvSpPr>
+              <p:cNvPr id="17" name="Rounded Rectangle 16"/>
+              <p:cNvSpPr/>
+              <p:nvPr/>
+            </p:nvSpPr>
+            <p:spPr>
+              <a:xfrm>
+                <a:off x="4351878" y="3674694"/>
+                <a:ext cx="700019" cy="401053"/>
+              </a:xfrm>
+              <a:prstGeom prst="roundRect">
+                <a:avLst/>
+              </a:prstGeom>
+            </p:spPr>
+            <p:style>
+              <a:lnRef idx="2">
+                <a:schemeClr val="accent6">
+                  <a:shade val="50000"/>
+                </a:schemeClr>
+              </a:lnRef>
+              <a:fillRef idx="1">
+                <a:schemeClr val="accent6"/>
+              </a:fillRef>
+              <a:effectRef idx="0">
+                <a:schemeClr val="accent6"/>
+              </a:effectRef>
+              <a:fontRef idx="minor">
+                <a:schemeClr val="lt1"/>
+              </a:fontRef>
+            </p:style>
+            <p:txBody>
+              <a:bodyPr rtlCol="0" anchor="ctr"/>
+              <a:lstStyle/>
+              <a:p>
+                <a:pPr algn="ctr"/>
+                <a:r>
+                  <a:rPr lang="en-US" dirty="0" smtClean="0">
+                    <a:solidFill>
+                      <a:schemeClr val="bg1"/>
+                    </a:solidFill>
+                  </a:rPr>
+                  <a:t>Map</a:t>
+                </a:r>
+                <a:endParaRPr lang="en-US" dirty="0" smtClean="0">
+                  <a:solidFill>
+                    <a:schemeClr val="bg1"/>
+                  </a:solidFill>
+                </a:endParaRPr>
+              </a:p>
+            </p:txBody>
+          </p:sp>
+          <p:sp>
+            <p:nvSpPr>
+              <p:cNvPr id="18" name="Rounded Rectangle 17"/>
+              <p:cNvSpPr/>
+              <p:nvPr/>
+            </p:nvSpPr>
+            <p:spPr>
+              <a:xfrm>
+                <a:off x="4351879" y="5180656"/>
+                <a:ext cx="700019" cy="401053"/>
+              </a:xfrm>
+              <a:prstGeom prst="roundRect">
+                <a:avLst/>
+              </a:prstGeom>
+            </p:spPr>
+            <p:style>
+              <a:lnRef idx="2">
+                <a:schemeClr val="accent6">
+                  <a:shade val="50000"/>
+                </a:schemeClr>
+              </a:lnRef>
+              <a:fillRef idx="1">
+                <a:schemeClr val="accent6"/>
+              </a:fillRef>
+              <a:effectRef idx="0">
+                <a:schemeClr val="accent6"/>
+              </a:effectRef>
+              <a:fontRef idx="minor">
+                <a:schemeClr val="lt1"/>
+              </a:fontRef>
+            </p:style>
+            <p:txBody>
+              <a:bodyPr rtlCol="0" anchor="ctr"/>
+              <a:lstStyle/>
+              <a:p>
+                <a:pPr algn="ctr"/>
+                <a:r>
+                  <a:rPr lang="en-US" dirty="0" smtClean="0">
+                    <a:solidFill>
+                      <a:schemeClr val="bg1"/>
+                    </a:solidFill>
+                  </a:rPr>
+                  <a:t>Map</a:t>
+                </a:r>
+                <a:endParaRPr lang="en-US" dirty="0" smtClean="0">
+                  <a:solidFill>
+                    <a:schemeClr val="bg1"/>
+                  </a:solidFill>
+                </a:endParaRPr>
+              </a:p>
+            </p:txBody>
+          </p:sp>
+        </p:grpSp>
+      </p:grpSp>
+      <p:grpSp>
+        <p:nvGrpSpPr>
+          <p:cNvPr id="61" name="Group 60"/>
+          <p:cNvGrpSpPr/>
+          <p:nvPr/>
+        </p:nvGrpSpPr>
+        <p:grpSpPr>
+          <a:xfrm>
+            <a:off x="7887023" y="1360560"/>
+            <a:ext cx="1107419" cy="3949189"/>
+            <a:chOff x="7887023" y="1360560"/>
+            <a:chExt cx="1107419" cy="3949189"/>
+          </a:xfrm>
+        </p:grpSpPr>
+        <p:sp>
+          <p:nvSpPr>
+            <p:cNvPr id="12" name="TextBox 11"/>
+            <p:cNvSpPr txBox="1"/>
+            <p:nvPr/>
+          </p:nvSpPr>
+          <p:spPr>
+            <a:xfrm>
+              <a:off x="7887023" y="1360560"/>
+              <a:ext cx="1107419" cy="461665"/>
+            </a:xfrm>
+            <a:prstGeom prst="rect">
+              <a:avLst/>
+            </a:prstGeom>
+            <a:noFill/>
+          </p:spPr>
+          <p:txBody>
+            <a:bodyPr wrap="none" rtlCol="0">
+              <a:spAutoFit/>
+            </a:bodyPr>
+            <a:lstStyle/>
+            <a:p>
+              <a:r>
+                <a:rPr lang="en-US" sz="2400" dirty="0" smtClean="0">
+                  <a:solidFill>
+                    <a:schemeClr val="bg1"/>
+                  </a:solidFill>
+                </a:rPr>
+                <a:t>Reduce</a:t>
+              </a:r>
+              <a:endParaRPr lang="en-US" sz="2400" dirty="0" smtClean="0">
+                <a:solidFill>
+                  <a:schemeClr val="bg1"/>
+                </a:solidFill>
+              </a:endParaRPr>
+            </a:p>
+          </p:txBody>
+        </p:sp>
+        <p:grpSp>
+          <p:nvGrpSpPr>
+            <p:cNvPr id="52" name="Group 51"/>
+            <p:cNvGrpSpPr/>
+            <p:nvPr/>
+          </p:nvGrpSpPr>
+          <p:grpSpPr>
+            <a:xfrm>
+              <a:off x="7961474" y="2975810"/>
+              <a:ext cx="969783" cy="2333939"/>
+              <a:chOff x="7961474" y="2975810"/>
+              <a:chExt cx="969783" cy="2333939"/>
+            </a:xfrm>
+          </p:grpSpPr>
+          <p:sp>
+            <p:nvSpPr>
+              <p:cNvPr id="19" name="Rounded Rectangle 18"/>
+              <p:cNvSpPr/>
+              <p:nvPr/>
+            </p:nvSpPr>
+            <p:spPr>
+              <a:xfrm>
+                <a:off x="7961474" y="2975810"/>
+                <a:ext cx="958516" cy="459861"/>
+              </a:xfrm>
+              <a:prstGeom prst="roundRect">
+                <a:avLst/>
+              </a:prstGeom>
+            </p:spPr>
+            <p:style>
+              <a:lnRef idx="2">
+                <a:schemeClr val="accent4">
+                  <a:shade val="50000"/>
+                </a:schemeClr>
+              </a:lnRef>
+              <a:fillRef idx="1">
+                <a:schemeClr val="accent4"/>
+              </a:fillRef>
+              <a:effectRef idx="0">
+                <a:schemeClr val="accent4"/>
+              </a:effectRef>
+              <a:fontRef idx="minor">
+                <a:schemeClr val="lt1"/>
+              </a:fontRef>
+            </p:style>
+            <p:txBody>
+              <a:bodyPr rtlCol="0" anchor="ctr"/>
+              <a:lstStyle/>
+              <a:p>
+                <a:pPr algn="ctr"/>
+                <a:r>
+                  <a:rPr lang="en-US" sz="1600" dirty="0" smtClean="0">
+                    <a:solidFill>
+                      <a:schemeClr val="bg1"/>
+                    </a:solidFill>
+                  </a:rPr>
+                  <a:t>Reduce</a:t>
+                </a:r>
+                <a:endParaRPr lang="en-US" sz="1600" dirty="0" smtClean="0">
+                  <a:solidFill>
+                    <a:schemeClr val="bg1"/>
+                  </a:solidFill>
+                </a:endParaRPr>
+              </a:p>
+            </p:txBody>
+          </p:sp>
+          <p:sp>
+            <p:nvSpPr>
+              <p:cNvPr id="20" name="Rounded Rectangle 19"/>
+              <p:cNvSpPr/>
+              <p:nvPr/>
+            </p:nvSpPr>
+            <p:spPr>
+              <a:xfrm>
+                <a:off x="7972741" y="4849888"/>
+                <a:ext cx="958516" cy="459861"/>
+              </a:xfrm>
+              <a:prstGeom prst="roundRect">
+                <a:avLst/>
+              </a:prstGeom>
+            </p:spPr>
+            <p:style>
+              <a:lnRef idx="2">
+                <a:schemeClr val="accent4">
+                  <a:shade val="50000"/>
+                </a:schemeClr>
+              </a:lnRef>
+              <a:fillRef idx="1">
+                <a:schemeClr val="accent4"/>
+              </a:fillRef>
+              <a:effectRef idx="0">
+                <a:schemeClr val="accent4"/>
+              </a:effectRef>
+              <a:fontRef idx="minor">
+                <a:schemeClr val="lt1"/>
+              </a:fontRef>
+            </p:style>
+            <p:txBody>
+              <a:bodyPr rtlCol="0" anchor="ctr"/>
+              <a:lstStyle/>
+              <a:p>
+                <a:pPr algn="ctr"/>
+                <a:r>
+                  <a:rPr lang="en-US" sz="1600" dirty="0" smtClean="0">
+                    <a:solidFill>
+                      <a:schemeClr val="bg1"/>
+                    </a:solidFill>
+                  </a:rPr>
+                  <a:t>Reduce</a:t>
+                </a:r>
+                <a:endParaRPr lang="en-US" sz="1600" dirty="0" smtClean="0">
+                  <a:solidFill>
+                    <a:schemeClr val="bg1"/>
+                  </a:solidFill>
+                </a:endParaRPr>
+              </a:p>
+            </p:txBody>
+          </p:sp>
+        </p:grpSp>
+      </p:grpSp>
+      <p:grpSp>
+        <p:nvGrpSpPr>
+          <p:cNvPr id="60" name="Group 59"/>
+          <p:cNvGrpSpPr/>
+          <p:nvPr/>
+        </p:nvGrpSpPr>
+        <p:grpSpPr>
+          <a:xfrm>
+            <a:off x="5116206" y="1774615"/>
+            <a:ext cx="1239442" cy="4453997"/>
+            <a:chOff x="5116206" y="1774615"/>
+            <a:chExt cx="1239442" cy="4453997"/>
+          </a:xfrm>
+        </p:grpSpPr>
+        <p:sp>
+          <p:nvSpPr>
+            <p:cNvPr id="23" name="TextBox 22"/>
+            <p:cNvSpPr txBox="1"/>
+            <p:nvPr/>
+          </p:nvSpPr>
+          <p:spPr>
+            <a:xfrm>
+              <a:off x="5163631" y="1774615"/>
+              <a:ext cx="1131079" cy="1077218"/>
+            </a:xfrm>
+            <a:prstGeom prst="rect">
+              <a:avLst/>
+            </a:prstGeom>
+            <a:noFill/>
+          </p:spPr>
+          <p:txBody>
+            <a:bodyPr wrap="none" rtlCol="0">
+              <a:spAutoFit/>
+            </a:bodyPr>
+            <a:lstStyle/>
+            <a:p>
+              <a:r>
+                <a:rPr lang="en-US" sz="1600" dirty="0" smtClean="0">
+                  <a:solidFill>
+                    <a:schemeClr val="bg1"/>
+                  </a:solidFill>
+                </a:rPr>
+                <a:t>&lt;the, 1&gt;</a:t>
+              </a:r>
+              <a:endParaRPr lang="en-US" sz="1600" dirty="0" smtClean="0">
+                <a:solidFill>
+                  <a:schemeClr val="bg1"/>
+                </a:solidFill>
+              </a:endParaRPr>
+            </a:p>
+            <a:p>
+              <a:r>
+                <a:rPr lang="en-US" sz="1600" dirty="0" smtClean="0">
+                  <a:solidFill>
+                    <a:schemeClr val="bg1"/>
+                  </a:solidFill>
+                </a:rPr>
+                <a:t>&lt;small, 1&gt;</a:t>
+              </a:r>
+              <a:endParaRPr lang="en-US" sz="1600" dirty="0" smtClean="0">
+                <a:solidFill>
+                  <a:schemeClr val="bg1"/>
+                </a:solidFill>
+              </a:endParaRPr>
+            </a:p>
+            <a:p>
+              <a:r>
+                <a:rPr lang="en-US" sz="1600" dirty="0" smtClean="0">
+                  <a:solidFill>
+                    <a:schemeClr val="bg1"/>
+                  </a:solidFill>
+                </a:rPr>
+                <a:t>&lt;brown, 1&gt;</a:t>
+              </a:r>
+              <a:endParaRPr lang="en-US" sz="1600" dirty="0" smtClean="0">
+                <a:solidFill>
+                  <a:schemeClr val="bg1"/>
+                </a:solidFill>
+              </a:endParaRPr>
+            </a:p>
+            <a:p>
+              <a:r>
+                <a:rPr lang="en-US" sz="1600" dirty="0" smtClean="0">
+                  <a:solidFill>
+                    <a:schemeClr val="bg1"/>
+                  </a:solidFill>
+                </a:rPr>
+                <a:t>&lt;fox, 1&gt;</a:t>
+              </a:r>
+              <a:endParaRPr lang="en-US" sz="1600" dirty="0" smtClean="0">
+                <a:solidFill>
+                  <a:schemeClr val="bg1"/>
+                </a:solidFill>
+              </a:endParaRPr>
+            </a:p>
+          </p:txBody>
+        </p:sp>
+        <p:sp>
+          <p:nvSpPr>
+            <p:cNvPr id="24" name="TextBox 23"/>
+            <p:cNvSpPr txBox="1"/>
+            <p:nvPr/>
+          </p:nvSpPr>
+          <p:spPr>
+            <a:xfrm>
+              <a:off x="5116206" y="3219777"/>
+              <a:ext cx="1239442" cy="1569660"/>
+            </a:xfrm>
+            <a:prstGeom prst="rect">
+              <a:avLst/>
+            </a:prstGeom>
+            <a:noFill/>
+          </p:spPr>
+          <p:txBody>
+            <a:bodyPr wrap="none" rtlCol="0">
+              <a:spAutoFit/>
+            </a:bodyPr>
+            <a:lstStyle/>
+            <a:p>
+              <a:r>
+                <a:rPr lang="en-US" sz="1600" dirty="0" smtClean="0">
+                  <a:solidFill>
+                    <a:schemeClr val="bg1"/>
+                  </a:solidFill>
+                </a:rPr>
+                <a:t>&lt;a, 1&gt;</a:t>
+              </a:r>
+              <a:endParaRPr lang="en-US" sz="1600" dirty="0" smtClean="0">
+                <a:solidFill>
+                  <a:schemeClr val="bg1"/>
+                </a:solidFill>
+              </a:endParaRPr>
+            </a:p>
+            <a:p>
+              <a:r>
+                <a:rPr lang="en-US" sz="1600" dirty="0" smtClean="0">
+                  <a:solidFill>
+                    <a:schemeClr val="bg1"/>
+                  </a:solidFill>
+                </a:rPr>
+                <a:t>&lt;fox, </a:t>
+              </a:r>
+              <a:r>
+                <a:rPr lang="en-US" sz="1600" dirty="0">
+                  <a:solidFill>
+                    <a:schemeClr val="bg1"/>
+                  </a:solidFill>
+                </a:rPr>
+                <a:t>1</a:t>
+              </a:r>
+              <a:r>
+                <a:rPr lang="en-US" sz="1600" dirty="0" smtClean="0">
+                  <a:solidFill>
+                    <a:schemeClr val="bg1"/>
+                  </a:solidFill>
+                </a:rPr>
+                <a:t>&gt;</a:t>
+              </a:r>
+              <a:endParaRPr lang="en-US" sz="1600" dirty="0" smtClean="0">
+                <a:solidFill>
+                  <a:schemeClr val="bg1"/>
+                </a:solidFill>
+              </a:endParaRPr>
+            </a:p>
+            <a:p>
+              <a:r>
+                <a:rPr lang="en-US" sz="1600" dirty="0">
+                  <a:solidFill>
+                    <a:schemeClr val="bg1"/>
+                  </a:solidFill>
+                </a:rPr>
+                <a:t>&lt;fox, 1&gt;</a:t>
+              </a:r>
+              <a:endParaRPr lang="en-US" sz="1600" dirty="0" smtClean="0">
+                <a:solidFill>
+                  <a:schemeClr val="bg1"/>
+                </a:solidFill>
+              </a:endParaRPr>
+            </a:p>
+            <a:p>
+              <a:r>
+                <a:rPr lang="en-US" sz="1600" dirty="0" smtClean="0">
+                  <a:solidFill>
+                    <a:schemeClr val="bg1"/>
+                  </a:solidFill>
+                </a:rPr>
+                <a:t>&lt;speaks, 1&gt;</a:t>
+              </a:r>
+              <a:endParaRPr lang="en-US" sz="1600" dirty="0" smtClean="0">
+                <a:solidFill>
+                  <a:schemeClr val="bg1"/>
+                </a:solidFill>
+              </a:endParaRPr>
+            </a:p>
+            <a:p>
+              <a:r>
+                <a:rPr lang="en-US" sz="1600" dirty="0" smtClean="0">
+                  <a:solidFill>
+                    <a:schemeClr val="bg1"/>
+                  </a:solidFill>
+                </a:rPr>
+                <a:t>&lt;to, 1&gt;</a:t>
+              </a:r>
+              <a:endParaRPr lang="en-US" sz="1600" dirty="0" smtClean="0">
+                <a:solidFill>
+                  <a:schemeClr val="bg1"/>
+                </a:solidFill>
+              </a:endParaRPr>
+            </a:p>
+            <a:p>
+              <a:r>
+                <a:rPr lang="en-US" sz="1600" dirty="0" smtClean="0">
+                  <a:solidFill>
+                    <a:schemeClr val="bg1"/>
+                  </a:solidFill>
+                </a:rPr>
+                <a:t>&lt;another, 1&gt;</a:t>
+              </a:r>
+              <a:endParaRPr lang="en-US" sz="1600" dirty="0" smtClean="0">
+                <a:solidFill>
+                  <a:schemeClr val="bg1"/>
+                </a:solidFill>
+              </a:endParaRPr>
+            </a:p>
+          </p:txBody>
+        </p:sp>
+        <p:sp>
+          <p:nvSpPr>
+            <p:cNvPr id="25" name="TextBox 24"/>
+            <p:cNvSpPr txBox="1"/>
+            <p:nvPr/>
+          </p:nvSpPr>
+          <p:spPr>
+            <a:xfrm>
+              <a:off x="5170387" y="5151394"/>
+              <a:ext cx="1016497" cy="1077218"/>
+            </a:xfrm>
+            <a:prstGeom prst="rect">
+              <a:avLst/>
+            </a:prstGeom>
+            <a:noFill/>
+          </p:spPr>
+          <p:txBody>
+            <a:bodyPr wrap="none" rtlCol="0">
+              <a:spAutoFit/>
+            </a:bodyPr>
+            <a:lstStyle/>
+            <a:p>
+              <a:r>
+                <a:rPr lang="en-US" sz="1600" dirty="0" smtClean="0">
+                  <a:solidFill>
+                    <a:schemeClr val="bg1"/>
+                  </a:solidFill>
+                </a:rPr>
+                <a:t>&lt;cow, 1&gt;</a:t>
+              </a:r>
+              <a:endParaRPr lang="en-US" sz="1600" dirty="0" smtClean="0">
+                <a:solidFill>
+                  <a:schemeClr val="bg1"/>
+                </a:solidFill>
+              </a:endParaRPr>
+            </a:p>
+            <a:p>
+              <a:r>
+                <a:rPr lang="en-US" sz="1600" dirty="0" smtClean="0">
+                  <a:solidFill>
+                    <a:schemeClr val="bg1"/>
+                  </a:solidFill>
+                </a:rPr>
+                <a:t>&lt;cross, 1&gt;</a:t>
+              </a:r>
+              <a:endParaRPr lang="en-US" sz="1600" dirty="0" smtClean="0">
+                <a:solidFill>
+                  <a:schemeClr val="bg1"/>
+                </a:solidFill>
+              </a:endParaRPr>
+            </a:p>
+            <a:p>
+              <a:r>
+                <a:rPr lang="en-US" sz="1600" dirty="0" smtClean="0">
+                  <a:solidFill>
+                    <a:schemeClr val="bg1"/>
+                  </a:solidFill>
+                </a:rPr>
+                <a:t>&lt;the, 1&gt;</a:t>
+              </a:r>
+              <a:endParaRPr lang="en-US" sz="1600" dirty="0" smtClean="0">
+                <a:solidFill>
+                  <a:schemeClr val="bg1"/>
+                </a:solidFill>
+              </a:endParaRPr>
+            </a:p>
+            <a:p>
+              <a:r>
+                <a:rPr lang="en-US" sz="1600" dirty="0" smtClean="0">
+                  <a:solidFill>
+                    <a:schemeClr val="bg1"/>
+                  </a:solidFill>
+                </a:rPr>
+                <a:t>&lt;road, 1&gt;</a:t>
+              </a:r>
+              <a:endParaRPr lang="en-US" sz="1600" dirty="0" smtClean="0">
+                <a:solidFill>
+                  <a:schemeClr val="bg1"/>
+                </a:solidFill>
+              </a:endParaRPr>
+            </a:p>
+          </p:txBody>
+        </p:sp>
+      </p:grpSp>
+      <p:grpSp>
+        <p:nvGrpSpPr>
+          <p:cNvPr id="56" name="Group 55"/>
+          <p:cNvGrpSpPr/>
+          <p:nvPr/>
+        </p:nvGrpSpPr>
+        <p:grpSpPr>
+          <a:xfrm>
+            <a:off x="2366722" y="2407352"/>
+            <a:ext cx="256008" cy="3174844"/>
+            <a:chOff x="2366722" y="2407352"/>
+            <a:chExt cx="256008" cy="3174844"/>
+          </a:xfrm>
+        </p:grpSpPr>
+        <p:sp>
+          <p:nvSpPr>
+            <p:cNvPr id="26" name="Right Arrow 25"/>
+            <p:cNvSpPr/>
+            <p:nvPr/>
+          </p:nvSpPr>
+          <p:spPr>
+            <a:xfrm>
+              <a:off x="2373508" y="2407352"/>
+              <a:ext cx="249222" cy="302725"/>
+            </a:xfrm>
+            <a:prstGeom prst="rightArrow">
+              <a:avLst/>
+            </a:prstGeom>
+          </p:spPr>
+          <p:style>
+            <a:lnRef idx="2">
+              <a:schemeClr val="accent1">
+                <a:shade val="50000"/>
+              </a:schemeClr>
+            </a:lnRef>
+            <a:fillRef idx="1">
+              <a:schemeClr val="accent1"/>
+            </a:fillRef>
+            <a:effectRef idx="0">
+              <a:schemeClr val="accent1"/>
+            </a:effectRef>
+            <a:fontRef idx="minor">
+              <a:schemeClr val="lt1"/>
+            </a:fontRef>
+          </p:style>
+          <p:txBody>
+            <a:bodyPr rtlCol="0" anchor="ctr"/>
+            <a:lstStyle/>
+            <a:p>
+              <a:pPr algn="ctr"/>
+              <a:endParaRPr lang="en-US">
+                <a:solidFill>
+                  <a:schemeClr val="bg1"/>
+                </a:solidFill>
+              </a:endParaRPr>
+            </a:p>
+          </p:txBody>
+        </p:sp>
+        <p:sp>
+          <p:nvSpPr>
+            <p:cNvPr id="27" name="Right Arrow 26"/>
+            <p:cNvSpPr/>
+            <p:nvPr/>
+          </p:nvSpPr>
+          <p:spPr>
+            <a:xfrm>
+              <a:off x="2366722" y="3745375"/>
+              <a:ext cx="249222" cy="302725"/>
+            </a:xfrm>
+            <a:prstGeom prst="rightArrow">
+              <a:avLst/>
+            </a:prstGeom>
+          </p:spPr>
+          <p:style>
+            <a:lnRef idx="2">
+              <a:schemeClr val="accent1">
+                <a:shade val="50000"/>
+              </a:schemeClr>
+            </a:lnRef>
+            <a:fillRef idx="1">
+              <a:schemeClr val="accent1"/>
+            </a:fillRef>
+            <a:effectRef idx="0">
+              <a:schemeClr val="accent1"/>
+            </a:effectRef>
+            <a:fontRef idx="minor">
+              <a:schemeClr val="lt1"/>
+            </a:fontRef>
+          </p:style>
+          <p:txBody>
+            <a:bodyPr rtlCol="0" anchor="ctr"/>
+            <a:lstStyle/>
+            <a:p>
+              <a:pPr algn="ctr"/>
+              <a:endParaRPr lang="en-US">
+                <a:solidFill>
+                  <a:schemeClr val="bg1"/>
+                </a:solidFill>
+              </a:endParaRPr>
+            </a:p>
+          </p:txBody>
+        </p:sp>
+        <p:sp>
+          <p:nvSpPr>
+            <p:cNvPr id="28" name="Right Arrow 27"/>
+            <p:cNvSpPr/>
+            <p:nvPr/>
+          </p:nvSpPr>
+          <p:spPr>
+            <a:xfrm>
+              <a:off x="2373508" y="5279471"/>
+              <a:ext cx="249222" cy="302725"/>
+            </a:xfrm>
+            <a:prstGeom prst="rightArrow">
+              <a:avLst/>
+            </a:prstGeom>
+          </p:spPr>
+          <p:style>
+            <a:lnRef idx="2">
+              <a:schemeClr val="accent1">
+                <a:shade val="50000"/>
+              </a:schemeClr>
+            </a:lnRef>
+            <a:fillRef idx="1">
+              <a:schemeClr val="accent1"/>
+            </a:fillRef>
+            <a:effectRef idx="0">
+              <a:schemeClr val="accent1"/>
+            </a:effectRef>
+            <a:fontRef idx="minor">
+              <a:schemeClr val="lt1"/>
+            </a:fontRef>
+          </p:style>
+          <p:txBody>
+            <a:bodyPr rtlCol="0" anchor="ctr"/>
+            <a:lstStyle/>
+            <a:p>
+              <a:pPr algn="ctr"/>
+              <a:endParaRPr lang="en-US">
+                <a:solidFill>
+                  <a:schemeClr val="bg1"/>
+                </a:solidFill>
+              </a:endParaRPr>
+            </a:p>
+          </p:txBody>
+        </p:sp>
+      </p:grpSp>
+      <p:grpSp>
+        <p:nvGrpSpPr>
+          <p:cNvPr id="58" name="Group 57"/>
+          <p:cNvGrpSpPr/>
+          <p:nvPr/>
+        </p:nvGrpSpPr>
+        <p:grpSpPr>
+          <a:xfrm>
+            <a:off x="3881317" y="2229807"/>
+            <a:ext cx="470561" cy="3323771"/>
+            <a:chOff x="3881317" y="2229807"/>
+            <a:chExt cx="470561" cy="3323771"/>
+          </a:xfrm>
+        </p:grpSpPr>
+        <p:sp>
+          <p:nvSpPr>
+            <p:cNvPr id="29" name="Right Arrow 28"/>
+            <p:cNvSpPr/>
+            <p:nvPr/>
+          </p:nvSpPr>
+          <p:spPr>
+            <a:xfrm>
+              <a:off x="3904509" y="2229807"/>
+              <a:ext cx="447369" cy="245491"/>
+            </a:xfrm>
+            <a:prstGeom prst="rightArrow">
+              <a:avLst/>
+            </a:prstGeom>
+          </p:spPr>
+          <p:style>
+            <a:lnRef idx="2">
+              <a:schemeClr val="accent1">
+                <a:shade val="50000"/>
+              </a:schemeClr>
+            </a:lnRef>
+            <a:fillRef idx="1">
+              <a:schemeClr val="accent1"/>
+            </a:fillRef>
+            <a:effectRef idx="0">
+              <a:schemeClr val="accent1"/>
+            </a:effectRef>
+            <a:fontRef idx="minor">
+              <a:schemeClr val="lt1"/>
+            </a:fontRef>
+          </p:style>
+          <p:txBody>
+            <a:bodyPr rtlCol="0" anchor="ctr"/>
+            <a:lstStyle/>
+            <a:p>
+              <a:pPr algn="ctr"/>
+              <a:endParaRPr lang="en-US">
+                <a:solidFill>
+                  <a:schemeClr val="bg1"/>
+                </a:solidFill>
+              </a:endParaRPr>
+            </a:p>
+          </p:txBody>
+        </p:sp>
+        <p:sp>
+          <p:nvSpPr>
+            <p:cNvPr id="30" name="Right Arrow 29"/>
+            <p:cNvSpPr/>
+            <p:nvPr/>
+          </p:nvSpPr>
+          <p:spPr>
+            <a:xfrm>
+              <a:off x="3885477" y="3752474"/>
+              <a:ext cx="447369" cy="245491"/>
+            </a:xfrm>
+            <a:prstGeom prst="rightArrow">
+              <a:avLst/>
+            </a:prstGeom>
+          </p:spPr>
+          <p:style>
+            <a:lnRef idx="2">
+              <a:schemeClr val="accent1">
+                <a:shade val="50000"/>
+              </a:schemeClr>
+            </a:lnRef>
+            <a:fillRef idx="1">
+              <a:schemeClr val="accent1"/>
+            </a:fillRef>
+            <a:effectRef idx="0">
+              <a:schemeClr val="accent1"/>
+            </a:effectRef>
+            <a:fontRef idx="minor">
+              <a:schemeClr val="lt1"/>
+            </a:fontRef>
+          </p:style>
+          <p:txBody>
+            <a:bodyPr rtlCol="0" anchor="ctr"/>
+            <a:lstStyle/>
+            <a:p>
+              <a:pPr algn="ctr"/>
+              <a:endParaRPr lang="en-US">
+                <a:solidFill>
+                  <a:schemeClr val="bg1"/>
+                </a:solidFill>
+              </a:endParaRPr>
+            </a:p>
+          </p:txBody>
+        </p:sp>
+        <p:sp>
+          <p:nvSpPr>
+            <p:cNvPr id="31" name="Right Arrow 30"/>
+            <p:cNvSpPr/>
+            <p:nvPr/>
+          </p:nvSpPr>
+          <p:spPr>
+            <a:xfrm>
+              <a:off x="3881317" y="5308087"/>
+              <a:ext cx="447369" cy="245491"/>
+            </a:xfrm>
+            <a:prstGeom prst="rightArrow">
+              <a:avLst/>
+            </a:prstGeom>
+          </p:spPr>
+          <p:style>
+            <a:lnRef idx="2">
+              <a:schemeClr val="accent1">
+                <a:shade val="50000"/>
+              </a:schemeClr>
+            </a:lnRef>
+            <a:fillRef idx="1">
+              <a:schemeClr val="accent1"/>
+            </a:fillRef>
+            <a:effectRef idx="0">
+              <a:schemeClr val="accent1"/>
+            </a:effectRef>
+            <a:fontRef idx="minor">
+              <a:schemeClr val="lt1"/>
+            </a:fontRef>
+          </p:style>
+          <p:txBody>
+            <a:bodyPr rtlCol="0" anchor="ctr"/>
+            <a:lstStyle/>
+            <a:p>
+              <a:pPr algn="ctr"/>
+              <a:endParaRPr lang="en-US">
+                <a:solidFill>
+                  <a:schemeClr val="bg1"/>
+                </a:solidFill>
+              </a:endParaRPr>
+            </a:p>
+          </p:txBody>
+        </p:sp>
+      </p:grpSp>
+      <p:grpSp>
+        <p:nvGrpSpPr>
+          <p:cNvPr id="62" name="Group 61"/>
+          <p:cNvGrpSpPr/>
+          <p:nvPr/>
+        </p:nvGrpSpPr>
+        <p:grpSpPr>
+          <a:xfrm>
+            <a:off x="9119930" y="1360561"/>
+            <a:ext cx="1909017" cy="4615992"/>
+            <a:chOff x="9119930" y="1360561"/>
+            <a:chExt cx="1909017" cy="4615992"/>
+          </a:xfrm>
+        </p:grpSpPr>
+        <p:sp>
+          <p:nvSpPr>
+            <p:cNvPr id="13" name="TextBox 12"/>
+            <p:cNvSpPr txBox="1"/>
+            <p:nvPr/>
+          </p:nvSpPr>
+          <p:spPr>
+            <a:xfrm>
+              <a:off x="9701567" y="1360561"/>
+              <a:ext cx="1079142" cy="461665"/>
+            </a:xfrm>
+            <a:prstGeom prst="rect">
+              <a:avLst/>
+            </a:prstGeom>
+            <a:noFill/>
+          </p:spPr>
+          <p:txBody>
+            <a:bodyPr wrap="none" rtlCol="0">
+              <a:spAutoFit/>
+            </a:bodyPr>
+            <a:lstStyle/>
+            <a:p>
+              <a:r>
+                <a:rPr lang="en-US" sz="2400" dirty="0" smtClean="0">
+                  <a:solidFill>
+                    <a:schemeClr val="bg1"/>
+                  </a:solidFill>
+                </a:rPr>
+                <a:t>Output</a:t>
+              </a:r>
+              <a:endParaRPr lang="en-US" sz="2400" dirty="0" smtClean="0">
+                <a:solidFill>
+                  <a:schemeClr val="bg1"/>
+                </a:solidFill>
+              </a:endParaRPr>
+            </a:p>
+          </p:txBody>
+        </p:sp>
+        <p:sp>
+          <p:nvSpPr>
+            <p:cNvPr id="21" name="Rounded Rectangle 20"/>
+            <p:cNvSpPr/>
+            <p:nvPr/>
+          </p:nvSpPr>
+          <p:spPr>
+            <a:xfrm>
+              <a:off x="9701567" y="1937318"/>
+              <a:ext cx="1327380" cy="1832578"/>
+            </a:xfrm>
+            <a:prstGeom prst="roundRect">
+              <a:avLst/>
+            </a:prstGeom>
+          </p:spPr>
+          <p:style>
+            <a:lnRef idx="2">
+              <a:schemeClr val="accent5">
+                <a:shade val="50000"/>
+              </a:schemeClr>
+            </a:lnRef>
+            <a:fillRef idx="1">
+              <a:schemeClr val="accent5"/>
+            </a:fillRef>
+            <a:effectRef idx="0">
+              <a:schemeClr val="accent5"/>
+            </a:effectRef>
+            <a:fontRef idx="minor">
+              <a:schemeClr val="lt1"/>
+            </a:fontRef>
+          </p:style>
+          <p:txBody>
+            <a:bodyPr rtlCol="0" anchor="ctr"/>
+            <a:lstStyle/>
+            <a:p>
+              <a:pPr algn="ctr"/>
+              <a:r>
+                <a:rPr lang="en-US" dirty="0" smtClean="0">
+                  <a:solidFill>
+                    <a:schemeClr val="bg1"/>
+                  </a:solidFill>
+                </a:rPr>
+                <a:t>a, 1</a:t>
+              </a:r>
+              <a:endParaRPr lang="en-US" dirty="0" smtClean="0">
+                <a:solidFill>
+                  <a:schemeClr val="bg1"/>
+                </a:solidFill>
+              </a:endParaRPr>
+            </a:p>
+            <a:p>
+              <a:pPr algn="ctr"/>
+              <a:r>
+                <a:rPr lang="en-US" dirty="0">
+                  <a:solidFill>
+                    <a:schemeClr val="bg1"/>
+                  </a:solidFill>
+                </a:rPr>
+                <a:t>a</a:t>
+              </a:r>
+              <a:r>
+                <a:rPr lang="en-US" dirty="0" smtClean="0">
+                  <a:solidFill>
+                    <a:schemeClr val="bg1"/>
+                  </a:solidFill>
+                </a:rPr>
+                <a:t>nother 1</a:t>
+              </a:r>
+              <a:endParaRPr lang="en-US" dirty="0" smtClean="0">
+                <a:solidFill>
+                  <a:schemeClr val="bg1"/>
+                </a:solidFill>
+              </a:endParaRPr>
+            </a:p>
+            <a:p>
+              <a:pPr algn="ctr"/>
+              <a:r>
+                <a:rPr lang="en-US" dirty="0" smtClean="0">
+                  <a:solidFill>
+                    <a:schemeClr val="bg1"/>
+                  </a:solidFill>
+                </a:rPr>
+                <a:t>brown, 2</a:t>
+              </a:r>
+              <a:endParaRPr lang="en-US" dirty="0" smtClean="0">
+                <a:solidFill>
+                  <a:schemeClr val="bg1"/>
+                </a:solidFill>
+              </a:endParaRPr>
+            </a:p>
+            <a:p>
+              <a:pPr algn="ctr"/>
+              <a:r>
+                <a:rPr lang="en-US" dirty="0" smtClean="0">
+                  <a:solidFill>
+                    <a:schemeClr val="bg1"/>
+                  </a:solidFill>
+                </a:rPr>
+                <a:t>cross, </a:t>
+              </a:r>
+              <a:r>
+                <a:rPr lang="en-US" dirty="0">
+                  <a:solidFill>
+                    <a:schemeClr val="bg1"/>
+                  </a:solidFill>
+                </a:rPr>
+                <a:t>1</a:t>
+              </a:r>
+              <a:endParaRPr lang="en-US" dirty="0" smtClean="0">
+                <a:solidFill>
+                  <a:schemeClr val="bg1"/>
+                </a:solidFill>
+              </a:endParaRPr>
+            </a:p>
+            <a:p>
+              <a:pPr algn="ctr"/>
+              <a:r>
+                <a:rPr lang="en-US" dirty="0" smtClean="0">
+                  <a:solidFill>
+                    <a:schemeClr val="bg1"/>
+                  </a:solidFill>
+                </a:rPr>
+                <a:t>cow, 1</a:t>
+              </a:r>
+              <a:endParaRPr lang="en-US" dirty="0" smtClean="0">
+                <a:solidFill>
+                  <a:schemeClr val="bg1"/>
+                </a:solidFill>
+              </a:endParaRPr>
+            </a:p>
+            <a:p>
+              <a:pPr algn="ctr"/>
+              <a:r>
+                <a:rPr lang="en-US" dirty="0" smtClean="0">
+                  <a:solidFill>
+                    <a:schemeClr val="bg1"/>
+                  </a:solidFill>
+                </a:rPr>
+                <a:t>fox, 3</a:t>
+              </a:r>
+              <a:endParaRPr lang="en-US" dirty="0" smtClean="0">
+                <a:solidFill>
+                  <a:schemeClr val="bg1"/>
+                </a:solidFill>
+              </a:endParaRPr>
+            </a:p>
+          </p:txBody>
+        </p:sp>
+        <p:sp>
+          <p:nvSpPr>
+            <p:cNvPr id="22" name="Rounded Rectangle 21"/>
+            <p:cNvSpPr/>
+            <p:nvPr/>
+          </p:nvSpPr>
+          <p:spPr>
+            <a:xfrm>
+              <a:off x="9701567" y="4292110"/>
+              <a:ext cx="1327380" cy="1684443"/>
+            </a:xfrm>
+            <a:prstGeom prst="roundRect">
+              <a:avLst/>
+            </a:prstGeom>
+          </p:spPr>
+          <p:style>
+            <a:lnRef idx="2">
+              <a:schemeClr val="accent5">
+                <a:shade val="50000"/>
+              </a:schemeClr>
+            </a:lnRef>
+            <a:fillRef idx="1">
+              <a:schemeClr val="accent5"/>
+            </a:fillRef>
+            <a:effectRef idx="0">
+              <a:schemeClr val="accent5"/>
+            </a:effectRef>
+            <a:fontRef idx="minor">
+              <a:schemeClr val="lt1"/>
+            </a:fontRef>
+          </p:style>
+          <p:txBody>
+            <a:bodyPr rtlCol="0" anchor="ctr"/>
+            <a:lstStyle/>
+            <a:p>
+              <a:pPr algn="ctr"/>
+              <a:r>
+                <a:rPr lang="en-US" dirty="0">
+                  <a:solidFill>
+                    <a:schemeClr val="bg1"/>
+                  </a:solidFill>
+                </a:rPr>
+                <a:t>road, 1</a:t>
+              </a:r>
+              <a:endParaRPr lang="en-US" dirty="0">
+                <a:solidFill>
+                  <a:schemeClr val="bg1"/>
+                </a:solidFill>
+              </a:endParaRPr>
+            </a:p>
+            <a:p>
+              <a:pPr algn="ctr"/>
+              <a:r>
+                <a:rPr lang="en-US" dirty="0" smtClean="0">
+                  <a:solidFill>
+                    <a:schemeClr val="bg1"/>
+                  </a:solidFill>
+                </a:rPr>
+                <a:t>small, 1</a:t>
+              </a:r>
+              <a:endParaRPr lang="en-US" dirty="0" smtClean="0">
+                <a:solidFill>
+                  <a:schemeClr val="bg1"/>
+                </a:solidFill>
+              </a:endParaRPr>
+            </a:p>
+            <a:p>
+              <a:pPr algn="ctr"/>
+              <a:r>
+                <a:rPr lang="en-US" dirty="0">
+                  <a:solidFill>
+                    <a:schemeClr val="bg1"/>
+                  </a:solidFill>
+                </a:rPr>
+                <a:t>s</a:t>
+              </a:r>
+              <a:r>
+                <a:rPr lang="en-US" dirty="0" smtClean="0">
+                  <a:solidFill>
+                    <a:schemeClr val="bg1"/>
+                  </a:solidFill>
+                </a:rPr>
+                <a:t>peaks, 1</a:t>
+              </a:r>
+              <a:endParaRPr lang="en-US" dirty="0" smtClean="0">
+                <a:solidFill>
+                  <a:schemeClr val="bg1"/>
+                </a:solidFill>
+              </a:endParaRPr>
+            </a:p>
+            <a:p>
+              <a:pPr algn="ctr"/>
+              <a:r>
+                <a:rPr lang="en-US" dirty="0">
+                  <a:solidFill>
+                    <a:schemeClr val="bg1"/>
+                  </a:solidFill>
+                </a:rPr>
+                <a:t>the, 2</a:t>
+              </a:r>
+              <a:endParaRPr lang="en-US" dirty="0">
+                <a:solidFill>
+                  <a:schemeClr val="bg1"/>
+                </a:solidFill>
+              </a:endParaRPr>
+            </a:p>
+            <a:p>
+              <a:pPr algn="ctr"/>
+              <a:r>
+                <a:rPr lang="en-US" dirty="0" smtClean="0">
+                  <a:solidFill>
+                    <a:schemeClr val="bg1"/>
+                  </a:solidFill>
+                </a:rPr>
+                <a:t>to, 1</a:t>
+              </a:r>
+              <a:endParaRPr lang="en-US" dirty="0" smtClean="0">
+                <a:solidFill>
+                  <a:schemeClr val="bg1"/>
+                </a:solidFill>
+              </a:endParaRPr>
+            </a:p>
+          </p:txBody>
+        </p:sp>
+        <p:sp>
+          <p:nvSpPr>
+            <p:cNvPr id="47" name="Right Arrow 46"/>
+            <p:cNvSpPr/>
+            <p:nvPr/>
+          </p:nvSpPr>
+          <p:spPr>
+            <a:xfrm>
+              <a:off x="9119931" y="3052405"/>
+              <a:ext cx="447369" cy="245491"/>
+            </a:xfrm>
+            <a:prstGeom prst="rightArrow">
+              <a:avLst/>
+            </a:prstGeom>
+          </p:spPr>
+          <p:style>
+            <a:lnRef idx="2">
+              <a:schemeClr val="accent1">
+                <a:shade val="50000"/>
+              </a:schemeClr>
+            </a:lnRef>
+            <a:fillRef idx="1">
+              <a:schemeClr val="accent1"/>
+            </a:fillRef>
+            <a:effectRef idx="0">
+              <a:schemeClr val="accent1"/>
+            </a:effectRef>
+            <a:fontRef idx="minor">
+              <a:schemeClr val="lt1"/>
+            </a:fontRef>
+          </p:style>
+          <p:txBody>
+            <a:bodyPr rtlCol="0" anchor="ctr"/>
+            <a:lstStyle/>
+            <a:p>
+              <a:pPr algn="ctr"/>
+              <a:endParaRPr lang="en-US">
+                <a:solidFill>
+                  <a:schemeClr val="bg1"/>
+                </a:solidFill>
+              </a:endParaRPr>
+            </a:p>
+          </p:txBody>
+        </p:sp>
+        <p:sp>
+          <p:nvSpPr>
+            <p:cNvPr id="48" name="Right Arrow 47"/>
+            <p:cNvSpPr/>
+            <p:nvPr/>
+          </p:nvSpPr>
+          <p:spPr>
+            <a:xfrm>
+              <a:off x="9119930" y="4935165"/>
+              <a:ext cx="447369" cy="245491"/>
+            </a:xfrm>
+            <a:prstGeom prst="rightArrow">
+              <a:avLst/>
+            </a:prstGeom>
+          </p:spPr>
+          <p:style>
+            <a:lnRef idx="2">
+              <a:schemeClr val="accent1">
+                <a:shade val="50000"/>
+              </a:schemeClr>
+            </a:lnRef>
+            <a:fillRef idx="1">
+              <a:schemeClr val="accent1"/>
+            </a:fillRef>
+            <a:effectRef idx="0">
+              <a:schemeClr val="accent1"/>
+            </a:effectRef>
+            <a:fontRef idx="minor">
+              <a:schemeClr val="lt1"/>
+            </a:fontRef>
+          </p:style>
+          <p:txBody>
+            <a:bodyPr rtlCol="0" anchor="ctr"/>
+            <a:lstStyle/>
+            <a:p>
+              <a:pPr algn="ctr"/>
+              <a:endParaRPr lang="en-US">
+                <a:solidFill>
+                  <a:schemeClr val="bg1"/>
+                </a:solidFill>
+              </a:endParaRPr>
+            </a:p>
+          </p:txBody>
+        </p:sp>
+      </p:grpSp>
+      <p:sp>
+        <p:nvSpPr>
+          <p:cNvPr id="54" name="Rectangle 53"/>
+          <p:cNvSpPr/>
+          <p:nvPr/>
+        </p:nvSpPr>
+        <p:spPr>
+          <a:xfrm>
+            <a:off x="5163630" y="2263003"/>
+            <a:ext cx="1131079" cy="338554"/>
+          </a:xfrm>
+          <a:prstGeom prst="rect">
+            <a:avLst/>
+          </a:prstGeom>
+        </p:spPr>
+        <p:txBody>
+          <a:bodyPr wrap="none">
+            <a:spAutoFit/>
+          </a:bodyPr>
+          <a:lstStyle/>
+          <a:p>
+            <a:r>
+              <a:rPr lang="en-US" sz="1600" dirty="0">
+                <a:solidFill>
+                  <a:schemeClr val="bg1"/>
+                </a:solidFill>
+              </a:rPr>
+              <a:t>&lt;brown, 1&gt;</a:t>
+            </a:r>
+            <a:endParaRPr lang="en-US" sz="1600" dirty="0">
+              <a:solidFill>
+                <a:schemeClr val="bg1"/>
+              </a:solidFill>
+            </a:endParaRPr>
+          </a:p>
+        </p:txBody>
+      </p:sp>
+      <p:sp>
+        <p:nvSpPr>
+          <p:cNvPr id="64" name="Rectangle 63"/>
+          <p:cNvSpPr/>
+          <p:nvPr/>
+        </p:nvSpPr>
+        <p:spPr>
+          <a:xfrm>
+            <a:off x="5137057" y="4918248"/>
+            <a:ext cx="1131079" cy="338554"/>
+          </a:xfrm>
+          <a:prstGeom prst="rect">
+            <a:avLst/>
+          </a:prstGeom>
+        </p:spPr>
+        <p:txBody>
+          <a:bodyPr wrap="none">
+            <a:spAutoFit/>
+          </a:bodyPr>
+          <a:lstStyle/>
+          <a:p>
+            <a:r>
+              <a:rPr lang="en-US" sz="1600" dirty="0">
+                <a:solidFill>
+                  <a:schemeClr val="bg1"/>
+                </a:solidFill>
+              </a:rPr>
+              <a:t>&lt;brown, 1&gt;</a:t>
+            </a:r>
+            <a:endParaRPr lang="en-US" sz="1600" dirty="0">
+              <a:solidFill>
+                <a:schemeClr val="bg1"/>
+              </a:solidFill>
+            </a:endParaRPr>
+          </a:p>
+        </p:txBody>
+      </p:sp>
+    </p:spTree>
+  </p:cSld>
+  <p:clrMapOvr>
+    <a:masterClrMapping/>
+  </p:clrMapOvr>
+  <p:timing>
+    <p:tnLst>
+      <p:par>
+        <p:cTn id="1" dur="indefinite" restart="never" nodeType="tmRoot">
+          <p:childTnLst>
+            <p:seq concurrent="1" nextAc="seek">
+              <p:cTn id="2" dur="indefinite" nodeType="mainSeq">
+                <p:childTnLst>
+                  <p:par>
+                    <p:cTn id="3" fill="hold">
+                      <p:stCondLst>
+                        <p:cond delay="indefinite"/>
+                      </p:stCondLst>
+                      <p:childTnLst>
+                        <p:par>
+                          <p:cTn id="4" fill="hold">
+                            <p:stCondLst>
+                              <p:cond delay="0"/>
+                            </p:stCondLst>
+                            <p:childTnLst>
+                              <p:par>
+                                <p:cTn id="5" presetID="22" presetClass="entr" presetSubtype="8" fill="hold" nodeType="clickEffect">
+                                  <p:stCondLst>
+                                    <p:cond delay="0"/>
+                                  </p:stCondLst>
+                                  <p:childTnLst>
+                                    <p:set>
+                                      <p:cBhvr>
+                                        <p:cTn id="6" dur="1" fill="hold">
+                                          <p:stCondLst>
+                                            <p:cond delay="0"/>
+                                          </p:stCondLst>
+                                        </p:cTn>
+                                        <p:tgtEl>
+                                          <p:spTgt spid="55"/>
+                                        </p:tgtEl>
+                                        <p:attrNameLst>
+                                          <p:attrName>style.visibility</p:attrName>
+                                        </p:attrNameLst>
+                                      </p:cBhvr>
+                                      <p:to>
+                                        <p:strVal val="visible"/>
+                                      </p:to>
+                                    </p:set>
+                                    <p:animEffect transition="in" filter="wipe(left)">
+                                      <p:cBhvr>
+                                        <p:cTn id="7" dur="500"/>
+                                        <p:tgtEl>
+                                          <p:spTgt spid="55"/>
+                                        </p:tgtEl>
+                                      </p:cBhvr>
+                                    </p:animEffect>
+                                  </p:childTnLst>
+                                </p:cTn>
+                              </p:par>
+                            </p:childTnLst>
+                          </p:cTn>
+                        </p:par>
+                      </p:childTnLst>
+                    </p:cTn>
+                  </p:par>
+                  <p:par>
+                    <p:cTn id="8" fill="hold">
+                      <p:stCondLst>
+                        <p:cond delay="indefinite"/>
+                      </p:stCondLst>
+                      <p:childTnLst>
+                        <p:par>
+                          <p:cTn id="9" fill="hold">
+                            <p:stCondLst>
+                              <p:cond delay="0"/>
+                            </p:stCondLst>
+                            <p:childTnLst>
+                              <p:par>
+                                <p:cTn id="10" presetID="22" presetClass="entr" presetSubtype="8" fill="hold" nodeType="clickEffect">
+                                  <p:stCondLst>
+                                    <p:cond delay="0"/>
+                                  </p:stCondLst>
+                                  <p:childTnLst>
+                                    <p:set>
+                                      <p:cBhvr>
+                                        <p:cTn id="11" dur="1" fill="hold">
+                                          <p:stCondLst>
+                                            <p:cond delay="0"/>
+                                          </p:stCondLst>
+                                        </p:cTn>
+                                        <p:tgtEl>
+                                          <p:spTgt spid="56"/>
+                                        </p:tgtEl>
+                                        <p:attrNameLst>
+                                          <p:attrName>style.visibility</p:attrName>
+                                        </p:attrNameLst>
+                                      </p:cBhvr>
+                                      <p:to>
+                                        <p:strVal val="visible"/>
+                                      </p:to>
+                                    </p:set>
+                                    <p:animEffect transition="in" filter="wipe(left)">
+                                      <p:cBhvr>
+                                        <p:cTn id="12" dur="500"/>
+                                        <p:tgtEl>
+                                          <p:spTgt spid="56"/>
+                                        </p:tgtEl>
+                                      </p:cBhvr>
+                                    </p:animEffect>
+                                  </p:childTnLst>
+                                </p:cTn>
+                              </p:par>
+                            </p:childTnLst>
+                          </p:cTn>
+                        </p:par>
+                      </p:childTnLst>
+                    </p:cTn>
+                  </p:par>
+                  <p:par>
+                    <p:cTn id="13" fill="hold">
+                      <p:stCondLst>
+                        <p:cond delay="indefinite"/>
+                      </p:stCondLst>
+                      <p:childTnLst>
+                        <p:par>
+                          <p:cTn id="14" fill="hold">
+                            <p:stCondLst>
+                              <p:cond delay="0"/>
+                            </p:stCondLst>
+                            <p:childTnLst>
+                              <p:par>
+                                <p:cTn id="15" presetID="22" presetClass="entr" presetSubtype="8" fill="hold" nodeType="clickEffect">
+                                  <p:stCondLst>
+                                    <p:cond delay="0"/>
+                                  </p:stCondLst>
+                                  <p:childTnLst>
+                                    <p:set>
+                                      <p:cBhvr>
+                                        <p:cTn id="16" dur="1" fill="hold">
+                                          <p:stCondLst>
+                                            <p:cond delay="0"/>
+                                          </p:stCondLst>
+                                        </p:cTn>
+                                        <p:tgtEl>
+                                          <p:spTgt spid="57"/>
+                                        </p:tgtEl>
+                                        <p:attrNameLst>
+                                          <p:attrName>style.visibility</p:attrName>
+                                        </p:attrNameLst>
+                                      </p:cBhvr>
+                                      <p:to>
+                                        <p:strVal val="visible"/>
+                                      </p:to>
+                                    </p:set>
+                                    <p:animEffect transition="in" filter="wipe(left)">
+                                      <p:cBhvr>
+                                        <p:cTn id="17" dur="500"/>
+                                        <p:tgtEl>
+                                          <p:spTgt spid="57"/>
+                                        </p:tgtEl>
+                                      </p:cBhvr>
+                                    </p:animEffect>
+                                  </p:childTnLst>
+                                </p:cTn>
+                              </p:par>
+                            </p:childTnLst>
+                          </p:cTn>
+                        </p:par>
+                      </p:childTnLst>
+                    </p:cTn>
+                  </p:par>
+                  <p:par>
+                    <p:cTn id="18" fill="hold">
+                      <p:stCondLst>
+                        <p:cond delay="indefinite"/>
+                      </p:stCondLst>
+                      <p:childTnLst>
+                        <p:par>
+                          <p:cTn id="19" fill="hold">
+                            <p:stCondLst>
+                              <p:cond delay="0"/>
+                            </p:stCondLst>
+                            <p:childTnLst>
+                              <p:par>
+                                <p:cTn id="20" presetID="22" presetClass="entr" presetSubtype="8" fill="hold" nodeType="clickEffect">
+                                  <p:stCondLst>
+                                    <p:cond delay="0"/>
+                                  </p:stCondLst>
+                                  <p:childTnLst>
+                                    <p:set>
+                                      <p:cBhvr>
+                                        <p:cTn id="21" dur="1" fill="hold">
+                                          <p:stCondLst>
+                                            <p:cond delay="0"/>
+                                          </p:stCondLst>
+                                        </p:cTn>
+                                        <p:tgtEl>
+                                          <p:spTgt spid="58"/>
+                                        </p:tgtEl>
+                                        <p:attrNameLst>
+                                          <p:attrName>style.visibility</p:attrName>
+                                        </p:attrNameLst>
+                                      </p:cBhvr>
+                                      <p:to>
+                                        <p:strVal val="visible"/>
+                                      </p:to>
+                                    </p:set>
+                                    <p:animEffect transition="in" filter="wipe(left)">
+                                      <p:cBhvr>
+                                        <p:cTn id="22" dur="500"/>
+                                        <p:tgtEl>
+                                          <p:spTgt spid="58"/>
+                                        </p:tgtEl>
+                                      </p:cBhvr>
+                                    </p:animEffect>
+                                  </p:childTnLst>
+                                </p:cTn>
+                              </p:par>
+                            </p:childTnLst>
+                          </p:cTn>
+                        </p:par>
+                      </p:childTnLst>
+                    </p:cTn>
+                  </p:par>
+                  <p:par>
+                    <p:cTn id="23" fill="hold">
+                      <p:stCondLst>
+                        <p:cond delay="indefinite"/>
+                      </p:stCondLst>
+                      <p:childTnLst>
+                        <p:par>
+                          <p:cTn id="24" fill="hold">
+                            <p:stCondLst>
+                              <p:cond delay="0"/>
+                            </p:stCondLst>
+                            <p:childTnLst>
+                              <p:par>
+                                <p:cTn id="25" presetID="22" presetClass="entr" presetSubtype="8" fill="hold" nodeType="clickEffect">
+                                  <p:stCondLst>
+                                    <p:cond delay="0"/>
+                                  </p:stCondLst>
+                                  <p:childTnLst>
+                                    <p:set>
+                                      <p:cBhvr>
+                                        <p:cTn id="26" dur="1" fill="hold">
+                                          <p:stCondLst>
+                                            <p:cond delay="0"/>
+                                          </p:stCondLst>
+                                        </p:cTn>
+                                        <p:tgtEl>
+                                          <p:spTgt spid="59"/>
+                                        </p:tgtEl>
+                                        <p:attrNameLst>
+                                          <p:attrName>style.visibility</p:attrName>
+                                        </p:attrNameLst>
+                                      </p:cBhvr>
+                                      <p:to>
+                                        <p:strVal val="visible"/>
+                                      </p:to>
+                                    </p:set>
+                                    <p:animEffect transition="in" filter="wipe(left)">
+                                      <p:cBhvr>
+                                        <p:cTn id="27" dur="500"/>
+                                        <p:tgtEl>
+                                          <p:spTgt spid="59"/>
+                                        </p:tgtEl>
+                                      </p:cBhvr>
+                                    </p:animEffect>
+                                  </p:childTnLst>
+                                </p:cTn>
+                              </p:par>
+                            </p:childTnLst>
+                          </p:cTn>
+                        </p:par>
+                      </p:childTnLst>
+                    </p:cTn>
+                  </p:par>
+                  <p:par>
+                    <p:cTn id="28" fill="hold">
+                      <p:stCondLst>
+                        <p:cond delay="indefinite"/>
+                      </p:stCondLst>
+                      <p:childTnLst>
+                        <p:par>
+                          <p:cTn id="29" fill="hold">
+                            <p:stCondLst>
+                              <p:cond delay="0"/>
+                            </p:stCondLst>
+                            <p:childTnLst>
+                              <p:par>
+                                <p:cTn id="30" presetID="1" presetClass="entr" presetSubtype="0" fill="hold" nodeType="clickEffect">
+                                  <p:stCondLst>
+                                    <p:cond delay="0"/>
+                                  </p:stCondLst>
+                                  <p:childTnLst>
+                                    <p:set>
+                                      <p:cBhvr>
+                                        <p:cTn id="31" dur="1" fill="hold">
+                                          <p:stCondLst>
+                                            <p:cond delay="0"/>
+                                          </p:stCondLst>
+                                        </p:cTn>
+                                        <p:tgtEl>
+                                          <p:spTgt spid="60"/>
+                                        </p:tgtEl>
+                                        <p:attrNameLst>
+                                          <p:attrName>style.visibility</p:attrName>
+                                        </p:attrNameLst>
+                                      </p:cBhvr>
+                                      <p:to>
+                                        <p:strVal val="visible"/>
+                                      </p:to>
+                                    </p:set>
+                                  </p:childTnLst>
+                                </p:cTn>
+                              </p:par>
+                              <p:par>
+                                <p:cTn id="32" presetID="1" presetClass="entr" presetSubtype="0" fill="hold" grpId="1" nodeType="withEffect">
+                                  <p:stCondLst>
+                                    <p:cond delay="0"/>
+                                  </p:stCondLst>
+                                  <p:childTnLst>
+                                    <p:set>
+                                      <p:cBhvr>
+                                        <p:cTn id="33" dur="1" fill="hold">
+                                          <p:stCondLst>
+                                            <p:cond delay="0"/>
+                                          </p:stCondLst>
+                                        </p:cTn>
+                                        <p:tgtEl>
+                                          <p:spTgt spid="64"/>
+                                        </p:tgtEl>
+                                        <p:attrNameLst>
+                                          <p:attrName>style.visibility</p:attrName>
+                                        </p:attrNameLst>
+                                      </p:cBhvr>
+                                      <p:to>
+                                        <p:strVal val="visible"/>
+                                      </p:to>
+                                    </p:set>
+                                  </p:childTnLst>
+                                </p:cTn>
+                              </p:par>
+                            </p:childTnLst>
+                          </p:cTn>
+                        </p:par>
+                      </p:childTnLst>
+                    </p:cTn>
+                  </p:par>
+                  <p:par>
+                    <p:cTn id="34" fill="hold">
+                      <p:stCondLst>
+                        <p:cond delay="indefinite"/>
+                      </p:stCondLst>
+                      <p:childTnLst>
+                        <p:par>
+                          <p:cTn id="35" fill="hold">
+                            <p:stCondLst>
+                              <p:cond delay="0"/>
+                            </p:stCondLst>
+                            <p:childTnLst>
+                              <p:par>
+                                <p:cTn id="36" presetID="22" presetClass="entr" presetSubtype="8" fill="hold" nodeType="clickEffect">
+                                  <p:stCondLst>
+                                    <p:cond delay="0"/>
+                                  </p:stCondLst>
+                                  <p:childTnLst>
+                                    <p:set>
+                                      <p:cBhvr>
+                                        <p:cTn id="37" dur="1" fill="hold">
+                                          <p:stCondLst>
+                                            <p:cond delay="0"/>
+                                          </p:stCondLst>
+                                        </p:cTn>
+                                        <p:tgtEl>
+                                          <p:spTgt spid="61"/>
+                                        </p:tgtEl>
+                                        <p:attrNameLst>
+                                          <p:attrName>style.visibility</p:attrName>
+                                        </p:attrNameLst>
+                                      </p:cBhvr>
+                                      <p:to>
+                                        <p:strVal val="visible"/>
+                                      </p:to>
+                                    </p:set>
+                                    <p:animEffect transition="in" filter="wipe(left)">
+                                      <p:cBhvr>
+                                        <p:cTn id="38" dur="500"/>
+                                        <p:tgtEl>
+                                          <p:spTgt spid="61"/>
+                                        </p:tgtEl>
+                                      </p:cBhvr>
+                                    </p:animEffect>
+                                  </p:childTnLst>
+                                </p:cTn>
+                              </p:par>
+                            </p:childTnLst>
+                          </p:cTn>
+                        </p:par>
+                      </p:childTnLst>
+                    </p:cTn>
+                  </p:par>
+                  <p:par>
+                    <p:cTn id="39" fill="hold">
+                      <p:stCondLst>
+                        <p:cond delay="indefinite"/>
+                      </p:stCondLst>
+                      <p:childTnLst>
+                        <p:par>
+                          <p:cTn id="40" fill="hold">
+                            <p:stCondLst>
+                              <p:cond delay="0"/>
+                            </p:stCondLst>
+                            <p:childTnLst>
+                              <p:par>
+                                <p:cTn id="41" presetID="22" presetClass="entr" presetSubtype="8" fill="hold" nodeType="clickEffect">
+                                  <p:stCondLst>
+                                    <p:cond delay="0"/>
+                                  </p:stCondLst>
+                                  <p:childTnLst>
+                                    <p:set>
+                                      <p:cBhvr>
+                                        <p:cTn id="42" dur="1" fill="hold">
+                                          <p:stCondLst>
+                                            <p:cond delay="0"/>
+                                          </p:stCondLst>
+                                        </p:cTn>
+                                        <p:tgtEl>
+                                          <p:spTgt spid="63"/>
+                                        </p:tgtEl>
+                                        <p:attrNameLst>
+                                          <p:attrName>style.visibility</p:attrName>
+                                        </p:attrNameLst>
+                                      </p:cBhvr>
+                                      <p:to>
+                                        <p:strVal val="visible"/>
+                                      </p:to>
+                                    </p:set>
+                                    <p:animEffect transition="in" filter="wipe(left)">
+                                      <p:cBhvr>
+                                        <p:cTn id="43" dur="500"/>
+                                        <p:tgtEl>
+                                          <p:spTgt spid="63"/>
+                                        </p:tgtEl>
+                                      </p:cBhvr>
+                                    </p:animEffect>
+                                  </p:childTnLst>
+                                </p:cTn>
+                              </p:par>
+                            </p:childTnLst>
+                          </p:cTn>
+                        </p:par>
+                      </p:childTnLst>
+                    </p:cTn>
+                  </p:par>
+                  <p:par>
+                    <p:cTn id="44" fill="hold">
+                      <p:stCondLst>
+                        <p:cond delay="indefinite"/>
+                      </p:stCondLst>
+                      <p:childTnLst>
+                        <p:par>
+                          <p:cTn id="45" fill="hold">
+                            <p:stCondLst>
+                              <p:cond delay="0"/>
+                            </p:stCondLst>
+                            <p:childTnLst>
+                              <p:par>
+                                <p:cTn id="46" presetID="42" presetClass="path" presetSubtype="0" accel="50000" decel="50000" fill="hold" grpId="0" nodeType="clickEffect">
+                                  <p:stCondLst>
+                                    <p:cond delay="0"/>
+                                  </p:stCondLst>
+                                  <p:childTnLst>
+                                    <p:animMotion origin="layout" path="M 1.66667E-6 3.33333E-6 L 0.1707 -0.22269 " pathEditMode="relative" rAng="0" ptsTypes="AA">
+                                      <p:cBhvr>
+                                        <p:cTn id="47" dur="2000" fill="hold"/>
+                                        <p:tgtEl>
+                                          <p:spTgt spid="64"/>
+                                        </p:tgtEl>
+                                        <p:attrNameLst>
+                                          <p:attrName>ppt_x</p:attrName>
+                                          <p:attrName>ppt_y</p:attrName>
+                                        </p:attrNameLst>
+                                      </p:cBhvr>
+                                      <p:rCtr x="8529" y="-11134"/>
+                                    </p:animMotion>
+                                  </p:childTnLst>
+                                </p:cTn>
+                              </p:par>
+                              <p:par>
+                                <p:cTn id="48" presetID="1" presetClass="entr" presetSubtype="0" fill="hold" nodeType="withEffect">
+                                  <p:stCondLst>
+                                    <p:cond delay="0"/>
+                                  </p:stCondLst>
+                                  <p:childTnLst>
+                                    <p:set>
+                                      <p:cBhvr>
+                                        <p:cTn id="49" dur="1" fill="hold">
+                                          <p:stCondLst>
+                                            <p:cond delay="0"/>
+                                          </p:stCondLst>
+                                        </p:cTn>
+                                        <p:tgtEl>
+                                          <p:spTgt spid="54">
+                                            <p:txEl>
+                                              <p:pRg st="0" end="0"/>
+                                            </p:txEl>
+                                          </p:spTgt>
+                                        </p:tgtEl>
+                                        <p:attrNameLst>
+                                          <p:attrName>style.visibility</p:attrName>
+                                        </p:attrNameLst>
+                                      </p:cBhvr>
+                                      <p:to>
+                                        <p:strVal val="visible"/>
+                                      </p:to>
+                                    </p:set>
+                                  </p:childTnLst>
+                                </p:cTn>
+                              </p:par>
+                              <p:par>
+                                <p:cTn id="50" presetID="42" presetClass="path" presetSubtype="0" accel="50000" decel="50000" fill="hold" grpId="0" nodeType="withEffect">
+                                  <p:stCondLst>
+                                    <p:cond delay="0"/>
+                                  </p:stCondLst>
+                                  <p:childTnLst>
+                                    <p:animMotion origin="layout" path="M -4.16667E-6 1.85185E-6 L 0.16498 0.07963 " pathEditMode="relative" rAng="0" ptsTypes="AA">
+                                      <p:cBhvr>
+                                        <p:cTn id="51" dur="2000" fill="hold"/>
+                                        <p:tgtEl>
+                                          <p:spTgt spid="54">
+                                            <p:txEl>
+                                              <p:pRg st="0" end="0"/>
+                                            </p:txEl>
+                                          </p:spTgt>
+                                        </p:tgtEl>
+                                        <p:attrNameLst>
+                                          <p:attrName>ppt_x</p:attrName>
+                                          <p:attrName>ppt_y</p:attrName>
+                                        </p:attrNameLst>
+                                      </p:cBhvr>
+                                      <p:rCtr x="8242" y="3981"/>
+                                    </p:animMotion>
+                                  </p:childTnLst>
+                                </p:cTn>
+                              </p:par>
+                            </p:childTnLst>
+                          </p:cTn>
+                        </p:par>
+                      </p:childTnLst>
+                    </p:cTn>
+                  </p:par>
+                  <p:par>
+                    <p:cTn id="52" fill="hold">
+                      <p:stCondLst>
+                        <p:cond delay="indefinite"/>
+                      </p:stCondLst>
+                      <p:childTnLst>
+                        <p:par>
+                          <p:cTn id="53" fill="hold">
+                            <p:stCondLst>
+                              <p:cond delay="0"/>
+                            </p:stCondLst>
+                            <p:childTnLst>
+                              <p:par>
+                                <p:cTn id="54" presetID="22" presetClass="entr" presetSubtype="8" fill="hold" nodeType="clickEffect">
+                                  <p:stCondLst>
+                                    <p:cond delay="0"/>
+                                  </p:stCondLst>
+                                  <p:childTnLst>
+                                    <p:set>
+                                      <p:cBhvr>
+                                        <p:cTn id="55" dur="1" fill="hold">
+                                          <p:stCondLst>
+                                            <p:cond delay="0"/>
+                                          </p:stCondLst>
+                                        </p:cTn>
+                                        <p:tgtEl>
+                                          <p:spTgt spid="62"/>
+                                        </p:tgtEl>
+                                        <p:attrNameLst>
+                                          <p:attrName>style.visibility</p:attrName>
+                                        </p:attrNameLst>
+                                      </p:cBhvr>
+                                      <p:to>
+                                        <p:strVal val="visible"/>
+                                      </p:to>
+                                    </p:set>
+                                    <p:animEffect transition="in" filter="wipe(left)">
+                                      <p:cBhvr>
+                                        <p:cTn id="56" dur="500"/>
+                                        <p:tgtEl>
+                                          <p:spTgt spid="62"/>
+                                        </p:tgtEl>
+                                      </p:cBhvr>
+                                    </p:animEffect>
+                                  </p:childTnLst>
+                                </p:cTn>
+                              </p:par>
+                            </p:childTnLst>
+                          </p:cTn>
+                        </p:par>
+                      </p:childTnLst>
+                    </p:cTn>
+                  </p:par>
+                </p:childTnLst>
+              </p:cTn>
+              <p:prevCondLst>
+                <p:cond evt="onPrev" delay="0">
+                  <p:tgtEl>
+                    <p:sldTgt/>
+                  </p:tgtEl>
+                </p:cond>
+              </p:prevCondLst>
+              <p:nextCondLst>
+                <p:cond evt="onNext" delay="0">
+                  <p:tgtEl>
+                    <p:sldTgt/>
+                  </p:tgtEl>
+                </p:cond>
+              </p:nextCondLst>
+            </p:seq>
+          </p:childTnLst>
+        </p:cTn>
+      </p:par>
+    </p:tnLst>
+    <p:bldLst>
+      <p:bldP spid="54" grpId="0" build="allAtOnce"/>
+      <p:bldP spid="64" grpId="0"/>
+      <p:bldP spid="64" grpId="1"/>
     </p:bldLst>
   </p:timing>
 </p:sld>
